--- a/My Note and Practice/Text to Numerical Data Conversion/Categorical(Text to Numeric) data conversion-CTtN/CTtN 1. Label Encoding/Label Encoding.pptx
+++ b/My Note and Practice/Text to Numerical Data Conversion/Categorical(Text to Numeric) data conversion-CTtN/CTtN 1. Label Encoding/Label Encoding.pptx
@@ -6,15 +6,14 @@
   </p:sldMasterIdLst>
   <p:sldIdLst>
     <p:sldId id="273" r:id="rId2"/>
-    <p:sldId id="274" r:id="rId3"/>
-    <p:sldId id="275" r:id="rId4"/>
-    <p:sldId id="276" r:id="rId5"/>
-    <p:sldId id="277" r:id="rId6"/>
-    <p:sldId id="278" r:id="rId7"/>
-    <p:sldId id="279" r:id="rId8"/>
-    <p:sldId id="280" r:id="rId9"/>
-    <p:sldId id="281" r:id="rId10"/>
-    <p:sldId id="282" r:id="rId11"/>
+    <p:sldId id="283" r:id="rId3"/>
+    <p:sldId id="285" r:id="rId4"/>
+    <p:sldId id="284" r:id="rId5"/>
+    <p:sldId id="274" r:id="rId6"/>
+    <p:sldId id="275" r:id="rId7"/>
+    <p:sldId id="276" r:id="rId8"/>
+    <p:sldId id="277" r:id="rId9"/>
+    <p:sldId id="282" r:id="rId10"/>
   </p:sldIdLst>
   <p:sldSz cx="12192000" cy="6858000"/>
   <p:notesSz cx="6858000" cy="9144000"/>
@@ -279,7 +278,7 @@
           <a:p>
             <a:fld id="{D6171EE1-2692-479A-A6A6-950CA86052A8}" type="datetimeFigureOut">
               <a:rPr lang="en-US" smtClean="0"/>
-              <a:t>10/30/2025</a:t>
+              <a:t>11/2/2025</a:t>
             </a:fld>
             <a:endParaRPr lang="en-US"/>
           </a:p>
@@ -477,7 +476,7 @@
           <a:p>
             <a:fld id="{D6171EE1-2692-479A-A6A6-950CA86052A8}" type="datetimeFigureOut">
               <a:rPr lang="en-US" smtClean="0"/>
-              <a:t>10/30/2025</a:t>
+              <a:t>11/2/2025</a:t>
             </a:fld>
             <a:endParaRPr lang="en-US"/>
           </a:p>
@@ -685,7 +684,7 @@
           <a:p>
             <a:fld id="{D6171EE1-2692-479A-A6A6-950CA86052A8}" type="datetimeFigureOut">
               <a:rPr lang="en-US" smtClean="0"/>
-              <a:t>10/30/2025</a:t>
+              <a:t>11/2/2025</a:t>
             </a:fld>
             <a:endParaRPr lang="en-US"/>
           </a:p>
@@ -883,7 +882,7 @@
           <a:p>
             <a:fld id="{D6171EE1-2692-479A-A6A6-950CA86052A8}" type="datetimeFigureOut">
               <a:rPr lang="en-US" smtClean="0"/>
-              <a:t>10/30/2025</a:t>
+              <a:t>11/2/2025</a:t>
             </a:fld>
             <a:endParaRPr lang="en-US"/>
           </a:p>
@@ -1158,7 +1157,7 @@
           <a:p>
             <a:fld id="{D6171EE1-2692-479A-A6A6-950CA86052A8}" type="datetimeFigureOut">
               <a:rPr lang="en-US" smtClean="0"/>
-              <a:t>10/30/2025</a:t>
+              <a:t>11/2/2025</a:t>
             </a:fld>
             <a:endParaRPr lang="en-US"/>
           </a:p>
@@ -1423,7 +1422,7 @@
           <a:p>
             <a:fld id="{D6171EE1-2692-479A-A6A6-950CA86052A8}" type="datetimeFigureOut">
               <a:rPr lang="en-US" smtClean="0"/>
-              <a:t>10/30/2025</a:t>
+              <a:t>11/2/2025</a:t>
             </a:fld>
             <a:endParaRPr lang="en-US"/>
           </a:p>
@@ -1835,7 +1834,7 @@
           <a:p>
             <a:fld id="{D6171EE1-2692-479A-A6A6-950CA86052A8}" type="datetimeFigureOut">
               <a:rPr lang="en-US" smtClean="0"/>
-              <a:t>10/30/2025</a:t>
+              <a:t>11/2/2025</a:t>
             </a:fld>
             <a:endParaRPr lang="en-US"/>
           </a:p>
@@ -1976,7 +1975,7 @@
           <a:p>
             <a:fld id="{D6171EE1-2692-479A-A6A6-950CA86052A8}" type="datetimeFigureOut">
               <a:rPr lang="en-US" smtClean="0"/>
-              <a:t>10/30/2025</a:t>
+              <a:t>11/2/2025</a:t>
             </a:fld>
             <a:endParaRPr lang="en-US"/>
           </a:p>
@@ -2089,7 +2088,7 @@
           <a:p>
             <a:fld id="{D6171EE1-2692-479A-A6A6-950CA86052A8}" type="datetimeFigureOut">
               <a:rPr lang="en-US" smtClean="0"/>
-              <a:t>10/30/2025</a:t>
+              <a:t>11/2/2025</a:t>
             </a:fld>
             <a:endParaRPr lang="en-US"/>
           </a:p>
@@ -2400,7 +2399,7 @@
           <a:p>
             <a:fld id="{D6171EE1-2692-479A-A6A6-950CA86052A8}" type="datetimeFigureOut">
               <a:rPr lang="en-US" smtClean="0"/>
-              <a:t>10/30/2025</a:t>
+              <a:t>11/2/2025</a:t>
             </a:fld>
             <a:endParaRPr lang="en-US"/>
           </a:p>
@@ -2688,7 +2687,7 @@
           <a:p>
             <a:fld id="{D6171EE1-2692-479A-A6A6-950CA86052A8}" type="datetimeFigureOut">
               <a:rPr lang="en-US" smtClean="0"/>
-              <a:t>10/30/2025</a:t>
+              <a:t>11/2/2025</a:t>
             </a:fld>
             <a:endParaRPr lang="en-US"/>
           </a:p>
@@ -2929,7 +2928,7 @@
           <a:p>
             <a:fld id="{D6171EE1-2692-479A-A6A6-950CA86052A8}" type="datetimeFigureOut">
               <a:rPr lang="en-US" smtClean="0"/>
-              <a:t>10/30/2025</a:t>
+              <a:t>11/2/2025</a:t>
             </a:fld>
             <a:endParaRPr lang="en-US"/>
           </a:p>
@@ -3470,7 +3469,7 @@
                 <a:ea typeface="Open Sans" pitchFamily="2" charset="0"/>
                 <a:cs typeface="Open Sans" pitchFamily="2" charset="0"/>
               </a:rPr>
-              <a:t>Applying it to nominal data can unwantedly suggest an order (e.g., Red = 0, Blue = 1, Green = 2), which may </a:t>
+              <a:t>Applying it to nominal data can unwantedly suggest an order (e.g., Blue = 0, Green = 1, Red = 2), which may </a:t>
             </a:r>
             <a:r>
               <a:rPr lang="en-US" sz="2400" b="1" dirty="0">
@@ -3539,7 +3538,5908 @@
 </p:sld>
 </file>
 
-<file path=ppt/slides/slide10.xml><?xml version="1.0" encoding="utf-8"?>
+<file path=ppt/slides/slide2.xml><?xml version="1.0" encoding="utf-8"?>
+<p:sld xmlns:a="http://schemas.openxmlformats.org/drawingml/2006/main" xmlns:r="http://schemas.openxmlformats.org/officeDocument/2006/relationships" xmlns:p="http://schemas.openxmlformats.org/presentationml/2006/main">
+  <p:cSld>
+    <p:spTree>
+      <p:nvGrpSpPr>
+        <p:cNvPr id="1" name="">
+          <a:extLst>
+            <a:ext uri="{FF2B5EF4-FFF2-40B4-BE49-F238E27FC236}">
+              <a16:creationId xmlns:a16="http://schemas.microsoft.com/office/drawing/2014/main" id="{05A583DE-CE12-4357-B61F-33E8EF0D6287}"/>
+            </a:ext>
+          </a:extLst>
+        </p:cNvPr>
+        <p:cNvGrpSpPr/>
+        <p:nvPr/>
+      </p:nvGrpSpPr>
+      <p:grpSpPr>
+        <a:xfrm>
+          <a:off x="0" y="0"/>
+          <a:ext cx="0" cy="0"/>
+          <a:chOff x="0" y="0"/>
+          <a:chExt cx="0" cy="0"/>
+        </a:xfrm>
+      </p:grpSpPr>
+      <p:sp>
+        <p:nvSpPr>
+          <p:cNvPr id="5" name="TextBox 4">
+            <a:extLst>
+              <a:ext uri="{FF2B5EF4-FFF2-40B4-BE49-F238E27FC236}">
+                <a16:creationId xmlns:a16="http://schemas.microsoft.com/office/drawing/2014/main" id="{2E14B6EB-058B-5B1C-A2F6-F45CD2748B00}"/>
+              </a:ext>
+            </a:extLst>
+          </p:cNvPr>
+          <p:cNvSpPr txBox="1"/>
+          <p:nvPr/>
+        </p:nvSpPr>
+        <p:spPr>
+          <a:xfrm>
+            <a:off x="1597742" y="403123"/>
+            <a:ext cx="8996516" cy="646331"/>
+          </a:xfrm>
+          <a:prstGeom prst="rect">
+            <a:avLst/>
+          </a:prstGeom>
+          <a:noFill/>
+        </p:spPr>
+        <p:txBody>
+          <a:bodyPr wrap="square" rtlCol="0">
+            <a:spAutoFit/>
+          </a:bodyPr>
+          <a:lstStyle/>
+          <a:p>
+            <a:pPr algn="ctr"/>
+            <a:r>
+              <a:rPr lang="en-US" sz="3600" dirty="0">
+                <a:latin typeface="Bebas Neue" panose="020B0606020202050201" pitchFamily="34" charset="0"/>
+              </a:rPr>
+              <a:t>How Label encoding Works</a:t>
+            </a:r>
+          </a:p>
+        </p:txBody>
+      </p:sp>
+      <p:sp>
+        <p:nvSpPr>
+          <p:cNvPr id="7" name="TextBox 6">
+            <a:extLst>
+              <a:ext uri="{FF2B5EF4-FFF2-40B4-BE49-F238E27FC236}">
+                <a16:creationId xmlns:a16="http://schemas.microsoft.com/office/drawing/2014/main" id="{35E66BA1-A812-651A-1898-7B4308936FEE}"/>
+              </a:ext>
+            </a:extLst>
+          </p:cNvPr>
+          <p:cNvSpPr txBox="1"/>
+          <p:nvPr/>
+        </p:nvSpPr>
+        <p:spPr>
+          <a:xfrm>
+            <a:off x="1597742" y="1049454"/>
+            <a:ext cx="8996516" cy="461665"/>
+          </a:xfrm>
+          <a:prstGeom prst="rect">
+            <a:avLst/>
+          </a:prstGeom>
+          <a:noFill/>
+        </p:spPr>
+        <p:txBody>
+          <a:bodyPr wrap="square" rtlCol="0">
+            <a:spAutoFit/>
+          </a:bodyPr>
+          <a:lstStyle/>
+          <a:p>
+            <a:r>
+              <a:rPr lang="en-US" sz="2400" dirty="0">
+                <a:latin typeface="Open Sans" pitchFamily="2" charset="0"/>
+                <a:ea typeface="Open Sans" pitchFamily="2" charset="0"/>
+                <a:cs typeface="Open Sans" pitchFamily="2" charset="0"/>
+              </a:rPr>
+              <a:t>It assigns numbers (label) for </a:t>
+            </a:r>
+            <a:r>
+              <a:rPr lang="en-US" sz="2400" b="1" dirty="0">
+                <a:latin typeface="Open Sans" pitchFamily="2" charset="0"/>
+                <a:ea typeface="Open Sans" pitchFamily="2" charset="0"/>
+                <a:cs typeface="Open Sans" pitchFamily="2" charset="0"/>
+              </a:rPr>
+              <a:t>unique labels</a:t>
+            </a:r>
+            <a:r>
+              <a:rPr lang="en-US" sz="2400" dirty="0">
+                <a:latin typeface="Open Sans" pitchFamily="2" charset="0"/>
+                <a:ea typeface="Open Sans" pitchFamily="2" charset="0"/>
+                <a:cs typeface="Open Sans" pitchFamily="2" charset="0"/>
+              </a:rPr>
+              <a:t>.</a:t>
+            </a:r>
+          </a:p>
+        </p:txBody>
+      </p:sp>
+      <p:graphicFrame>
+        <p:nvGraphicFramePr>
+          <p:cNvPr id="2" name="Table 1">
+            <a:extLst>
+              <a:ext uri="{FF2B5EF4-FFF2-40B4-BE49-F238E27FC236}">
+                <a16:creationId xmlns:a16="http://schemas.microsoft.com/office/drawing/2014/main" id="{3C19AE93-DDCE-B456-A00B-7818049F0C67}"/>
+              </a:ext>
+            </a:extLst>
+          </p:cNvPr>
+          <p:cNvGraphicFramePr>
+            <a:graphicFrameLocks noGrp="1"/>
+          </p:cNvGraphicFramePr>
+          <p:nvPr>
+            <p:extLst>
+              <p:ext uri="{D42A27DB-BD31-4B8C-83A1-F6EECF244321}">
+                <p14:modId xmlns:p14="http://schemas.microsoft.com/office/powerpoint/2010/main" val="1925303897"/>
+              </p:ext>
+            </p:extLst>
+          </p:nvPr>
+        </p:nvGraphicFramePr>
+        <p:xfrm>
+          <a:off x="1707535" y="1880451"/>
+          <a:ext cx="2579330" cy="2987040"/>
+        </p:xfrm>
+        <a:graphic>
+          <a:graphicData uri="http://schemas.openxmlformats.org/drawingml/2006/table">
+            <a:tbl>
+              <a:tblPr firstRow="1" bandRow="1">
+                <a:tableStyleId>{7DF18680-E054-41AD-8BC1-D1AEF772440D}</a:tableStyleId>
+              </a:tblPr>
+              <a:tblGrid>
+                <a:gridCol w="290195">
+                  <a:extLst>
+                    <a:ext uri="{9D8B030D-6E8A-4147-A177-3AD203B41FA5}">
+                      <a16:colId xmlns:a16="http://schemas.microsoft.com/office/drawing/2014/main" val="3641920023"/>
+                    </a:ext>
+                  </a:extLst>
+                </a:gridCol>
+                <a:gridCol w="1227251">
+                  <a:extLst>
+                    <a:ext uri="{9D8B030D-6E8A-4147-A177-3AD203B41FA5}">
+                      <a16:colId xmlns:a16="http://schemas.microsoft.com/office/drawing/2014/main" val="3680883337"/>
+                    </a:ext>
+                  </a:extLst>
+                </a:gridCol>
+                <a:gridCol w="1061884">
+                  <a:extLst>
+                    <a:ext uri="{9D8B030D-6E8A-4147-A177-3AD203B41FA5}">
+                      <a16:colId xmlns:a16="http://schemas.microsoft.com/office/drawing/2014/main" val="2070096912"/>
+                    </a:ext>
+                  </a:extLst>
+                </a:gridCol>
+              </a:tblGrid>
+              <a:tr h="370840">
+                <a:tc>
+                  <a:txBody>
+                    <a:bodyPr/>
+                    <a:lstStyle/>
+                    <a:p>
+                      <a:pPr algn="r" fontAlgn="ctr">
+                        <a:buNone/>
+                      </a:pPr>
+                      <a:endParaRPr lang="en-US" sz="2400" dirty="0">
+                        <a:effectLst/>
+                        <a:latin typeface="Open Sans" pitchFamily="2" charset="0"/>
+                        <a:ea typeface="Open Sans" pitchFamily="2" charset="0"/>
+                        <a:cs typeface="Open Sans" pitchFamily="2" charset="0"/>
+                      </a:endParaRPr>
+                    </a:p>
+                  </a:txBody>
+                  <a:tcPr marL="60960" marR="60960" marT="30480" marB="30480" anchor="ctr"/>
+                </a:tc>
+                <a:tc>
+                  <a:txBody>
+                    <a:bodyPr/>
+                    <a:lstStyle/>
+                    <a:p>
+                      <a:pPr algn="l" fontAlgn="ctr">
+                        <a:buNone/>
+                      </a:pPr>
+                      <a:r>
+                        <a:rPr lang="en-US" sz="2400" dirty="0">
+                          <a:effectLst/>
+                        </a:rPr>
+                        <a:t>Fruit</a:t>
+                      </a:r>
+                      <a:endParaRPr lang="en-US" sz="2400" dirty="0">
+                        <a:effectLst/>
+                        <a:latin typeface="Open Sans" pitchFamily="2" charset="0"/>
+                        <a:ea typeface="Open Sans" pitchFamily="2" charset="0"/>
+                        <a:cs typeface="Open Sans" pitchFamily="2" charset="0"/>
+                      </a:endParaRPr>
+                    </a:p>
+                  </a:txBody>
+                  <a:tcPr marL="60960" marR="60960" marT="30480" marB="30480" anchor="ctr"/>
+                </a:tc>
+                <a:tc>
+                  <a:txBody>
+                    <a:bodyPr/>
+                    <a:lstStyle/>
+                    <a:p>
+                      <a:pPr algn="l" fontAlgn="ctr">
+                        <a:buNone/>
+                      </a:pPr>
+                      <a:r>
+                        <a:rPr lang="en-US" sz="2400" dirty="0">
+                          <a:effectLst/>
+                        </a:rPr>
+                        <a:t>Price</a:t>
+                      </a:r>
+                      <a:endParaRPr lang="en-US" sz="2400" dirty="0">
+                        <a:effectLst/>
+                        <a:latin typeface="Open Sans" pitchFamily="2" charset="0"/>
+                        <a:ea typeface="Open Sans" pitchFamily="2" charset="0"/>
+                        <a:cs typeface="Open Sans" pitchFamily="2" charset="0"/>
+                      </a:endParaRPr>
+                    </a:p>
+                  </a:txBody>
+                  <a:tcPr marL="60960" marR="60960" marT="30480" marB="30480" anchor="ctr"/>
+                </a:tc>
+                <a:extLst>
+                  <a:ext uri="{0D108BD9-81ED-4DB2-BD59-A6C34878D82A}">
+                    <a16:rowId xmlns:a16="http://schemas.microsoft.com/office/drawing/2014/main" val="1633612920"/>
+                  </a:ext>
+                </a:extLst>
+              </a:tr>
+              <a:tr h="370840">
+                <a:tc>
+                  <a:txBody>
+                    <a:bodyPr/>
+                    <a:lstStyle/>
+                    <a:p>
+                      <a:pPr algn="r" fontAlgn="ctr">
+                        <a:buNone/>
+                      </a:pPr>
+                      <a:r>
+                        <a:rPr lang="en-US" sz="2400" b="0" dirty="0">
+                          <a:effectLst/>
+                        </a:rPr>
+                        <a:t>0</a:t>
+                      </a:r>
+                      <a:endParaRPr lang="en-US" sz="2400" b="0" dirty="0">
+                        <a:effectLst/>
+                        <a:latin typeface="Open Sans" pitchFamily="2" charset="0"/>
+                        <a:ea typeface="Open Sans" pitchFamily="2" charset="0"/>
+                        <a:cs typeface="Open Sans" pitchFamily="2" charset="0"/>
+                      </a:endParaRPr>
+                    </a:p>
+                  </a:txBody>
+                  <a:tcPr marL="60960" marR="60960" marT="30480" marB="30480" anchor="ctr"/>
+                </a:tc>
+                <a:tc>
+                  <a:txBody>
+                    <a:bodyPr/>
+                    <a:lstStyle/>
+                    <a:p>
+                      <a:pPr>
+                        <a:buNone/>
+                      </a:pPr>
+                      <a:r>
+                        <a:rPr lang="en-US" sz="2400" dirty="0">
+                          <a:effectLst/>
+                        </a:rPr>
+                        <a:t>Apple</a:t>
+                      </a:r>
+                      <a:endParaRPr lang="en-US" sz="2400" dirty="0">
+                        <a:effectLst/>
+                        <a:latin typeface="Open Sans" pitchFamily="2" charset="0"/>
+                        <a:ea typeface="Open Sans" pitchFamily="2" charset="0"/>
+                        <a:cs typeface="Open Sans" pitchFamily="2" charset="0"/>
+                      </a:endParaRPr>
+                    </a:p>
+                  </a:txBody>
+                  <a:tcPr marL="60960" marR="60960" marT="30480" marB="30480" anchor="ctr"/>
+                </a:tc>
+                <a:tc>
+                  <a:txBody>
+                    <a:bodyPr/>
+                    <a:lstStyle/>
+                    <a:p>
+                      <a:pPr>
+                        <a:buNone/>
+                      </a:pPr>
+                      <a:r>
+                        <a:rPr lang="en-US" sz="2400" dirty="0">
+                          <a:effectLst/>
+                        </a:rPr>
+                        <a:t>1.2</a:t>
+                      </a:r>
+                      <a:endParaRPr lang="en-US" sz="2400" dirty="0">
+                        <a:effectLst/>
+                        <a:latin typeface="Open Sans" pitchFamily="2" charset="0"/>
+                        <a:ea typeface="Open Sans" pitchFamily="2" charset="0"/>
+                        <a:cs typeface="Open Sans" pitchFamily="2" charset="0"/>
+                      </a:endParaRPr>
+                    </a:p>
+                  </a:txBody>
+                  <a:tcPr marL="60960" marR="60960" marT="30480" marB="30480" anchor="ctr"/>
+                </a:tc>
+                <a:extLst>
+                  <a:ext uri="{0D108BD9-81ED-4DB2-BD59-A6C34878D82A}">
+                    <a16:rowId xmlns:a16="http://schemas.microsoft.com/office/drawing/2014/main" val="3458886964"/>
+                  </a:ext>
+                </a:extLst>
+              </a:tr>
+              <a:tr h="370840">
+                <a:tc>
+                  <a:txBody>
+                    <a:bodyPr/>
+                    <a:lstStyle/>
+                    <a:p>
+                      <a:pPr algn="r" fontAlgn="ctr">
+                        <a:buNone/>
+                      </a:pPr>
+                      <a:r>
+                        <a:rPr lang="en-US" sz="2400" b="0" dirty="0">
+                          <a:effectLst/>
+                        </a:rPr>
+                        <a:t>1</a:t>
+                      </a:r>
+                      <a:endParaRPr lang="en-US" sz="2400" b="0" dirty="0">
+                        <a:effectLst/>
+                        <a:latin typeface="Open Sans" pitchFamily="2" charset="0"/>
+                        <a:ea typeface="Open Sans" pitchFamily="2" charset="0"/>
+                        <a:cs typeface="Open Sans" pitchFamily="2" charset="0"/>
+                      </a:endParaRPr>
+                    </a:p>
+                  </a:txBody>
+                  <a:tcPr marL="60960" marR="60960" marT="30480" marB="30480" anchor="ctr"/>
+                </a:tc>
+                <a:tc>
+                  <a:txBody>
+                    <a:bodyPr/>
+                    <a:lstStyle/>
+                    <a:p>
+                      <a:pPr>
+                        <a:buNone/>
+                      </a:pPr>
+                      <a:r>
+                        <a:rPr lang="en-US" sz="2400" dirty="0">
+                          <a:effectLst/>
+                        </a:rPr>
+                        <a:t>Banana</a:t>
+                      </a:r>
+                      <a:endParaRPr lang="en-US" sz="2400" dirty="0">
+                        <a:effectLst/>
+                        <a:latin typeface="Open Sans" pitchFamily="2" charset="0"/>
+                        <a:ea typeface="Open Sans" pitchFamily="2" charset="0"/>
+                        <a:cs typeface="Open Sans" pitchFamily="2" charset="0"/>
+                      </a:endParaRPr>
+                    </a:p>
+                  </a:txBody>
+                  <a:tcPr marL="60960" marR="60960" marT="30480" marB="30480" anchor="ctr"/>
+                </a:tc>
+                <a:tc>
+                  <a:txBody>
+                    <a:bodyPr/>
+                    <a:lstStyle/>
+                    <a:p>
+                      <a:pPr>
+                        <a:buNone/>
+                      </a:pPr>
+                      <a:r>
+                        <a:rPr lang="en-US" sz="2400" dirty="0">
+                          <a:effectLst/>
+                        </a:rPr>
+                        <a:t>0.5</a:t>
+                      </a:r>
+                      <a:endParaRPr lang="en-US" sz="2400" dirty="0">
+                        <a:effectLst/>
+                        <a:latin typeface="Open Sans" pitchFamily="2" charset="0"/>
+                        <a:ea typeface="Open Sans" pitchFamily="2" charset="0"/>
+                        <a:cs typeface="Open Sans" pitchFamily="2" charset="0"/>
+                      </a:endParaRPr>
+                    </a:p>
+                  </a:txBody>
+                  <a:tcPr marL="60960" marR="60960" marT="30480" marB="30480" anchor="ctr"/>
+                </a:tc>
+                <a:extLst>
+                  <a:ext uri="{0D108BD9-81ED-4DB2-BD59-A6C34878D82A}">
+                    <a16:rowId xmlns:a16="http://schemas.microsoft.com/office/drawing/2014/main" val="3191166595"/>
+                  </a:ext>
+                </a:extLst>
+              </a:tr>
+              <a:tr h="370840">
+                <a:tc>
+                  <a:txBody>
+                    <a:bodyPr/>
+                    <a:lstStyle/>
+                    <a:p>
+                      <a:pPr algn="r" fontAlgn="ctr">
+                        <a:buNone/>
+                      </a:pPr>
+                      <a:r>
+                        <a:rPr lang="en-US" sz="2400" b="0" dirty="0">
+                          <a:effectLst/>
+                        </a:rPr>
+                        <a:t>2</a:t>
+                      </a:r>
+                      <a:endParaRPr lang="en-US" sz="2400" b="0" dirty="0">
+                        <a:effectLst/>
+                        <a:latin typeface="Open Sans" pitchFamily="2" charset="0"/>
+                        <a:ea typeface="Open Sans" pitchFamily="2" charset="0"/>
+                        <a:cs typeface="Open Sans" pitchFamily="2" charset="0"/>
+                      </a:endParaRPr>
+                    </a:p>
+                  </a:txBody>
+                  <a:tcPr marL="60960" marR="60960" marT="30480" marB="30480" anchor="ctr"/>
+                </a:tc>
+                <a:tc>
+                  <a:txBody>
+                    <a:bodyPr/>
+                    <a:lstStyle/>
+                    <a:p>
+                      <a:pPr>
+                        <a:buNone/>
+                      </a:pPr>
+                      <a:r>
+                        <a:rPr lang="en-US" sz="2400" dirty="0">
+                          <a:effectLst/>
+                        </a:rPr>
+                        <a:t>Orange</a:t>
+                      </a:r>
+                      <a:endParaRPr lang="en-US" sz="2400" dirty="0">
+                        <a:effectLst/>
+                        <a:latin typeface="Open Sans" pitchFamily="2" charset="0"/>
+                        <a:ea typeface="Open Sans" pitchFamily="2" charset="0"/>
+                        <a:cs typeface="Open Sans" pitchFamily="2" charset="0"/>
+                      </a:endParaRPr>
+                    </a:p>
+                  </a:txBody>
+                  <a:tcPr marL="60960" marR="60960" marT="30480" marB="30480" anchor="ctr"/>
+                </a:tc>
+                <a:tc>
+                  <a:txBody>
+                    <a:bodyPr/>
+                    <a:lstStyle/>
+                    <a:p>
+                      <a:pPr>
+                        <a:buNone/>
+                      </a:pPr>
+                      <a:r>
+                        <a:rPr lang="en-US" sz="2400">
+                          <a:effectLst/>
+                        </a:rPr>
+                        <a:t>0.8</a:t>
+                      </a:r>
+                      <a:endParaRPr lang="en-US" sz="2400">
+                        <a:effectLst/>
+                        <a:latin typeface="Open Sans" pitchFamily="2" charset="0"/>
+                        <a:ea typeface="Open Sans" pitchFamily="2" charset="0"/>
+                        <a:cs typeface="Open Sans" pitchFamily="2" charset="0"/>
+                      </a:endParaRPr>
+                    </a:p>
+                  </a:txBody>
+                  <a:tcPr marL="60960" marR="60960" marT="30480" marB="30480" anchor="ctr"/>
+                </a:tc>
+                <a:extLst>
+                  <a:ext uri="{0D108BD9-81ED-4DB2-BD59-A6C34878D82A}">
+                    <a16:rowId xmlns:a16="http://schemas.microsoft.com/office/drawing/2014/main" val="1252030453"/>
+                  </a:ext>
+                </a:extLst>
+              </a:tr>
+              <a:tr h="370840">
+                <a:tc>
+                  <a:txBody>
+                    <a:bodyPr/>
+                    <a:lstStyle/>
+                    <a:p>
+                      <a:pPr algn="r" fontAlgn="ctr">
+                        <a:buNone/>
+                      </a:pPr>
+                      <a:r>
+                        <a:rPr lang="en-US" sz="2400" b="0">
+                          <a:effectLst/>
+                        </a:rPr>
+                        <a:t>3</a:t>
+                      </a:r>
+                      <a:endParaRPr lang="en-US" sz="2400" b="0">
+                        <a:effectLst/>
+                        <a:latin typeface="Open Sans" pitchFamily="2" charset="0"/>
+                        <a:ea typeface="Open Sans" pitchFamily="2" charset="0"/>
+                        <a:cs typeface="Open Sans" pitchFamily="2" charset="0"/>
+                      </a:endParaRPr>
+                    </a:p>
+                  </a:txBody>
+                  <a:tcPr marL="60960" marR="60960" marT="30480" marB="30480" anchor="ctr"/>
+                </a:tc>
+                <a:tc>
+                  <a:txBody>
+                    <a:bodyPr/>
+                    <a:lstStyle/>
+                    <a:p>
+                      <a:pPr>
+                        <a:buNone/>
+                      </a:pPr>
+                      <a:r>
+                        <a:rPr lang="en-US" sz="2400" dirty="0">
+                          <a:effectLst/>
+                        </a:rPr>
+                        <a:t>Apple</a:t>
+                      </a:r>
+                      <a:endParaRPr lang="en-US" sz="2400" dirty="0">
+                        <a:effectLst/>
+                        <a:latin typeface="Open Sans" pitchFamily="2" charset="0"/>
+                        <a:ea typeface="Open Sans" pitchFamily="2" charset="0"/>
+                        <a:cs typeface="Open Sans" pitchFamily="2" charset="0"/>
+                      </a:endParaRPr>
+                    </a:p>
+                  </a:txBody>
+                  <a:tcPr marL="60960" marR="60960" marT="30480" marB="30480" anchor="ctr"/>
+                </a:tc>
+                <a:tc>
+                  <a:txBody>
+                    <a:bodyPr/>
+                    <a:lstStyle/>
+                    <a:p>
+                      <a:pPr>
+                        <a:buNone/>
+                      </a:pPr>
+                      <a:r>
+                        <a:rPr lang="en-US" sz="2400">
+                          <a:effectLst/>
+                        </a:rPr>
+                        <a:t>1.3</a:t>
+                      </a:r>
+                      <a:endParaRPr lang="en-US" sz="2400">
+                        <a:effectLst/>
+                        <a:latin typeface="Open Sans" pitchFamily="2" charset="0"/>
+                        <a:ea typeface="Open Sans" pitchFamily="2" charset="0"/>
+                        <a:cs typeface="Open Sans" pitchFamily="2" charset="0"/>
+                      </a:endParaRPr>
+                    </a:p>
+                  </a:txBody>
+                  <a:tcPr marL="60960" marR="60960" marT="30480" marB="30480" anchor="ctr"/>
+                </a:tc>
+                <a:extLst>
+                  <a:ext uri="{0D108BD9-81ED-4DB2-BD59-A6C34878D82A}">
+                    <a16:rowId xmlns:a16="http://schemas.microsoft.com/office/drawing/2014/main" val="531203357"/>
+                  </a:ext>
+                </a:extLst>
+              </a:tr>
+              <a:tr h="370840">
+                <a:tc>
+                  <a:txBody>
+                    <a:bodyPr/>
+                    <a:lstStyle/>
+                    <a:p>
+                      <a:pPr algn="r" fontAlgn="ctr">
+                        <a:buNone/>
+                      </a:pPr>
+                      <a:r>
+                        <a:rPr lang="en-US" sz="2400" b="0">
+                          <a:effectLst/>
+                        </a:rPr>
+                        <a:t>4</a:t>
+                      </a:r>
+                      <a:endParaRPr lang="en-US" sz="2400" b="0">
+                        <a:effectLst/>
+                        <a:latin typeface="Open Sans" pitchFamily="2" charset="0"/>
+                        <a:ea typeface="Open Sans" pitchFamily="2" charset="0"/>
+                        <a:cs typeface="Open Sans" pitchFamily="2" charset="0"/>
+                      </a:endParaRPr>
+                    </a:p>
+                  </a:txBody>
+                  <a:tcPr marL="60960" marR="60960" marT="30480" marB="30480" anchor="ctr"/>
+                </a:tc>
+                <a:tc>
+                  <a:txBody>
+                    <a:bodyPr/>
+                    <a:lstStyle/>
+                    <a:p>
+                      <a:pPr>
+                        <a:buNone/>
+                      </a:pPr>
+                      <a:r>
+                        <a:rPr lang="en-US" sz="2400">
+                          <a:effectLst/>
+                        </a:rPr>
+                        <a:t>Orange</a:t>
+                      </a:r>
+                      <a:endParaRPr lang="en-US" sz="2400">
+                        <a:effectLst/>
+                        <a:latin typeface="Open Sans" pitchFamily="2" charset="0"/>
+                        <a:ea typeface="Open Sans" pitchFamily="2" charset="0"/>
+                        <a:cs typeface="Open Sans" pitchFamily="2" charset="0"/>
+                      </a:endParaRPr>
+                    </a:p>
+                  </a:txBody>
+                  <a:tcPr marL="60960" marR="60960" marT="30480" marB="30480" anchor="ctr"/>
+                </a:tc>
+                <a:tc>
+                  <a:txBody>
+                    <a:bodyPr/>
+                    <a:lstStyle/>
+                    <a:p>
+                      <a:pPr>
+                        <a:buNone/>
+                      </a:pPr>
+                      <a:r>
+                        <a:rPr lang="en-US" sz="2400" dirty="0">
+                          <a:effectLst/>
+                        </a:rPr>
+                        <a:t>0.9</a:t>
+                      </a:r>
+                      <a:endParaRPr lang="en-US" sz="2400" dirty="0">
+                        <a:effectLst/>
+                        <a:latin typeface="Open Sans" pitchFamily="2" charset="0"/>
+                        <a:ea typeface="Open Sans" pitchFamily="2" charset="0"/>
+                        <a:cs typeface="Open Sans" pitchFamily="2" charset="0"/>
+                      </a:endParaRPr>
+                    </a:p>
+                  </a:txBody>
+                  <a:tcPr marL="60960" marR="60960" marT="30480" marB="30480" anchor="ctr"/>
+                </a:tc>
+                <a:extLst>
+                  <a:ext uri="{0D108BD9-81ED-4DB2-BD59-A6C34878D82A}">
+                    <a16:rowId xmlns:a16="http://schemas.microsoft.com/office/drawing/2014/main" val="530282127"/>
+                  </a:ext>
+                </a:extLst>
+              </a:tr>
+              <a:tr h="370840">
+                <a:tc>
+                  <a:txBody>
+                    <a:bodyPr/>
+                    <a:lstStyle/>
+                    <a:p>
+                      <a:pPr algn="r" fontAlgn="ctr">
+                        <a:buNone/>
+                      </a:pPr>
+                      <a:r>
+                        <a:rPr lang="en-US" sz="2400" b="0">
+                          <a:effectLst/>
+                        </a:rPr>
+                        <a:t>5</a:t>
+                      </a:r>
+                      <a:endParaRPr lang="en-US" sz="2400" b="0">
+                        <a:effectLst/>
+                        <a:latin typeface="Open Sans" pitchFamily="2" charset="0"/>
+                        <a:ea typeface="Open Sans" pitchFamily="2" charset="0"/>
+                        <a:cs typeface="Open Sans" pitchFamily="2" charset="0"/>
+                      </a:endParaRPr>
+                    </a:p>
+                  </a:txBody>
+                  <a:tcPr marL="60960" marR="60960" marT="30480" marB="30480" anchor="ctr"/>
+                </a:tc>
+                <a:tc>
+                  <a:txBody>
+                    <a:bodyPr/>
+                    <a:lstStyle/>
+                    <a:p>
+                      <a:pPr>
+                        <a:buNone/>
+                      </a:pPr>
+                      <a:r>
+                        <a:rPr lang="en-US" sz="2400">
+                          <a:effectLst/>
+                        </a:rPr>
+                        <a:t>Banana</a:t>
+                      </a:r>
+                      <a:endParaRPr lang="en-US" sz="2400">
+                        <a:effectLst/>
+                        <a:latin typeface="Open Sans" pitchFamily="2" charset="0"/>
+                        <a:ea typeface="Open Sans" pitchFamily="2" charset="0"/>
+                        <a:cs typeface="Open Sans" pitchFamily="2" charset="0"/>
+                      </a:endParaRPr>
+                    </a:p>
+                  </a:txBody>
+                  <a:tcPr marL="60960" marR="60960" marT="30480" marB="30480" anchor="ctr"/>
+                </a:tc>
+                <a:tc>
+                  <a:txBody>
+                    <a:bodyPr/>
+                    <a:lstStyle/>
+                    <a:p>
+                      <a:pPr>
+                        <a:buNone/>
+                      </a:pPr>
+                      <a:r>
+                        <a:rPr lang="en-US" sz="2400" dirty="0">
+                          <a:effectLst/>
+                        </a:rPr>
+                        <a:t>0.6</a:t>
+                      </a:r>
+                      <a:endParaRPr lang="en-US" sz="2400" dirty="0">
+                        <a:effectLst/>
+                        <a:latin typeface="Open Sans" pitchFamily="2" charset="0"/>
+                        <a:ea typeface="Open Sans" pitchFamily="2" charset="0"/>
+                        <a:cs typeface="Open Sans" pitchFamily="2" charset="0"/>
+                      </a:endParaRPr>
+                    </a:p>
+                  </a:txBody>
+                  <a:tcPr marL="60960" marR="60960" marT="30480" marB="30480" anchor="ctr"/>
+                </a:tc>
+                <a:extLst>
+                  <a:ext uri="{0D108BD9-81ED-4DB2-BD59-A6C34878D82A}">
+                    <a16:rowId xmlns:a16="http://schemas.microsoft.com/office/drawing/2014/main" val="2684088726"/>
+                  </a:ext>
+                </a:extLst>
+              </a:tr>
+            </a:tbl>
+          </a:graphicData>
+        </a:graphic>
+      </p:graphicFrame>
+      <p:graphicFrame>
+        <p:nvGraphicFramePr>
+          <p:cNvPr id="4" name="Table 3">
+            <a:extLst>
+              <a:ext uri="{FF2B5EF4-FFF2-40B4-BE49-F238E27FC236}">
+                <a16:creationId xmlns:a16="http://schemas.microsoft.com/office/drawing/2014/main" id="{E202FDF8-CAE8-B752-1016-A3A1D79983A2}"/>
+              </a:ext>
+            </a:extLst>
+          </p:cNvPr>
+          <p:cNvGraphicFramePr>
+            <a:graphicFrameLocks noGrp="1"/>
+          </p:cNvGraphicFramePr>
+          <p:nvPr>
+            <p:extLst>
+              <p:ext uri="{D42A27DB-BD31-4B8C-83A1-F6EECF244321}">
+                <p14:modId xmlns:p14="http://schemas.microsoft.com/office/powerpoint/2010/main" val="3688470746"/>
+              </p:ext>
+            </p:extLst>
+          </p:nvPr>
+        </p:nvGraphicFramePr>
+        <p:xfrm>
+          <a:off x="5160710" y="1880451"/>
+          <a:ext cx="4230326" cy="2987040"/>
+        </p:xfrm>
+        <a:graphic>
+          <a:graphicData uri="http://schemas.openxmlformats.org/drawingml/2006/table">
+            <a:tbl>
+              <a:tblPr firstRow="1" bandRow="1">
+                <a:tableStyleId>{7DF18680-E054-41AD-8BC1-D1AEF772440D}</a:tableStyleId>
+              </a:tblPr>
+              <a:tblGrid>
+                <a:gridCol w="289232">
+                  <a:extLst>
+                    <a:ext uri="{9D8B030D-6E8A-4147-A177-3AD203B41FA5}">
+                      <a16:colId xmlns:a16="http://schemas.microsoft.com/office/drawing/2014/main" val="3641920023"/>
+                    </a:ext>
+                  </a:extLst>
+                </a:gridCol>
+                <a:gridCol w="1223178">
+                  <a:extLst>
+                    <a:ext uri="{9D8B030D-6E8A-4147-A177-3AD203B41FA5}">
+                      <a16:colId xmlns:a16="http://schemas.microsoft.com/office/drawing/2014/main" val="3680883337"/>
+                    </a:ext>
+                  </a:extLst>
+                </a:gridCol>
+                <a:gridCol w="1058360">
+                  <a:extLst>
+                    <a:ext uri="{9D8B030D-6E8A-4147-A177-3AD203B41FA5}">
+                      <a16:colId xmlns:a16="http://schemas.microsoft.com/office/drawing/2014/main" val="2070096912"/>
+                    </a:ext>
+                  </a:extLst>
+                </a:gridCol>
+                <a:gridCol w="1659556">
+                  <a:extLst>
+                    <a:ext uri="{9D8B030D-6E8A-4147-A177-3AD203B41FA5}">
+                      <a16:colId xmlns:a16="http://schemas.microsoft.com/office/drawing/2014/main" val="3866831488"/>
+                    </a:ext>
+                  </a:extLst>
+                </a:gridCol>
+              </a:tblGrid>
+              <a:tr h="419647">
+                <a:tc>
+                  <a:txBody>
+                    <a:bodyPr/>
+                    <a:lstStyle/>
+                    <a:p>
+                      <a:pPr algn="r" fontAlgn="ctr">
+                        <a:buNone/>
+                      </a:pPr>
+                      <a:endParaRPr lang="en-US" sz="2400">
+                        <a:effectLst/>
+                        <a:latin typeface="Open Sans" pitchFamily="2" charset="0"/>
+                        <a:ea typeface="Open Sans" pitchFamily="2" charset="0"/>
+                        <a:cs typeface="Open Sans" pitchFamily="2" charset="0"/>
+                      </a:endParaRPr>
+                    </a:p>
+                  </a:txBody>
+                  <a:tcPr marL="60960" marR="60960" marT="30480" marB="30480" anchor="ctr"/>
+                </a:tc>
+                <a:tc>
+                  <a:txBody>
+                    <a:bodyPr/>
+                    <a:lstStyle/>
+                    <a:p>
+                      <a:pPr algn="r" fontAlgn="ctr">
+                        <a:buNone/>
+                      </a:pPr>
+                      <a:r>
+                        <a:rPr lang="en-US" sz="2400" dirty="0">
+                          <a:effectLst/>
+                        </a:rPr>
+                        <a:t>Fruit2</a:t>
+                      </a:r>
+                      <a:endParaRPr lang="en-US" sz="2400" dirty="0">
+                        <a:effectLst/>
+                        <a:latin typeface="Open Sans" pitchFamily="2" charset="0"/>
+                        <a:ea typeface="Open Sans" pitchFamily="2" charset="0"/>
+                        <a:cs typeface="Open Sans" pitchFamily="2" charset="0"/>
+                      </a:endParaRPr>
+                    </a:p>
+                  </a:txBody>
+                  <a:tcPr marL="60960" marR="60960" marT="30480" marB="30480" anchor="ctr"/>
+                </a:tc>
+                <a:tc>
+                  <a:txBody>
+                    <a:bodyPr/>
+                    <a:lstStyle/>
+                    <a:p>
+                      <a:pPr algn="r" fontAlgn="ctr">
+                        <a:buNone/>
+                      </a:pPr>
+                      <a:r>
+                        <a:rPr lang="en-US" sz="2400" dirty="0">
+                          <a:effectLst/>
+                        </a:rPr>
+                        <a:t>Price2</a:t>
+                      </a:r>
+                      <a:endParaRPr lang="en-US" sz="2400" dirty="0">
+                        <a:effectLst/>
+                        <a:latin typeface="Open Sans" pitchFamily="2" charset="0"/>
+                        <a:ea typeface="Open Sans" pitchFamily="2" charset="0"/>
+                        <a:cs typeface="Open Sans" pitchFamily="2" charset="0"/>
+                      </a:endParaRPr>
+                    </a:p>
+                  </a:txBody>
+                  <a:tcPr marL="60960" marR="60960" marT="30480" marB="30480" anchor="ctr"/>
+                </a:tc>
+                <a:tc>
+                  <a:txBody>
+                    <a:bodyPr/>
+                    <a:lstStyle/>
+                    <a:p>
+                      <a:pPr algn="r" fontAlgn="ctr">
+                        <a:buNone/>
+                      </a:pPr>
+                      <a:r>
+                        <a:rPr lang="en-US" sz="2400" dirty="0">
+                          <a:effectLst/>
+                        </a:rPr>
+                        <a:t>Fruit_label2</a:t>
+                      </a:r>
+                      <a:endParaRPr lang="en-US" sz="2400" dirty="0">
+                        <a:effectLst/>
+                        <a:latin typeface="Open Sans" pitchFamily="2" charset="0"/>
+                        <a:ea typeface="Open Sans" pitchFamily="2" charset="0"/>
+                        <a:cs typeface="Open Sans" pitchFamily="2" charset="0"/>
+                      </a:endParaRPr>
+                    </a:p>
+                  </a:txBody>
+                  <a:tcPr marL="60960" marR="60960" marT="30480" marB="30480" anchor="ctr"/>
+                </a:tc>
+                <a:extLst>
+                  <a:ext uri="{0D108BD9-81ED-4DB2-BD59-A6C34878D82A}">
+                    <a16:rowId xmlns:a16="http://schemas.microsoft.com/office/drawing/2014/main" val="1633612920"/>
+                  </a:ext>
+                </a:extLst>
+              </a:tr>
+              <a:tr h="419647">
+                <a:tc>
+                  <a:txBody>
+                    <a:bodyPr/>
+                    <a:lstStyle/>
+                    <a:p>
+                      <a:pPr algn="r" fontAlgn="ctr">
+                        <a:buNone/>
+                      </a:pPr>
+                      <a:r>
+                        <a:rPr lang="en-US" sz="2400" b="0">
+                          <a:effectLst/>
+                        </a:rPr>
+                        <a:t>0</a:t>
+                      </a:r>
+                      <a:endParaRPr lang="en-US" sz="2400" b="0">
+                        <a:effectLst/>
+                        <a:latin typeface="Open Sans" pitchFamily="2" charset="0"/>
+                        <a:ea typeface="Open Sans" pitchFamily="2" charset="0"/>
+                        <a:cs typeface="Open Sans" pitchFamily="2" charset="0"/>
+                      </a:endParaRPr>
+                    </a:p>
+                  </a:txBody>
+                  <a:tcPr marL="60960" marR="60960" marT="30480" marB="30480" anchor="ctr"/>
+                </a:tc>
+                <a:tc>
+                  <a:txBody>
+                    <a:bodyPr/>
+                    <a:lstStyle/>
+                    <a:p>
+                      <a:pPr>
+                        <a:buNone/>
+                      </a:pPr>
+                      <a:r>
+                        <a:rPr lang="en-US" sz="2400" dirty="0">
+                          <a:effectLst/>
+                        </a:rPr>
+                        <a:t>Orange</a:t>
+                      </a:r>
+                      <a:endParaRPr lang="en-US" sz="2400" dirty="0">
+                        <a:effectLst/>
+                        <a:latin typeface="Open Sans" pitchFamily="2" charset="0"/>
+                        <a:ea typeface="Open Sans" pitchFamily="2" charset="0"/>
+                        <a:cs typeface="Open Sans" pitchFamily="2" charset="0"/>
+                      </a:endParaRPr>
+                    </a:p>
+                  </a:txBody>
+                  <a:tcPr marL="60960" marR="60960" marT="30480" marB="30480" anchor="ctr"/>
+                </a:tc>
+                <a:tc>
+                  <a:txBody>
+                    <a:bodyPr/>
+                    <a:lstStyle/>
+                    <a:p>
+                      <a:pPr>
+                        <a:buNone/>
+                      </a:pPr>
+                      <a:r>
+                        <a:rPr lang="en-US" sz="2400">
+                          <a:effectLst/>
+                        </a:rPr>
+                        <a:t>1.2</a:t>
+                      </a:r>
+                      <a:endParaRPr lang="en-US" sz="2400">
+                        <a:effectLst/>
+                        <a:latin typeface="Open Sans" pitchFamily="2" charset="0"/>
+                        <a:ea typeface="Open Sans" pitchFamily="2" charset="0"/>
+                        <a:cs typeface="Open Sans" pitchFamily="2" charset="0"/>
+                      </a:endParaRPr>
+                    </a:p>
+                  </a:txBody>
+                  <a:tcPr marL="60960" marR="60960" marT="30480" marB="30480" anchor="ctr"/>
+                </a:tc>
+                <a:tc>
+                  <a:txBody>
+                    <a:bodyPr/>
+                    <a:lstStyle/>
+                    <a:p>
+                      <a:pPr>
+                        <a:buNone/>
+                      </a:pPr>
+                      <a:r>
+                        <a:rPr lang="en-US" sz="2400" dirty="0">
+                          <a:effectLst/>
+                        </a:rPr>
+                        <a:t>2</a:t>
+                      </a:r>
+                      <a:endParaRPr lang="en-US" sz="2400" dirty="0">
+                        <a:effectLst/>
+                        <a:latin typeface="Open Sans" pitchFamily="2" charset="0"/>
+                        <a:ea typeface="Open Sans" pitchFamily="2" charset="0"/>
+                        <a:cs typeface="Open Sans" pitchFamily="2" charset="0"/>
+                      </a:endParaRPr>
+                    </a:p>
+                  </a:txBody>
+                  <a:tcPr marL="60960" marR="60960" marT="30480" marB="30480" anchor="ctr"/>
+                </a:tc>
+                <a:extLst>
+                  <a:ext uri="{0D108BD9-81ED-4DB2-BD59-A6C34878D82A}">
+                    <a16:rowId xmlns:a16="http://schemas.microsoft.com/office/drawing/2014/main" val="3458886964"/>
+                  </a:ext>
+                </a:extLst>
+              </a:tr>
+              <a:tr h="419647">
+                <a:tc>
+                  <a:txBody>
+                    <a:bodyPr/>
+                    <a:lstStyle/>
+                    <a:p>
+                      <a:pPr algn="r" fontAlgn="ctr">
+                        <a:buNone/>
+                      </a:pPr>
+                      <a:r>
+                        <a:rPr lang="en-US" sz="2400" b="0">
+                          <a:effectLst/>
+                        </a:rPr>
+                        <a:t>1</a:t>
+                      </a:r>
+                      <a:endParaRPr lang="en-US" sz="2400" b="0">
+                        <a:effectLst/>
+                        <a:latin typeface="Open Sans" pitchFamily="2" charset="0"/>
+                        <a:ea typeface="Open Sans" pitchFamily="2" charset="0"/>
+                        <a:cs typeface="Open Sans" pitchFamily="2" charset="0"/>
+                      </a:endParaRPr>
+                    </a:p>
+                  </a:txBody>
+                  <a:tcPr marL="60960" marR="60960" marT="30480" marB="30480" anchor="ctr"/>
+                </a:tc>
+                <a:tc>
+                  <a:txBody>
+                    <a:bodyPr/>
+                    <a:lstStyle/>
+                    <a:p>
+                      <a:pPr>
+                        <a:buNone/>
+                      </a:pPr>
+                      <a:r>
+                        <a:rPr lang="en-US" sz="2400">
+                          <a:effectLst/>
+                        </a:rPr>
+                        <a:t>Banana</a:t>
+                      </a:r>
+                      <a:endParaRPr lang="en-US" sz="2400">
+                        <a:effectLst/>
+                        <a:latin typeface="Open Sans" pitchFamily="2" charset="0"/>
+                        <a:ea typeface="Open Sans" pitchFamily="2" charset="0"/>
+                        <a:cs typeface="Open Sans" pitchFamily="2" charset="0"/>
+                      </a:endParaRPr>
+                    </a:p>
+                  </a:txBody>
+                  <a:tcPr marL="60960" marR="60960" marT="30480" marB="30480" anchor="ctr"/>
+                </a:tc>
+                <a:tc>
+                  <a:txBody>
+                    <a:bodyPr/>
+                    <a:lstStyle/>
+                    <a:p>
+                      <a:pPr>
+                        <a:buNone/>
+                      </a:pPr>
+                      <a:r>
+                        <a:rPr lang="en-US" sz="2400">
+                          <a:effectLst/>
+                        </a:rPr>
+                        <a:t>0.5</a:t>
+                      </a:r>
+                      <a:endParaRPr lang="en-US" sz="2400">
+                        <a:effectLst/>
+                        <a:latin typeface="Open Sans" pitchFamily="2" charset="0"/>
+                        <a:ea typeface="Open Sans" pitchFamily="2" charset="0"/>
+                        <a:cs typeface="Open Sans" pitchFamily="2" charset="0"/>
+                      </a:endParaRPr>
+                    </a:p>
+                  </a:txBody>
+                  <a:tcPr marL="60960" marR="60960" marT="30480" marB="30480" anchor="ctr"/>
+                </a:tc>
+                <a:tc>
+                  <a:txBody>
+                    <a:bodyPr/>
+                    <a:lstStyle/>
+                    <a:p>
+                      <a:pPr>
+                        <a:buNone/>
+                      </a:pPr>
+                      <a:r>
+                        <a:rPr lang="en-US" sz="2400" dirty="0">
+                          <a:effectLst/>
+                        </a:rPr>
+                        <a:t>1</a:t>
+                      </a:r>
+                      <a:endParaRPr lang="en-US" sz="2400" dirty="0">
+                        <a:effectLst/>
+                        <a:latin typeface="Open Sans" pitchFamily="2" charset="0"/>
+                        <a:ea typeface="Open Sans" pitchFamily="2" charset="0"/>
+                        <a:cs typeface="Open Sans" pitchFamily="2" charset="0"/>
+                      </a:endParaRPr>
+                    </a:p>
+                  </a:txBody>
+                  <a:tcPr marL="60960" marR="60960" marT="30480" marB="30480" anchor="ctr"/>
+                </a:tc>
+                <a:extLst>
+                  <a:ext uri="{0D108BD9-81ED-4DB2-BD59-A6C34878D82A}">
+                    <a16:rowId xmlns:a16="http://schemas.microsoft.com/office/drawing/2014/main" val="3191166595"/>
+                  </a:ext>
+                </a:extLst>
+              </a:tr>
+              <a:tr h="419647">
+                <a:tc>
+                  <a:txBody>
+                    <a:bodyPr/>
+                    <a:lstStyle/>
+                    <a:p>
+                      <a:pPr algn="r" fontAlgn="ctr">
+                        <a:buNone/>
+                      </a:pPr>
+                      <a:r>
+                        <a:rPr lang="en-US" sz="2400" b="0" dirty="0">
+                          <a:effectLst/>
+                        </a:rPr>
+                        <a:t>2</a:t>
+                      </a:r>
+                      <a:endParaRPr lang="en-US" sz="2400" b="0" dirty="0">
+                        <a:effectLst/>
+                        <a:latin typeface="Open Sans" pitchFamily="2" charset="0"/>
+                        <a:ea typeface="Open Sans" pitchFamily="2" charset="0"/>
+                        <a:cs typeface="Open Sans" pitchFamily="2" charset="0"/>
+                      </a:endParaRPr>
+                    </a:p>
+                  </a:txBody>
+                  <a:tcPr marL="60960" marR="60960" marT="30480" marB="30480" anchor="ctr"/>
+                </a:tc>
+                <a:tc>
+                  <a:txBody>
+                    <a:bodyPr/>
+                    <a:lstStyle/>
+                    <a:p>
+                      <a:pPr>
+                        <a:buNone/>
+                      </a:pPr>
+                      <a:r>
+                        <a:rPr lang="en-US" sz="2400">
+                          <a:effectLst/>
+                        </a:rPr>
+                        <a:t>Apple</a:t>
+                      </a:r>
+                      <a:endParaRPr lang="en-US" sz="2400">
+                        <a:effectLst/>
+                        <a:latin typeface="Open Sans" pitchFamily="2" charset="0"/>
+                        <a:ea typeface="Open Sans" pitchFamily="2" charset="0"/>
+                        <a:cs typeface="Open Sans" pitchFamily="2" charset="0"/>
+                      </a:endParaRPr>
+                    </a:p>
+                  </a:txBody>
+                  <a:tcPr marL="60960" marR="60960" marT="30480" marB="30480" anchor="ctr"/>
+                </a:tc>
+                <a:tc>
+                  <a:txBody>
+                    <a:bodyPr/>
+                    <a:lstStyle/>
+                    <a:p>
+                      <a:pPr>
+                        <a:buNone/>
+                      </a:pPr>
+                      <a:r>
+                        <a:rPr lang="en-US" sz="2400">
+                          <a:effectLst/>
+                        </a:rPr>
+                        <a:t>0.8</a:t>
+                      </a:r>
+                      <a:endParaRPr lang="en-US" sz="2400">
+                        <a:effectLst/>
+                        <a:latin typeface="Open Sans" pitchFamily="2" charset="0"/>
+                        <a:ea typeface="Open Sans" pitchFamily="2" charset="0"/>
+                        <a:cs typeface="Open Sans" pitchFamily="2" charset="0"/>
+                      </a:endParaRPr>
+                    </a:p>
+                  </a:txBody>
+                  <a:tcPr marL="60960" marR="60960" marT="30480" marB="30480" anchor="ctr"/>
+                </a:tc>
+                <a:tc>
+                  <a:txBody>
+                    <a:bodyPr/>
+                    <a:lstStyle/>
+                    <a:p>
+                      <a:pPr>
+                        <a:buNone/>
+                      </a:pPr>
+                      <a:r>
+                        <a:rPr lang="en-US" sz="2400" dirty="0">
+                          <a:effectLst/>
+                        </a:rPr>
+                        <a:t>0</a:t>
+                      </a:r>
+                      <a:endParaRPr lang="en-US" sz="2400" dirty="0">
+                        <a:effectLst/>
+                        <a:latin typeface="Open Sans" pitchFamily="2" charset="0"/>
+                        <a:ea typeface="Open Sans" pitchFamily="2" charset="0"/>
+                        <a:cs typeface="Open Sans" pitchFamily="2" charset="0"/>
+                      </a:endParaRPr>
+                    </a:p>
+                  </a:txBody>
+                  <a:tcPr marL="60960" marR="60960" marT="30480" marB="30480" anchor="ctr"/>
+                </a:tc>
+                <a:extLst>
+                  <a:ext uri="{0D108BD9-81ED-4DB2-BD59-A6C34878D82A}">
+                    <a16:rowId xmlns:a16="http://schemas.microsoft.com/office/drawing/2014/main" val="1252030453"/>
+                  </a:ext>
+                </a:extLst>
+              </a:tr>
+              <a:tr h="419647">
+                <a:tc>
+                  <a:txBody>
+                    <a:bodyPr/>
+                    <a:lstStyle/>
+                    <a:p>
+                      <a:pPr algn="r" fontAlgn="ctr">
+                        <a:buNone/>
+                      </a:pPr>
+                      <a:r>
+                        <a:rPr lang="en-US" sz="2400" b="0">
+                          <a:effectLst/>
+                        </a:rPr>
+                        <a:t>3</a:t>
+                      </a:r>
+                      <a:endParaRPr lang="en-US" sz="2400" b="0">
+                        <a:effectLst/>
+                        <a:latin typeface="Open Sans" pitchFamily="2" charset="0"/>
+                        <a:ea typeface="Open Sans" pitchFamily="2" charset="0"/>
+                        <a:cs typeface="Open Sans" pitchFamily="2" charset="0"/>
+                      </a:endParaRPr>
+                    </a:p>
+                  </a:txBody>
+                  <a:tcPr marL="60960" marR="60960" marT="30480" marB="30480" anchor="ctr"/>
+                </a:tc>
+                <a:tc>
+                  <a:txBody>
+                    <a:bodyPr/>
+                    <a:lstStyle/>
+                    <a:p>
+                      <a:pPr>
+                        <a:buNone/>
+                      </a:pPr>
+                      <a:r>
+                        <a:rPr lang="en-US" sz="2400">
+                          <a:effectLst/>
+                        </a:rPr>
+                        <a:t>Orange</a:t>
+                      </a:r>
+                      <a:endParaRPr lang="en-US" sz="2400">
+                        <a:effectLst/>
+                        <a:latin typeface="Open Sans" pitchFamily="2" charset="0"/>
+                        <a:ea typeface="Open Sans" pitchFamily="2" charset="0"/>
+                        <a:cs typeface="Open Sans" pitchFamily="2" charset="0"/>
+                      </a:endParaRPr>
+                    </a:p>
+                  </a:txBody>
+                  <a:tcPr marL="60960" marR="60960" marT="30480" marB="30480" anchor="ctr"/>
+                </a:tc>
+                <a:tc>
+                  <a:txBody>
+                    <a:bodyPr/>
+                    <a:lstStyle/>
+                    <a:p>
+                      <a:pPr>
+                        <a:buNone/>
+                      </a:pPr>
+                      <a:r>
+                        <a:rPr lang="en-US" sz="2400">
+                          <a:effectLst/>
+                        </a:rPr>
+                        <a:t>1.3</a:t>
+                      </a:r>
+                      <a:endParaRPr lang="en-US" sz="2400">
+                        <a:effectLst/>
+                        <a:latin typeface="Open Sans" pitchFamily="2" charset="0"/>
+                        <a:ea typeface="Open Sans" pitchFamily="2" charset="0"/>
+                        <a:cs typeface="Open Sans" pitchFamily="2" charset="0"/>
+                      </a:endParaRPr>
+                    </a:p>
+                  </a:txBody>
+                  <a:tcPr marL="60960" marR="60960" marT="30480" marB="30480" anchor="ctr"/>
+                </a:tc>
+                <a:tc>
+                  <a:txBody>
+                    <a:bodyPr/>
+                    <a:lstStyle/>
+                    <a:p>
+                      <a:pPr>
+                        <a:buNone/>
+                      </a:pPr>
+                      <a:r>
+                        <a:rPr lang="en-US" sz="2400" dirty="0">
+                          <a:effectLst/>
+                        </a:rPr>
+                        <a:t>2</a:t>
+                      </a:r>
+                      <a:endParaRPr lang="en-US" sz="2400" dirty="0">
+                        <a:effectLst/>
+                        <a:latin typeface="Open Sans" pitchFamily="2" charset="0"/>
+                        <a:ea typeface="Open Sans" pitchFamily="2" charset="0"/>
+                        <a:cs typeface="Open Sans" pitchFamily="2" charset="0"/>
+                      </a:endParaRPr>
+                    </a:p>
+                  </a:txBody>
+                  <a:tcPr marL="60960" marR="60960" marT="30480" marB="30480" anchor="ctr"/>
+                </a:tc>
+                <a:extLst>
+                  <a:ext uri="{0D108BD9-81ED-4DB2-BD59-A6C34878D82A}">
+                    <a16:rowId xmlns:a16="http://schemas.microsoft.com/office/drawing/2014/main" val="531203357"/>
+                  </a:ext>
+                </a:extLst>
+              </a:tr>
+              <a:tr h="419647">
+                <a:tc>
+                  <a:txBody>
+                    <a:bodyPr/>
+                    <a:lstStyle/>
+                    <a:p>
+                      <a:pPr algn="r" fontAlgn="ctr">
+                        <a:buNone/>
+                      </a:pPr>
+                      <a:r>
+                        <a:rPr lang="en-US" sz="2400" b="0">
+                          <a:effectLst/>
+                        </a:rPr>
+                        <a:t>4</a:t>
+                      </a:r>
+                      <a:endParaRPr lang="en-US" sz="2400" b="0">
+                        <a:effectLst/>
+                        <a:latin typeface="Open Sans" pitchFamily="2" charset="0"/>
+                        <a:ea typeface="Open Sans" pitchFamily="2" charset="0"/>
+                        <a:cs typeface="Open Sans" pitchFamily="2" charset="0"/>
+                      </a:endParaRPr>
+                    </a:p>
+                  </a:txBody>
+                  <a:tcPr marL="60960" marR="60960" marT="30480" marB="30480" anchor="ctr"/>
+                </a:tc>
+                <a:tc>
+                  <a:txBody>
+                    <a:bodyPr/>
+                    <a:lstStyle/>
+                    <a:p>
+                      <a:pPr>
+                        <a:buNone/>
+                      </a:pPr>
+                      <a:r>
+                        <a:rPr lang="en-US" sz="2400">
+                          <a:effectLst/>
+                        </a:rPr>
+                        <a:t>Banana</a:t>
+                      </a:r>
+                      <a:endParaRPr lang="en-US" sz="2400">
+                        <a:effectLst/>
+                        <a:latin typeface="Open Sans" pitchFamily="2" charset="0"/>
+                        <a:ea typeface="Open Sans" pitchFamily="2" charset="0"/>
+                        <a:cs typeface="Open Sans" pitchFamily="2" charset="0"/>
+                      </a:endParaRPr>
+                    </a:p>
+                  </a:txBody>
+                  <a:tcPr marL="60960" marR="60960" marT="30480" marB="30480" anchor="ctr"/>
+                </a:tc>
+                <a:tc>
+                  <a:txBody>
+                    <a:bodyPr/>
+                    <a:lstStyle/>
+                    <a:p>
+                      <a:pPr>
+                        <a:buNone/>
+                      </a:pPr>
+                      <a:r>
+                        <a:rPr lang="en-US" sz="2400">
+                          <a:effectLst/>
+                        </a:rPr>
+                        <a:t>0.9</a:t>
+                      </a:r>
+                      <a:endParaRPr lang="en-US" sz="2400">
+                        <a:effectLst/>
+                        <a:latin typeface="Open Sans" pitchFamily="2" charset="0"/>
+                        <a:ea typeface="Open Sans" pitchFamily="2" charset="0"/>
+                        <a:cs typeface="Open Sans" pitchFamily="2" charset="0"/>
+                      </a:endParaRPr>
+                    </a:p>
+                  </a:txBody>
+                  <a:tcPr marL="60960" marR="60960" marT="30480" marB="30480" anchor="ctr"/>
+                </a:tc>
+                <a:tc>
+                  <a:txBody>
+                    <a:bodyPr/>
+                    <a:lstStyle/>
+                    <a:p>
+                      <a:pPr>
+                        <a:buNone/>
+                      </a:pPr>
+                      <a:r>
+                        <a:rPr lang="en-US" sz="2400" dirty="0">
+                          <a:effectLst/>
+                        </a:rPr>
+                        <a:t>1</a:t>
+                      </a:r>
+                      <a:endParaRPr lang="en-US" sz="2400" dirty="0">
+                        <a:effectLst/>
+                        <a:latin typeface="Open Sans" pitchFamily="2" charset="0"/>
+                        <a:ea typeface="Open Sans" pitchFamily="2" charset="0"/>
+                        <a:cs typeface="Open Sans" pitchFamily="2" charset="0"/>
+                      </a:endParaRPr>
+                    </a:p>
+                  </a:txBody>
+                  <a:tcPr marL="60960" marR="60960" marT="30480" marB="30480" anchor="ctr"/>
+                </a:tc>
+                <a:extLst>
+                  <a:ext uri="{0D108BD9-81ED-4DB2-BD59-A6C34878D82A}">
+                    <a16:rowId xmlns:a16="http://schemas.microsoft.com/office/drawing/2014/main" val="530282127"/>
+                  </a:ext>
+                </a:extLst>
+              </a:tr>
+              <a:tr h="419647">
+                <a:tc>
+                  <a:txBody>
+                    <a:bodyPr/>
+                    <a:lstStyle/>
+                    <a:p>
+                      <a:pPr algn="r" fontAlgn="ctr">
+                        <a:buNone/>
+                      </a:pPr>
+                      <a:r>
+                        <a:rPr lang="en-US" sz="2400" b="0">
+                          <a:effectLst/>
+                        </a:rPr>
+                        <a:t>5</a:t>
+                      </a:r>
+                      <a:endParaRPr lang="en-US" sz="2400" b="0">
+                        <a:effectLst/>
+                        <a:latin typeface="Open Sans" pitchFamily="2" charset="0"/>
+                        <a:ea typeface="Open Sans" pitchFamily="2" charset="0"/>
+                        <a:cs typeface="Open Sans" pitchFamily="2" charset="0"/>
+                      </a:endParaRPr>
+                    </a:p>
+                  </a:txBody>
+                  <a:tcPr marL="60960" marR="60960" marT="30480" marB="30480" anchor="ctr"/>
+                </a:tc>
+                <a:tc>
+                  <a:txBody>
+                    <a:bodyPr/>
+                    <a:lstStyle/>
+                    <a:p>
+                      <a:pPr>
+                        <a:buNone/>
+                      </a:pPr>
+                      <a:r>
+                        <a:rPr lang="en-US" sz="2400">
+                          <a:effectLst/>
+                        </a:rPr>
+                        <a:t>Apple</a:t>
+                      </a:r>
+                      <a:endParaRPr lang="en-US" sz="2400">
+                        <a:effectLst/>
+                        <a:latin typeface="Open Sans" pitchFamily="2" charset="0"/>
+                        <a:ea typeface="Open Sans" pitchFamily="2" charset="0"/>
+                        <a:cs typeface="Open Sans" pitchFamily="2" charset="0"/>
+                      </a:endParaRPr>
+                    </a:p>
+                  </a:txBody>
+                  <a:tcPr marL="60960" marR="60960" marT="30480" marB="30480" anchor="ctr"/>
+                </a:tc>
+                <a:tc>
+                  <a:txBody>
+                    <a:bodyPr/>
+                    <a:lstStyle/>
+                    <a:p>
+                      <a:pPr>
+                        <a:buNone/>
+                      </a:pPr>
+                      <a:r>
+                        <a:rPr lang="en-US" sz="2400">
+                          <a:effectLst/>
+                        </a:rPr>
+                        <a:t>0.6</a:t>
+                      </a:r>
+                      <a:endParaRPr lang="en-US" sz="2400">
+                        <a:effectLst/>
+                        <a:latin typeface="Open Sans" pitchFamily="2" charset="0"/>
+                        <a:ea typeface="Open Sans" pitchFamily="2" charset="0"/>
+                        <a:cs typeface="Open Sans" pitchFamily="2" charset="0"/>
+                      </a:endParaRPr>
+                    </a:p>
+                  </a:txBody>
+                  <a:tcPr marL="60960" marR="60960" marT="30480" marB="30480" anchor="ctr"/>
+                </a:tc>
+                <a:tc>
+                  <a:txBody>
+                    <a:bodyPr/>
+                    <a:lstStyle/>
+                    <a:p>
+                      <a:pPr>
+                        <a:buNone/>
+                      </a:pPr>
+                      <a:r>
+                        <a:rPr lang="en-US" sz="2400" dirty="0">
+                          <a:effectLst/>
+                        </a:rPr>
+                        <a:t>0</a:t>
+                      </a:r>
+                      <a:endParaRPr lang="en-US" sz="2400" dirty="0">
+                        <a:effectLst/>
+                        <a:latin typeface="Open Sans" pitchFamily="2" charset="0"/>
+                        <a:ea typeface="Open Sans" pitchFamily="2" charset="0"/>
+                        <a:cs typeface="Open Sans" pitchFamily="2" charset="0"/>
+                      </a:endParaRPr>
+                    </a:p>
+                  </a:txBody>
+                  <a:tcPr marL="60960" marR="60960" marT="30480" marB="30480" anchor="ctr"/>
+                </a:tc>
+                <a:extLst>
+                  <a:ext uri="{0D108BD9-81ED-4DB2-BD59-A6C34878D82A}">
+                    <a16:rowId xmlns:a16="http://schemas.microsoft.com/office/drawing/2014/main" val="2684088726"/>
+                  </a:ext>
+                </a:extLst>
+              </a:tr>
+            </a:tbl>
+          </a:graphicData>
+        </a:graphic>
+      </p:graphicFrame>
+      <p:sp>
+        <p:nvSpPr>
+          <p:cNvPr id="32" name="TextBox 31">
+            <a:extLst>
+              <a:ext uri="{FF2B5EF4-FFF2-40B4-BE49-F238E27FC236}">
+                <a16:creationId xmlns:a16="http://schemas.microsoft.com/office/drawing/2014/main" id="{33E1FD54-C8DF-4A2E-AC46-0DAD012174CE}"/>
+              </a:ext>
+            </a:extLst>
+          </p:cNvPr>
+          <p:cNvSpPr txBox="1"/>
+          <p:nvPr/>
+        </p:nvSpPr>
+        <p:spPr>
+          <a:xfrm>
+            <a:off x="2121800" y="4898269"/>
+            <a:ext cx="1750800" cy="338554"/>
+          </a:xfrm>
+          <a:prstGeom prst="rect">
+            <a:avLst/>
+          </a:prstGeom>
+          <a:noFill/>
+        </p:spPr>
+        <p:txBody>
+          <a:bodyPr wrap="none" rtlCol="0">
+            <a:spAutoFit/>
+          </a:bodyPr>
+          <a:lstStyle/>
+          <a:p>
+            <a:r>
+              <a:rPr lang="en-US" sz="1600" dirty="0">
+                <a:latin typeface="Open Sans" pitchFamily="2" charset="0"/>
+                <a:ea typeface="Open Sans" pitchFamily="2" charset="0"/>
+                <a:cs typeface="Open Sans" pitchFamily="2" charset="0"/>
+              </a:rPr>
+              <a:t>Before Encoding</a:t>
+            </a:r>
+          </a:p>
+        </p:txBody>
+      </p:sp>
+      <p:sp>
+        <p:nvSpPr>
+          <p:cNvPr id="33" name="TextBox 32">
+            <a:extLst>
+              <a:ext uri="{FF2B5EF4-FFF2-40B4-BE49-F238E27FC236}">
+                <a16:creationId xmlns:a16="http://schemas.microsoft.com/office/drawing/2014/main" id="{7956D705-D8AD-FCC0-BBD5-4D370A2CD834}"/>
+              </a:ext>
+            </a:extLst>
+          </p:cNvPr>
+          <p:cNvSpPr txBox="1"/>
+          <p:nvPr/>
+        </p:nvSpPr>
+        <p:spPr>
+          <a:xfrm>
+            <a:off x="6483829" y="4914163"/>
+            <a:ext cx="1584088" cy="338554"/>
+          </a:xfrm>
+          <a:prstGeom prst="rect">
+            <a:avLst/>
+          </a:prstGeom>
+          <a:noFill/>
+        </p:spPr>
+        <p:txBody>
+          <a:bodyPr wrap="none" rtlCol="0">
+            <a:spAutoFit/>
+          </a:bodyPr>
+          <a:lstStyle/>
+          <a:p>
+            <a:r>
+              <a:rPr lang="en-US" sz="1600" dirty="0">
+                <a:latin typeface="Open Sans" pitchFamily="2" charset="0"/>
+                <a:ea typeface="Open Sans" pitchFamily="2" charset="0"/>
+                <a:cs typeface="Open Sans" pitchFamily="2" charset="0"/>
+              </a:rPr>
+              <a:t>After Encoding</a:t>
+            </a:r>
+          </a:p>
+        </p:txBody>
+      </p:sp>
+    </p:spTree>
+    <p:extLst>
+      <p:ext uri="{BB962C8B-B14F-4D97-AF65-F5344CB8AC3E}">
+        <p14:creationId xmlns:p14="http://schemas.microsoft.com/office/powerpoint/2010/main" val="2725121062"/>
+      </p:ext>
+    </p:extLst>
+  </p:cSld>
+  <p:clrMapOvr>
+    <a:masterClrMapping/>
+  </p:clrMapOvr>
+</p:sld>
+</file>
+
+<file path=ppt/slides/slide3.xml><?xml version="1.0" encoding="utf-8"?>
+<p:sld xmlns:a="http://schemas.openxmlformats.org/drawingml/2006/main" xmlns:r="http://schemas.openxmlformats.org/officeDocument/2006/relationships" xmlns:p="http://schemas.openxmlformats.org/presentationml/2006/main">
+  <p:cSld>
+    <p:spTree>
+      <p:nvGrpSpPr>
+        <p:cNvPr id="1" name="">
+          <a:extLst>
+            <a:ext uri="{FF2B5EF4-FFF2-40B4-BE49-F238E27FC236}">
+              <a16:creationId xmlns:a16="http://schemas.microsoft.com/office/drawing/2014/main" id="{DA0B4321-C833-8BA0-C4B2-C90C6BAD6512}"/>
+            </a:ext>
+          </a:extLst>
+        </p:cNvPr>
+        <p:cNvGrpSpPr/>
+        <p:nvPr/>
+      </p:nvGrpSpPr>
+      <p:grpSpPr>
+        <a:xfrm>
+          <a:off x="0" y="0"/>
+          <a:ext cx="0" cy="0"/>
+          <a:chOff x="0" y="0"/>
+          <a:chExt cx="0" cy="0"/>
+        </a:xfrm>
+      </p:grpSpPr>
+      <p:sp>
+        <p:nvSpPr>
+          <p:cNvPr id="5" name="TextBox 4">
+            <a:extLst>
+              <a:ext uri="{FF2B5EF4-FFF2-40B4-BE49-F238E27FC236}">
+                <a16:creationId xmlns:a16="http://schemas.microsoft.com/office/drawing/2014/main" id="{E340DD50-094D-B737-985C-5403AA2DAB0C}"/>
+              </a:ext>
+            </a:extLst>
+          </p:cNvPr>
+          <p:cNvSpPr txBox="1"/>
+          <p:nvPr/>
+        </p:nvSpPr>
+        <p:spPr>
+          <a:xfrm>
+            <a:off x="1597742" y="403123"/>
+            <a:ext cx="8996516" cy="646331"/>
+          </a:xfrm>
+          <a:prstGeom prst="rect">
+            <a:avLst/>
+          </a:prstGeom>
+          <a:noFill/>
+        </p:spPr>
+        <p:txBody>
+          <a:bodyPr wrap="square" rtlCol="0">
+            <a:spAutoFit/>
+          </a:bodyPr>
+          <a:lstStyle/>
+          <a:p>
+            <a:pPr algn="ctr"/>
+            <a:r>
+              <a:rPr lang="en-US" sz="3600" dirty="0">
+                <a:latin typeface="Bebas Neue" panose="020B0606020202050201" pitchFamily="34" charset="0"/>
+                <a:hlinkClick r:id="rId2"/>
+              </a:rPr>
+              <a:t>How Label encoding Works for Nominal Data</a:t>
+            </a:r>
+            <a:endParaRPr lang="en-US" sz="3600" dirty="0">
+              <a:latin typeface="Bebas Neue" panose="020B0606020202050201" pitchFamily="34" charset="0"/>
+            </a:endParaRPr>
+          </a:p>
+        </p:txBody>
+      </p:sp>
+      <p:sp>
+        <p:nvSpPr>
+          <p:cNvPr id="7" name="TextBox 6">
+            <a:extLst>
+              <a:ext uri="{FF2B5EF4-FFF2-40B4-BE49-F238E27FC236}">
+                <a16:creationId xmlns:a16="http://schemas.microsoft.com/office/drawing/2014/main" id="{3F64A7CC-2480-B37C-8EC3-B129D2CB3A25}"/>
+              </a:ext>
+            </a:extLst>
+          </p:cNvPr>
+          <p:cNvSpPr txBox="1"/>
+          <p:nvPr/>
+        </p:nvSpPr>
+        <p:spPr>
+          <a:xfrm>
+            <a:off x="1597742" y="1049454"/>
+            <a:ext cx="8996516" cy="830997"/>
+          </a:xfrm>
+          <a:prstGeom prst="rect">
+            <a:avLst/>
+          </a:prstGeom>
+          <a:noFill/>
+        </p:spPr>
+        <p:txBody>
+          <a:bodyPr wrap="square" rtlCol="0">
+            <a:spAutoFit/>
+          </a:bodyPr>
+          <a:lstStyle/>
+          <a:p>
+            <a:r>
+              <a:rPr lang="en-US" sz="2400" dirty="0">
+                <a:latin typeface="Open Sans" pitchFamily="2" charset="0"/>
+                <a:ea typeface="Open Sans" pitchFamily="2" charset="0"/>
+                <a:cs typeface="Open Sans" pitchFamily="2" charset="0"/>
+              </a:rPr>
+              <a:t>It assigns numbers based on the </a:t>
+            </a:r>
+            <a:r>
+              <a:rPr lang="en-US" sz="2400" b="1" dirty="0">
+                <a:latin typeface="Open Sans" pitchFamily="2" charset="0"/>
+                <a:ea typeface="Open Sans" pitchFamily="2" charset="0"/>
+                <a:cs typeface="Open Sans" pitchFamily="2" charset="0"/>
+              </a:rPr>
+              <a:t>ascending</a:t>
+            </a:r>
+            <a:r>
+              <a:rPr lang="en-US" sz="2400" dirty="0">
+                <a:latin typeface="Open Sans" pitchFamily="2" charset="0"/>
+                <a:ea typeface="Open Sans" pitchFamily="2" charset="0"/>
+                <a:cs typeface="Open Sans" pitchFamily="2" charset="0"/>
+              </a:rPr>
+              <a:t> </a:t>
+            </a:r>
+            <a:r>
+              <a:rPr lang="en-US" sz="2400" b="1" dirty="0">
+                <a:latin typeface="Open Sans" pitchFamily="2" charset="0"/>
+                <a:ea typeface="Open Sans" pitchFamily="2" charset="0"/>
+                <a:cs typeface="Open Sans" pitchFamily="2" charset="0"/>
+              </a:rPr>
+              <a:t>sorted (alphabetical) order of unique labels</a:t>
+            </a:r>
+            <a:r>
+              <a:rPr lang="en-US" sz="2400" dirty="0">
+                <a:latin typeface="Open Sans" pitchFamily="2" charset="0"/>
+                <a:ea typeface="Open Sans" pitchFamily="2" charset="0"/>
+                <a:cs typeface="Open Sans" pitchFamily="2" charset="0"/>
+              </a:rPr>
+              <a:t>.</a:t>
+            </a:r>
+          </a:p>
+        </p:txBody>
+      </p:sp>
+      <p:graphicFrame>
+        <p:nvGraphicFramePr>
+          <p:cNvPr id="2" name="Table 1">
+            <a:extLst>
+              <a:ext uri="{FF2B5EF4-FFF2-40B4-BE49-F238E27FC236}">
+                <a16:creationId xmlns:a16="http://schemas.microsoft.com/office/drawing/2014/main" id="{D113E965-5221-4698-E030-6C0790A625BB}"/>
+              </a:ext>
+            </a:extLst>
+          </p:cNvPr>
+          <p:cNvGraphicFramePr>
+            <a:graphicFrameLocks noGrp="1"/>
+          </p:cNvGraphicFramePr>
+          <p:nvPr/>
+        </p:nvGraphicFramePr>
+        <p:xfrm>
+          <a:off x="1707535" y="1880451"/>
+          <a:ext cx="4319639" cy="2987040"/>
+        </p:xfrm>
+        <a:graphic>
+          <a:graphicData uri="http://schemas.openxmlformats.org/drawingml/2006/table">
+            <a:tbl>
+              <a:tblPr firstRow="1" bandRow="1">
+                <a:tableStyleId>{5C22544A-7EE6-4342-B048-85BDC9FD1C3A}</a:tableStyleId>
+              </a:tblPr>
+              <a:tblGrid>
+                <a:gridCol w="290195">
+                  <a:extLst>
+                    <a:ext uri="{9D8B030D-6E8A-4147-A177-3AD203B41FA5}">
+                      <a16:colId xmlns:a16="http://schemas.microsoft.com/office/drawing/2014/main" val="3641920023"/>
+                    </a:ext>
+                  </a:extLst>
+                </a:gridCol>
+                <a:gridCol w="1227251">
+                  <a:extLst>
+                    <a:ext uri="{9D8B030D-6E8A-4147-A177-3AD203B41FA5}">
+                      <a16:colId xmlns:a16="http://schemas.microsoft.com/office/drawing/2014/main" val="3680883337"/>
+                    </a:ext>
+                  </a:extLst>
+                </a:gridCol>
+                <a:gridCol w="1061884">
+                  <a:extLst>
+                    <a:ext uri="{9D8B030D-6E8A-4147-A177-3AD203B41FA5}">
+                      <a16:colId xmlns:a16="http://schemas.microsoft.com/office/drawing/2014/main" val="2070096912"/>
+                    </a:ext>
+                  </a:extLst>
+                </a:gridCol>
+                <a:gridCol w="1740309">
+                  <a:extLst>
+                    <a:ext uri="{9D8B030D-6E8A-4147-A177-3AD203B41FA5}">
+                      <a16:colId xmlns:a16="http://schemas.microsoft.com/office/drawing/2014/main" val="3866831488"/>
+                    </a:ext>
+                  </a:extLst>
+                </a:gridCol>
+              </a:tblGrid>
+              <a:tr h="370840">
+                <a:tc>
+                  <a:txBody>
+                    <a:bodyPr/>
+                    <a:lstStyle/>
+                    <a:p>
+                      <a:pPr algn="r" fontAlgn="ctr">
+                        <a:buNone/>
+                      </a:pPr>
+                      <a:endParaRPr lang="en-US" sz="2400" dirty="0">
+                        <a:effectLst/>
+                        <a:latin typeface="Open Sans" pitchFamily="2" charset="0"/>
+                        <a:ea typeface="Open Sans" pitchFamily="2" charset="0"/>
+                        <a:cs typeface="Open Sans" pitchFamily="2" charset="0"/>
+                      </a:endParaRPr>
+                    </a:p>
+                  </a:txBody>
+                  <a:tcPr marL="60960" marR="60960" marT="30480" marB="30480" anchor="ctr"/>
+                </a:tc>
+                <a:tc>
+                  <a:txBody>
+                    <a:bodyPr/>
+                    <a:lstStyle/>
+                    <a:p>
+                      <a:pPr algn="l" fontAlgn="ctr">
+                        <a:buNone/>
+                      </a:pPr>
+                      <a:r>
+                        <a:rPr lang="en-US" sz="2400" dirty="0">
+                          <a:effectLst/>
+                          <a:latin typeface="Open Sans" pitchFamily="2" charset="0"/>
+                          <a:ea typeface="Open Sans" pitchFamily="2" charset="0"/>
+                          <a:cs typeface="Open Sans" pitchFamily="2" charset="0"/>
+                        </a:rPr>
+                        <a:t>Fruit</a:t>
+                      </a:r>
+                    </a:p>
+                  </a:txBody>
+                  <a:tcPr marL="60960" marR="60960" marT="30480" marB="30480" anchor="ctr"/>
+                </a:tc>
+                <a:tc>
+                  <a:txBody>
+                    <a:bodyPr/>
+                    <a:lstStyle/>
+                    <a:p>
+                      <a:pPr algn="l" fontAlgn="ctr">
+                        <a:buNone/>
+                      </a:pPr>
+                      <a:r>
+                        <a:rPr lang="en-US" sz="2400" dirty="0">
+                          <a:effectLst/>
+                          <a:latin typeface="Open Sans" pitchFamily="2" charset="0"/>
+                          <a:ea typeface="Open Sans" pitchFamily="2" charset="0"/>
+                          <a:cs typeface="Open Sans" pitchFamily="2" charset="0"/>
+                        </a:rPr>
+                        <a:t>Price</a:t>
+                      </a:r>
+                    </a:p>
+                  </a:txBody>
+                  <a:tcPr marL="60960" marR="60960" marT="30480" marB="30480" anchor="ctr"/>
+                </a:tc>
+                <a:tc>
+                  <a:txBody>
+                    <a:bodyPr/>
+                    <a:lstStyle/>
+                    <a:p>
+                      <a:pPr algn="l" fontAlgn="ctr">
+                        <a:buNone/>
+                      </a:pPr>
+                      <a:r>
+                        <a:rPr lang="en-US" sz="2400" dirty="0" err="1">
+                          <a:effectLst/>
+                          <a:latin typeface="Open Sans" pitchFamily="2" charset="0"/>
+                          <a:ea typeface="Open Sans" pitchFamily="2" charset="0"/>
+                          <a:cs typeface="Open Sans" pitchFamily="2" charset="0"/>
+                        </a:rPr>
+                        <a:t>Fruit_label</a:t>
+                      </a:r>
+                      <a:endParaRPr lang="en-US" sz="2400" dirty="0">
+                        <a:effectLst/>
+                        <a:latin typeface="Open Sans" pitchFamily="2" charset="0"/>
+                        <a:ea typeface="Open Sans" pitchFamily="2" charset="0"/>
+                        <a:cs typeface="Open Sans" pitchFamily="2" charset="0"/>
+                      </a:endParaRPr>
+                    </a:p>
+                  </a:txBody>
+                  <a:tcPr marL="60960" marR="60960" marT="30480" marB="30480" anchor="ctr"/>
+                </a:tc>
+                <a:extLst>
+                  <a:ext uri="{0D108BD9-81ED-4DB2-BD59-A6C34878D82A}">
+                    <a16:rowId xmlns:a16="http://schemas.microsoft.com/office/drawing/2014/main" val="1633612920"/>
+                  </a:ext>
+                </a:extLst>
+              </a:tr>
+              <a:tr h="370840">
+                <a:tc>
+                  <a:txBody>
+                    <a:bodyPr/>
+                    <a:lstStyle/>
+                    <a:p>
+                      <a:pPr algn="r" fontAlgn="ctr">
+                        <a:buNone/>
+                      </a:pPr>
+                      <a:r>
+                        <a:rPr lang="en-US" sz="2400" b="0" dirty="0">
+                          <a:effectLst/>
+                          <a:latin typeface="Open Sans" pitchFamily="2" charset="0"/>
+                          <a:ea typeface="Open Sans" pitchFamily="2" charset="0"/>
+                          <a:cs typeface="Open Sans" pitchFamily="2" charset="0"/>
+                        </a:rPr>
+                        <a:t>0</a:t>
+                      </a:r>
+                    </a:p>
+                  </a:txBody>
+                  <a:tcPr marL="60960" marR="60960" marT="30480" marB="30480" anchor="ctr">
+                    <a:solidFill>
+                      <a:schemeClr val="accent6">
+                        <a:lumMod val="60000"/>
+                        <a:lumOff val="40000"/>
+                      </a:schemeClr>
+                    </a:solidFill>
+                  </a:tcPr>
+                </a:tc>
+                <a:tc>
+                  <a:txBody>
+                    <a:bodyPr/>
+                    <a:lstStyle/>
+                    <a:p>
+                      <a:pPr>
+                        <a:buNone/>
+                      </a:pPr>
+                      <a:r>
+                        <a:rPr lang="en-US" sz="2400" dirty="0">
+                          <a:effectLst/>
+                          <a:latin typeface="Open Sans" pitchFamily="2" charset="0"/>
+                          <a:ea typeface="Open Sans" pitchFamily="2" charset="0"/>
+                          <a:cs typeface="Open Sans" pitchFamily="2" charset="0"/>
+                        </a:rPr>
+                        <a:t>Apple</a:t>
+                      </a:r>
+                    </a:p>
+                  </a:txBody>
+                  <a:tcPr marL="60960" marR="60960" marT="30480" marB="30480" anchor="ctr">
+                    <a:solidFill>
+                      <a:schemeClr val="accent6">
+                        <a:lumMod val="60000"/>
+                        <a:lumOff val="40000"/>
+                      </a:schemeClr>
+                    </a:solidFill>
+                  </a:tcPr>
+                </a:tc>
+                <a:tc>
+                  <a:txBody>
+                    <a:bodyPr/>
+                    <a:lstStyle/>
+                    <a:p>
+                      <a:pPr>
+                        <a:buNone/>
+                      </a:pPr>
+                      <a:r>
+                        <a:rPr lang="en-US" sz="2400" dirty="0">
+                          <a:effectLst/>
+                          <a:latin typeface="Open Sans" pitchFamily="2" charset="0"/>
+                          <a:ea typeface="Open Sans" pitchFamily="2" charset="0"/>
+                          <a:cs typeface="Open Sans" pitchFamily="2" charset="0"/>
+                        </a:rPr>
+                        <a:t>1.2</a:t>
+                      </a:r>
+                    </a:p>
+                  </a:txBody>
+                  <a:tcPr marL="60960" marR="60960" marT="30480" marB="30480" anchor="ctr">
+                    <a:solidFill>
+                      <a:schemeClr val="accent6">
+                        <a:lumMod val="60000"/>
+                        <a:lumOff val="40000"/>
+                      </a:schemeClr>
+                    </a:solidFill>
+                  </a:tcPr>
+                </a:tc>
+                <a:tc>
+                  <a:txBody>
+                    <a:bodyPr/>
+                    <a:lstStyle/>
+                    <a:p>
+                      <a:pPr>
+                        <a:buNone/>
+                      </a:pPr>
+                      <a:r>
+                        <a:rPr lang="en-US" sz="2400" dirty="0">
+                          <a:effectLst/>
+                          <a:latin typeface="Open Sans" pitchFamily="2" charset="0"/>
+                          <a:ea typeface="Open Sans" pitchFamily="2" charset="0"/>
+                          <a:cs typeface="Open Sans" pitchFamily="2" charset="0"/>
+                        </a:rPr>
+                        <a:t>0</a:t>
+                      </a:r>
+                    </a:p>
+                  </a:txBody>
+                  <a:tcPr marL="60960" marR="60960" marT="30480" marB="30480" anchor="ctr">
+                    <a:solidFill>
+                      <a:schemeClr val="accent6"/>
+                    </a:solidFill>
+                  </a:tcPr>
+                </a:tc>
+                <a:extLst>
+                  <a:ext uri="{0D108BD9-81ED-4DB2-BD59-A6C34878D82A}">
+                    <a16:rowId xmlns:a16="http://schemas.microsoft.com/office/drawing/2014/main" val="3458886964"/>
+                  </a:ext>
+                </a:extLst>
+              </a:tr>
+              <a:tr h="370840">
+                <a:tc>
+                  <a:txBody>
+                    <a:bodyPr/>
+                    <a:lstStyle/>
+                    <a:p>
+                      <a:pPr algn="r" fontAlgn="ctr">
+                        <a:buNone/>
+                      </a:pPr>
+                      <a:r>
+                        <a:rPr lang="en-US" sz="2400" b="0" dirty="0">
+                          <a:effectLst/>
+                          <a:latin typeface="Open Sans" pitchFamily="2" charset="0"/>
+                          <a:ea typeface="Open Sans" pitchFamily="2" charset="0"/>
+                          <a:cs typeface="Open Sans" pitchFamily="2" charset="0"/>
+                        </a:rPr>
+                        <a:t>1</a:t>
+                      </a:r>
+                    </a:p>
+                  </a:txBody>
+                  <a:tcPr marL="60960" marR="60960" marT="30480" marB="30480" anchor="ctr">
+                    <a:solidFill>
+                      <a:srgbClr val="FFFF00"/>
+                    </a:solidFill>
+                  </a:tcPr>
+                </a:tc>
+                <a:tc>
+                  <a:txBody>
+                    <a:bodyPr/>
+                    <a:lstStyle/>
+                    <a:p>
+                      <a:pPr>
+                        <a:buNone/>
+                      </a:pPr>
+                      <a:r>
+                        <a:rPr lang="en-US" sz="2400" dirty="0">
+                          <a:effectLst/>
+                          <a:latin typeface="Open Sans" pitchFamily="2" charset="0"/>
+                          <a:ea typeface="Open Sans" pitchFamily="2" charset="0"/>
+                          <a:cs typeface="Open Sans" pitchFamily="2" charset="0"/>
+                        </a:rPr>
+                        <a:t>Banana</a:t>
+                      </a:r>
+                    </a:p>
+                  </a:txBody>
+                  <a:tcPr marL="60960" marR="60960" marT="30480" marB="30480" anchor="ctr">
+                    <a:solidFill>
+                      <a:srgbClr val="FFFF00"/>
+                    </a:solidFill>
+                  </a:tcPr>
+                </a:tc>
+                <a:tc>
+                  <a:txBody>
+                    <a:bodyPr/>
+                    <a:lstStyle/>
+                    <a:p>
+                      <a:pPr>
+                        <a:buNone/>
+                      </a:pPr>
+                      <a:r>
+                        <a:rPr lang="en-US" sz="2400">
+                          <a:effectLst/>
+                          <a:latin typeface="Open Sans" pitchFamily="2" charset="0"/>
+                          <a:ea typeface="Open Sans" pitchFamily="2" charset="0"/>
+                          <a:cs typeface="Open Sans" pitchFamily="2" charset="0"/>
+                        </a:rPr>
+                        <a:t>0.5</a:t>
+                      </a:r>
+                    </a:p>
+                  </a:txBody>
+                  <a:tcPr marL="60960" marR="60960" marT="30480" marB="30480" anchor="ctr">
+                    <a:solidFill>
+                      <a:srgbClr val="FFFF00"/>
+                    </a:solidFill>
+                  </a:tcPr>
+                </a:tc>
+                <a:tc>
+                  <a:txBody>
+                    <a:bodyPr/>
+                    <a:lstStyle/>
+                    <a:p>
+                      <a:pPr>
+                        <a:buNone/>
+                      </a:pPr>
+                      <a:r>
+                        <a:rPr lang="en-US" sz="2400" dirty="0">
+                          <a:effectLst/>
+                          <a:latin typeface="Open Sans" pitchFamily="2" charset="0"/>
+                          <a:ea typeface="Open Sans" pitchFamily="2" charset="0"/>
+                          <a:cs typeface="Open Sans" pitchFamily="2" charset="0"/>
+                        </a:rPr>
+                        <a:t>1</a:t>
+                      </a:r>
+                    </a:p>
+                  </a:txBody>
+                  <a:tcPr marL="60960" marR="60960" marT="30480" marB="30480" anchor="ctr">
+                    <a:solidFill>
+                      <a:srgbClr val="FFC000"/>
+                    </a:solidFill>
+                  </a:tcPr>
+                </a:tc>
+                <a:extLst>
+                  <a:ext uri="{0D108BD9-81ED-4DB2-BD59-A6C34878D82A}">
+                    <a16:rowId xmlns:a16="http://schemas.microsoft.com/office/drawing/2014/main" val="3191166595"/>
+                  </a:ext>
+                </a:extLst>
+              </a:tr>
+              <a:tr h="370840">
+                <a:tc>
+                  <a:txBody>
+                    <a:bodyPr/>
+                    <a:lstStyle/>
+                    <a:p>
+                      <a:pPr algn="r" fontAlgn="ctr">
+                        <a:buNone/>
+                      </a:pPr>
+                      <a:r>
+                        <a:rPr lang="en-US" sz="2400" b="0" dirty="0">
+                          <a:effectLst/>
+                          <a:latin typeface="Open Sans" pitchFamily="2" charset="0"/>
+                          <a:ea typeface="Open Sans" pitchFamily="2" charset="0"/>
+                          <a:cs typeface="Open Sans" pitchFamily="2" charset="0"/>
+                        </a:rPr>
+                        <a:t>2</a:t>
+                      </a:r>
+                    </a:p>
+                  </a:txBody>
+                  <a:tcPr marL="60960" marR="60960" marT="30480" marB="30480" anchor="ctr">
+                    <a:solidFill>
+                      <a:schemeClr val="accent2">
+                        <a:lumMod val="60000"/>
+                        <a:lumOff val="40000"/>
+                      </a:schemeClr>
+                    </a:solidFill>
+                  </a:tcPr>
+                </a:tc>
+                <a:tc>
+                  <a:txBody>
+                    <a:bodyPr/>
+                    <a:lstStyle/>
+                    <a:p>
+                      <a:pPr>
+                        <a:buNone/>
+                      </a:pPr>
+                      <a:r>
+                        <a:rPr lang="en-US" sz="2400" dirty="0">
+                          <a:effectLst/>
+                          <a:latin typeface="Open Sans" pitchFamily="2" charset="0"/>
+                          <a:ea typeface="Open Sans" pitchFamily="2" charset="0"/>
+                          <a:cs typeface="Open Sans" pitchFamily="2" charset="0"/>
+                        </a:rPr>
+                        <a:t>Orange</a:t>
+                      </a:r>
+                    </a:p>
+                  </a:txBody>
+                  <a:tcPr marL="60960" marR="60960" marT="30480" marB="30480" anchor="ctr">
+                    <a:solidFill>
+                      <a:schemeClr val="accent2">
+                        <a:lumMod val="60000"/>
+                        <a:lumOff val="40000"/>
+                      </a:schemeClr>
+                    </a:solidFill>
+                  </a:tcPr>
+                </a:tc>
+                <a:tc>
+                  <a:txBody>
+                    <a:bodyPr/>
+                    <a:lstStyle/>
+                    <a:p>
+                      <a:pPr>
+                        <a:buNone/>
+                      </a:pPr>
+                      <a:r>
+                        <a:rPr lang="en-US" sz="2400">
+                          <a:effectLst/>
+                          <a:latin typeface="Open Sans" pitchFamily="2" charset="0"/>
+                          <a:ea typeface="Open Sans" pitchFamily="2" charset="0"/>
+                          <a:cs typeface="Open Sans" pitchFamily="2" charset="0"/>
+                        </a:rPr>
+                        <a:t>0.8</a:t>
+                      </a:r>
+                    </a:p>
+                  </a:txBody>
+                  <a:tcPr marL="60960" marR="60960" marT="30480" marB="30480" anchor="ctr">
+                    <a:solidFill>
+                      <a:schemeClr val="accent2">
+                        <a:lumMod val="60000"/>
+                        <a:lumOff val="40000"/>
+                      </a:schemeClr>
+                    </a:solidFill>
+                  </a:tcPr>
+                </a:tc>
+                <a:tc>
+                  <a:txBody>
+                    <a:bodyPr/>
+                    <a:lstStyle/>
+                    <a:p>
+                      <a:pPr>
+                        <a:buNone/>
+                      </a:pPr>
+                      <a:r>
+                        <a:rPr lang="en-US" sz="2400" dirty="0">
+                          <a:effectLst/>
+                          <a:latin typeface="Open Sans" pitchFamily="2" charset="0"/>
+                          <a:ea typeface="Open Sans" pitchFamily="2" charset="0"/>
+                          <a:cs typeface="Open Sans" pitchFamily="2" charset="0"/>
+                        </a:rPr>
+                        <a:t>2</a:t>
+                      </a:r>
+                    </a:p>
+                  </a:txBody>
+                  <a:tcPr marL="60960" marR="60960" marT="30480" marB="30480" anchor="ctr">
+                    <a:solidFill>
+                      <a:schemeClr val="accent2"/>
+                    </a:solidFill>
+                  </a:tcPr>
+                </a:tc>
+                <a:extLst>
+                  <a:ext uri="{0D108BD9-81ED-4DB2-BD59-A6C34878D82A}">
+                    <a16:rowId xmlns:a16="http://schemas.microsoft.com/office/drawing/2014/main" val="1252030453"/>
+                  </a:ext>
+                </a:extLst>
+              </a:tr>
+              <a:tr h="370840">
+                <a:tc>
+                  <a:txBody>
+                    <a:bodyPr/>
+                    <a:lstStyle/>
+                    <a:p>
+                      <a:pPr algn="r" fontAlgn="ctr">
+                        <a:buNone/>
+                      </a:pPr>
+                      <a:r>
+                        <a:rPr lang="en-US" sz="2400" b="0">
+                          <a:effectLst/>
+                          <a:latin typeface="Open Sans" pitchFamily="2" charset="0"/>
+                          <a:ea typeface="Open Sans" pitchFamily="2" charset="0"/>
+                          <a:cs typeface="Open Sans" pitchFamily="2" charset="0"/>
+                        </a:rPr>
+                        <a:t>3</a:t>
+                      </a:r>
+                    </a:p>
+                  </a:txBody>
+                  <a:tcPr marL="60960" marR="60960" marT="30480" marB="30480" anchor="ctr">
+                    <a:solidFill>
+                      <a:schemeClr val="accent6">
+                        <a:lumMod val="60000"/>
+                        <a:lumOff val="40000"/>
+                      </a:schemeClr>
+                    </a:solidFill>
+                  </a:tcPr>
+                </a:tc>
+                <a:tc>
+                  <a:txBody>
+                    <a:bodyPr/>
+                    <a:lstStyle/>
+                    <a:p>
+                      <a:pPr>
+                        <a:buNone/>
+                      </a:pPr>
+                      <a:r>
+                        <a:rPr lang="en-US" sz="2400" dirty="0">
+                          <a:effectLst/>
+                          <a:latin typeface="Open Sans" pitchFamily="2" charset="0"/>
+                          <a:ea typeface="Open Sans" pitchFamily="2" charset="0"/>
+                          <a:cs typeface="Open Sans" pitchFamily="2" charset="0"/>
+                        </a:rPr>
+                        <a:t>Apple</a:t>
+                      </a:r>
+                    </a:p>
+                  </a:txBody>
+                  <a:tcPr marL="60960" marR="60960" marT="30480" marB="30480" anchor="ctr">
+                    <a:solidFill>
+                      <a:schemeClr val="accent6">
+                        <a:lumMod val="60000"/>
+                        <a:lumOff val="40000"/>
+                      </a:schemeClr>
+                    </a:solidFill>
+                  </a:tcPr>
+                </a:tc>
+                <a:tc>
+                  <a:txBody>
+                    <a:bodyPr/>
+                    <a:lstStyle/>
+                    <a:p>
+                      <a:pPr>
+                        <a:buNone/>
+                      </a:pPr>
+                      <a:r>
+                        <a:rPr lang="en-US" sz="2400">
+                          <a:effectLst/>
+                          <a:latin typeface="Open Sans" pitchFamily="2" charset="0"/>
+                          <a:ea typeface="Open Sans" pitchFamily="2" charset="0"/>
+                          <a:cs typeface="Open Sans" pitchFamily="2" charset="0"/>
+                        </a:rPr>
+                        <a:t>1.3</a:t>
+                      </a:r>
+                    </a:p>
+                  </a:txBody>
+                  <a:tcPr marL="60960" marR="60960" marT="30480" marB="30480" anchor="ctr">
+                    <a:solidFill>
+                      <a:schemeClr val="accent6">
+                        <a:lumMod val="60000"/>
+                        <a:lumOff val="40000"/>
+                      </a:schemeClr>
+                    </a:solidFill>
+                  </a:tcPr>
+                </a:tc>
+                <a:tc>
+                  <a:txBody>
+                    <a:bodyPr/>
+                    <a:lstStyle/>
+                    <a:p>
+                      <a:pPr>
+                        <a:buNone/>
+                      </a:pPr>
+                      <a:r>
+                        <a:rPr lang="en-US" sz="2400" dirty="0">
+                          <a:effectLst/>
+                          <a:latin typeface="Open Sans" pitchFamily="2" charset="0"/>
+                          <a:ea typeface="Open Sans" pitchFamily="2" charset="0"/>
+                          <a:cs typeface="Open Sans" pitchFamily="2" charset="0"/>
+                        </a:rPr>
+                        <a:t>0</a:t>
+                      </a:r>
+                    </a:p>
+                  </a:txBody>
+                  <a:tcPr marL="60960" marR="60960" marT="30480" marB="30480" anchor="ctr">
+                    <a:solidFill>
+                      <a:schemeClr val="accent6"/>
+                    </a:solidFill>
+                  </a:tcPr>
+                </a:tc>
+                <a:extLst>
+                  <a:ext uri="{0D108BD9-81ED-4DB2-BD59-A6C34878D82A}">
+                    <a16:rowId xmlns:a16="http://schemas.microsoft.com/office/drawing/2014/main" val="531203357"/>
+                  </a:ext>
+                </a:extLst>
+              </a:tr>
+              <a:tr h="370840">
+                <a:tc>
+                  <a:txBody>
+                    <a:bodyPr/>
+                    <a:lstStyle/>
+                    <a:p>
+                      <a:pPr algn="r" fontAlgn="ctr">
+                        <a:buNone/>
+                      </a:pPr>
+                      <a:r>
+                        <a:rPr lang="en-US" sz="2400" b="0">
+                          <a:effectLst/>
+                          <a:latin typeface="Open Sans" pitchFamily="2" charset="0"/>
+                          <a:ea typeface="Open Sans" pitchFamily="2" charset="0"/>
+                          <a:cs typeface="Open Sans" pitchFamily="2" charset="0"/>
+                        </a:rPr>
+                        <a:t>4</a:t>
+                      </a:r>
+                    </a:p>
+                  </a:txBody>
+                  <a:tcPr marL="60960" marR="60960" marT="30480" marB="30480" anchor="ctr">
+                    <a:solidFill>
+                      <a:schemeClr val="accent2">
+                        <a:lumMod val="60000"/>
+                        <a:lumOff val="40000"/>
+                      </a:schemeClr>
+                    </a:solidFill>
+                  </a:tcPr>
+                </a:tc>
+                <a:tc>
+                  <a:txBody>
+                    <a:bodyPr/>
+                    <a:lstStyle/>
+                    <a:p>
+                      <a:pPr>
+                        <a:buNone/>
+                      </a:pPr>
+                      <a:r>
+                        <a:rPr lang="en-US" sz="2400">
+                          <a:effectLst/>
+                          <a:latin typeface="Open Sans" pitchFamily="2" charset="0"/>
+                          <a:ea typeface="Open Sans" pitchFamily="2" charset="0"/>
+                          <a:cs typeface="Open Sans" pitchFamily="2" charset="0"/>
+                        </a:rPr>
+                        <a:t>Orange</a:t>
+                      </a:r>
+                    </a:p>
+                  </a:txBody>
+                  <a:tcPr marL="60960" marR="60960" marT="30480" marB="30480" anchor="ctr">
+                    <a:solidFill>
+                      <a:schemeClr val="accent2">
+                        <a:lumMod val="60000"/>
+                        <a:lumOff val="40000"/>
+                      </a:schemeClr>
+                    </a:solidFill>
+                  </a:tcPr>
+                </a:tc>
+                <a:tc>
+                  <a:txBody>
+                    <a:bodyPr/>
+                    <a:lstStyle/>
+                    <a:p>
+                      <a:pPr>
+                        <a:buNone/>
+                      </a:pPr>
+                      <a:r>
+                        <a:rPr lang="en-US" sz="2400" dirty="0">
+                          <a:effectLst/>
+                          <a:latin typeface="Open Sans" pitchFamily="2" charset="0"/>
+                          <a:ea typeface="Open Sans" pitchFamily="2" charset="0"/>
+                          <a:cs typeface="Open Sans" pitchFamily="2" charset="0"/>
+                        </a:rPr>
+                        <a:t>0.9</a:t>
+                      </a:r>
+                    </a:p>
+                  </a:txBody>
+                  <a:tcPr marL="60960" marR="60960" marT="30480" marB="30480" anchor="ctr">
+                    <a:solidFill>
+                      <a:schemeClr val="accent2">
+                        <a:lumMod val="60000"/>
+                        <a:lumOff val="40000"/>
+                      </a:schemeClr>
+                    </a:solidFill>
+                  </a:tcPr>
+                </a:tc>
+                <a:tc>
+                  <a:txBody>
+                    <a:bodyPr/>
+                    <a:lstStyle/>
+                    <a:p>
+                      <a:pPr>
+                        <a:buNone/>
+                      </a:pPr>
+                      <a:r>
+                        <a:rPr lang="en-US" sz="2400" dirty="0">
+                          <a:effectLst/>
+                          <a:latin typeface="Open Sans" pitchFamily="2" charset="0"/>
+                          <a:ea typeface="Open Sans" pitchFamily="2" charset="0"/>
+                          <a:cs typeface="Open Sans" pitchFamily="2" charset="0"/>
+                        </a:rPr>
+                        <a:t>2</a:t>
+                      </a:r>
+                    </a:p>
+                  </a:txBody>
+                  <a:tcPr marL="60960" marR="60960" marT="30480" marB="30480" anchor="ctr">
+                    <a:solidFill>
+                      <a:schemeClr val="accent2"/>
+                    </a:solidFill>
+                  </a:tcPr>
+                </a:tc>
+                <a:extLst>
+                  <a:ext uri="{0D108BD9-81ED-4DB2-BD59-A6C34878D82A}">
+                    <a16:rowId xmlns:a16="http://schemas.microsoft.com/office/drawing/2014/main" val="530282127"/>
+                  </a:ext>
+                </a:extLst>
+              </a:tr>
+              <a:tr h="370840">
+                <a:tc>
+                  <a:txBody>
+                    <a:bodyPr/>
+                    <a:lstStyle/>
+                    <a:p>
+                      <a:pPr algn="r" fontAlgn="ctr">
+                        <a:buNone/>
+                      </a:pPr>
+                      <a:r>
+                        <a:rPr lang="en-US" sz="2400" b="0">
+                          <a:effectLst/>
+                          <a:latin typeface="Open Sans" pitchFamily="2" charset="0"/>
+                          <a:ea typeface="Open Sans" pitchFamily="2" charset="0"/>
+                          <a:cs typeface="Open Sans" pitchFamily="2" charset="0"/>
+                        </a:rPr>
+                        <a:t>5</a:t>
+                      </a:r>
+                    </a:p>
+                  </a:txBody>
+                  <a:tcPr marL="60960" marR="60960" marT="30480" marB="30480" anchor="ctr">
+                    <a:solidFill>
+                      <a:srgbClr val="FFFF00"/>
+                    </a:solidFill>
+                  </a:tcPr>
+                </a:tc>
+                <a:tc>
+                  <a:txBody>
+                    <a:bodyPr/>
+                    <a:lstStyle/>
+                    <a:p>
+                      <a:pPr>
+                        <a:buNone/>
+                      </a:pPr>
+                      <a:r>
+                        <a:rPr lang="en-US" sz="2400">
+                          <a:effectLst/>
+                          <a:latin typeface="Open Sans" pitchFamily="2" charset="0"/>
+                          <a:ea typeface="Open Sans" pitchFamily="2" charset="0"/>
+                          <a:cs typeface="Open Sans" pitchFamily="2" charset="0"/>
+                        </a:rPr>
+                        <a:t>Banana</a:t>
+                      </a:r>
+                    </a:p>
+                  </a:txBody>
+                  <a:tcPr marL="60960" marR="60960" marT="30480" marB="30480" anchor="ctr">
+                    <a:solidFill>
+                      <a:srgbClr val="FFFF00"/>
+                    </a:solidFill>
+                  </a:tcPr>
+                </a:tc>
+                <a:tc>
+                  <a:txBody>
+                    <a:bodyPr/>
+                    <a:lstStyle/>
+                    <a:p>
+                      <a:pPr>
+                        <a:buNone/>
+                      </a:pPr>
+                      <a:r>
+                        <a:rPr lang="en-US" sz="2400" dirty="0">
+                          <a:effectLst/>
+                          <a:latin typeface="Open Sans" pitchFamily="2" charset="0"/>
+                          <a:ea typeface="Open Sans" pitchFamily="2" charset="0"/>
+                          <a:cs typeface="Open Sans" pitchFamily="2" charset="0"/>
+                        </a:rPr>
+                        <a:t>0.6</a:t>
+                      </a:r>
+                    </a:p>
+                  </a:txBody>
+                  <a:tcPr marL="60960" marR="60960" marT="30480" marB="30480" anchor="ctr">
+                    <a:solidFill>
+                      <a:srgbClr val="FFFF00"/>
+                    </a:solidFill>
+                  </a:tcPr>
+                </a:tc>
+                <a:tc>
+                  <a:txBody>
+                    <a:bodyPr/>
+                    <a:lstStyle/>
+                    <a:p>
+                      <a:pPr>
+                        <a:buNone/>
+                      </a:pPr>
+                      <a:r>
+                        <a:rPr lang="en-US" sz="2400" dirty="0">
+                          <a:effectLst/>
+                          <a:latin typeface="Open Sans" pitchFamily="2" charset="0"/>
+                          <a:ea typeface="Open Sans" pitchFamily="2" charset="0"/>
+                          <a:cs typeface="Open Sans" pitchFamily="2" charset="0"/>
+                        </a:rPr>
+                        <a:t>1</a:t>
+                      </a:r>
+                    </a:p>
+                  </a:txBody>
+                  <a:tcPr marL="60960" marR="60960" marT="30480" marB="30480" anchor="ctr">
+                    <a:solidFill>
+                      <a:srgbClr val="FFC000"/>
+                    </a:solidFill>
+                  </a:tcPr>
+                </a:tc>
+                <a:extLst>
+                  <a:ext uri="{0D108BD9-81ED-4DB2-BD59-A6C34878D82A}">
+                    <a16:rowId xmlns:a16="http://schemas.microsoft.com/office/drawing/2014/main" val="2684088726"/>
+                  </a:ext>
+                </a:extLst>
+              </a:tr>
+            </a:tbl>
+          </a:graphicData>
+        </a:graphic>
+      </p:graphicFrame>
+      <p:graphicFrame>
+        <p:nvGraphicFramePr>
+          <p:cNvPr id="4" name="Table 3">
+            <a:extLst>
+              <a:ext uri="{FF2B5EF4-FFF2-40B4-BE49-F238E27FC236}">
+                <a16:creationId xmlns:a16="http://schemas.microsoft.com/office/drawing/2014/main" id="{D2339F3E-2C3C-C64B-8084-E8802E999233}"/>
+              </a:ext>
+            </a:extLst>
+          </p:cNvPr>
+          <p:cNvGraphicFramePr>
+            <a:graphicFrameLocks noGrp="1"/>
+          </p:cNvGraphicFramePr>
+          <p:nvPr/>
+        </p:nvGraphicFramePr>
+        <p:xfrm>
+          <a:off x="6164828" y="2821506"/>
+          <a:ext cx="4532669" cy="2987040"/>
+        </p:xfrm>
+        <a:graphic>
+          <a:graphicData uri="http://schemas.openxmlformats.org/drawingml/2006/table">
+            <a:tbl>
+              <a:tblPr firstRow="1" bandRow="1">
+                <a:tableStyleId>{5C22544A-7EE6-4342-B048-85BDC9FD1C3A}</a:tableStyleId>
+              </a:tblPr>
+              <a:tblGrid>
+                <a:gridCol w="290195">
+                  <a:extLst>
+                    <a:ext uri="{9D8B030D-6E8A-4147-A177-3AD203B41FA5}">
+                      <a16:colId xmlns:a16="http://schemas.microsoft.com/office/drawing/2014/main" val="3641920023"/>
+                    </a:ext>
+                  </a:extLst>
+                </a:gridCol>
+                <a:gridCol w="1227251">
+                  <a:extLst>
+                    <a:ext uri="{9D8B030D-6E8A-4147-A177-3AD203B41FA5}">
+                      <a16:colId xmlns:a16="http://schemas.microsoft.com/office/drawing/2014/main" val="3680883337"/>
+                    </a:ext>
+                  </a:extLst>
+                </a:gridCol>
+                <a:gridCol w="1061884">
+                  <a:extLst>
+                    <a:ext uri="{9D8B030D-6E8A-4147-A177-3AD203B41FA5}">
+                      <a16:colId xmlns:a16="http://schemas.microsoft.com/office/drawing/2014/main" val="2070096912"/>
+                    </a:ext>
+                  </a:extLst>
+                </a:gridCol>
+                <a:gridCol w="1953339">
+                  <a:extLst>
+                    <a:ext uri="{9D8B030D-6E8A-4147-A177-3AD203B41FA5}">
+                      <a16:colId xmlns:a16="http://schemas.microsoft.com/office/drawing/2014/main" val="3866831488"/>
+                    </a:ext>
+                  </a:extLst>
+                </a:gridCol>
+              </a:tblGrid>
+              <a:tr h="370840">
+                <a:tc>
+                  <a:txBody>
+                    <a:bodyPr/>
+                    <a:lstStyle/>
+                    <a:p>
+                      <a:pPr algn="r" fontAlgn="ctr">
+                        <a:buNone/>
+                      </a:pPr>
+                      <a:endParaRPr lang="en-US" sz="2400">
+                        <a:effectLst/>
+                        <a:latin typeface="Open Sans" pitchFamily="2" charset="0"/>
+                        <a:ea typeface="Open Sans" pitchFamily="2" charset="0"/>
+                        <a:cs typeface="Open Sans" pitchFamily="2" charset="0"/>
+                      </a:endParaRPr>
+                    </a:p>
+                  </a:txBody>
+                  <a:tcPr marL="60960" marR="60960" marT="30480" marB="30480" anchor="ctr"/>
+                </a:tc>
+                <a:tc>
+                  <a:txBody>
+                    <a:bodyPr/>
+                    <a:lstStyle/>
+                    <a:p>
+                      <a:pPr algn="r" fontAlgn="ctr">
+                        <a:buNone/>
+                      </a:pPr>
+                      <a:r>
+                        <a:rPr lang="en-US" sz="2400" dirty="0">
+                          <a:effectLst/>
+                          <a:latin typeface="Open Sans" pitchFamily="2" charset="0"/>
+                          <a:ea typeface="Open Sans" pitchFamily="2" charset="0"/>
+                          <a:cs typeface="Open Sans" pitchFamily="2" charset="0"/>
+                        </a:rPr>
+                        <a:t>Fruit2</a:t>
+                      </a:r>
+                    </a:p>
+                  </a:txBody>
+                  <a:tcPr marL="60960" marR="60960" marT="30480" marB="30480" anchor="ctr"/>
+                </a:tc>
+                <a:tc>
+                  <a:txBody>
+                    <a:bodyPr/>
+                    <a:lstStyle/>
+                    <a:p>
+                      <a:pPr algn="r" fontAlgn="ctr">
+                        <a:buNone/>
+                      </a:pPr>
+                      <a:r>
+                        <a:rPr lang="en-US" sz="2400" dirty="0">
+                          <a:effectLst/>
+                          <a:latin typeface="Open Sans" pitchFamily="2" charset="0"/>
+                          <a:ea typeface="Open Sans" pitchFamily="2" charset="0"/>
+                          <a:cs typeface="Open Sans" pitchFamily="2" charset="0"/>
+                        </a:rPr>
+                        <a:t>Price2</a:t>
+                      </a:r>
+                    </a:p>
+                  </a:txBody>
+                  <a:tcPr marL="60960" marR="60960" marT="30480" marB="30480" anchor="ctr"/>
+                </a:tc>
+                <a:tc>
+                  <a:txBody>
+                    <a:bodyPr/>
+                    <a:lstStyle/>
+                    <a:p>
+                      <a:pPr algn="r" fontAlgn="ctr">
+                        <a:buNone/>
+                      </a:pPr>
+                      <a:r>
+                        <a:rPr lang="en-US" sz="2400" dirty="0">
+                          <a:effectLst/>
+                          <a:latin typeface="Open Sans" pitchFamily="2" charset="0"/>
+                          <a:ea typeface="Open Sans" pitchFamily="2" charset="0"/>
+                          <a:cs typeface="Open Sans" pitchFamily="2" charset="0"/>
+                        </a:rPr>
+                        <a:t>Fruit_label2</a:t>
+                      </a:r>
+                    </a:p>
+                  </a:txBody>
+                  <a:tcPr marL="60960" marR="60960" marT="30480" marB="30480" anchor="ctr"/>
+                </a:tc>
+                <a:extLst>
+                  <a:ext uri="{0D108BD9-81ED-4DB2-BD59-A6C34878D82A}">
+                    <a16:rowId xmlns:a16="http://schemas.microsoft.com/office/drawing/2014/main" val="1633612920"/>
+                  </a:ext>
+                </a:extLst>
+              </a:tr>
+              <a:tr h="370840">
+                <a:tc>
+                  <a:txBody>
+                    <a:bodyPr/>
+                    <a:lstStyle/>
+                    <a:p>
+                      <a:pPr algn="r" fontAlgn="ctr">
+                        <a:buNone/>
+                      </a:pPr>
+                      <a:r>
+                        <a:rPr lang="en-US" sz="2400" b="0">
+                          <a:effectLst/>
+                          <a:latin typeface="Open Sans" pitchFamily="2" charset="0"/>
+                          <a:ea typeface="Open Sans" pitchFamily="2" charset="0"/>
+                          <a:cs typeface="Open Sans" pitchFamily="2" charset="0"/>
+                        </a:rPr>
+                        <a:t>0</a:t>
+                      </a:r>
+                    </a:p>
+                  </a:txBody>
+                  <a:tcPr marL="60960" marR="60960" marT="30480" marB="30480" anchor="ctr">
+                    <a:solidFill>
+                      <a:schemeClr val="accent2">
+                        <a:lumMod val="60000"/>
+                        <a:lumOff val="40000"/>
+                      </a:schemeClr>
+                    </a:solidFill>
+                  </a:tcPr>
+                </a:tc>
+                <a:tc>
+                  <a:txBody>
+                    <a:bodyPr/>
+                    <a:lstStyle/>
+                    <a:p>
+                      <a:pPr>
+                        <a:buNone/>
+                      </a:pPr>
+                      <a:r>
+                        <a:rPr lang="en-US" sz="2400">
+                          <a:effectLst/>
+                          <a:latin typeface="Open Sans" pitchFamily="2" charset="0"/>
+                          <a:ea typeface="Open Sans" pitchFamily="2" charset="0"/>
+                          <a:cs typeface="Open Sans" pitchFamily="2" charset="0"/>
+                        </a:rPr>
+                        <a:t>Orange</a:t>
+                      </a:r>
+                    </a:p>
+                  </a:txBody>
+                  <a:tcPr marL="60960" marR="60960" marT="30480" marB="30480" anchor="ctr">
+                    <a:solidFill>
+                      <a:schemeClr val="accent2">
+                        <a:lumMod val="60000"/>
+                        <a:lumOff val="40000"/>
+                      </a:schemeClr>
+                    </a:solidFill>
+                  </a:tcPr>
+                </a:tc>
+                <a:tc>
+                  <a:txBody>
+                    <a:bodyPr/>
+                    <a:lstStyle/>
+                    <a:p>
+                      <a:pPr>
+                        <a:buNone/>
+                      </a:pPr>
+                      <a:r>
+                        <a:rPr lang="en-US" sz="2400">
+                          <a:effectLst/>
+                          <a:latin typeface="Open Sans" pitchFamily="2" charset="0"/>
+                          <a:ea typeface="Open Sans" pitchFamily="2" charset="0"/>
+                          <a:cs typeface="Open Sans" pitchFamily="2" charset="0"/>
+                        </a:rPr>
+                        <a:t>1.2</a:t>
+                      </a:r>
+                    </a:p>
+                  </a:txBody>
+                  <a:tcPr marL="60960" marR="60960" marT="30480" marB="30480" anchor="ctr">
+                    <a:solidFill>
+                      <a:schemeClr val="accent2">
+                        <a:lumMod val="60000"/>
+                        <a:lumOff val="40000"/>
+                      </a:schemeClr>
+                    </a:solidFill>
+                  </a:tcPr>
+                </a:tc>
+                <a:tc>
+                  <a:txBody>
+                    <a:bodyPr/>
+                    <a:lstStyle/>
+                    <a:p>
+                      <a:pPr>
+                        <a:buNone/>
+                      </a:pPr>
+                      <a:r>
+                        <a:rPr lang="en-US" sz="2400" dirty="0">
+                          <a:effectLst/>
+                          <a:latin typeface="Open Sans" pitchFamily="2" charset="0"/>
+                          <a:ea typeface="Open Sans" pitchFamily="2" charset="0"/>
+                          <a:cs typeface="Open Sans" pitchFamily="2" charset="0"/>
+                        </a:rPr>
+                        <a:t>2</a:t>
+                      </a:r>
+                    </a:p>
+                  </a:txBody>
+                  <a:tcPr marL="60960" marR="60960" marT="30480" marB="30480" anchor="ctr">
+                    <a:solidFill>
+                      <a:schemeClr val="accent2"/>
+                    </a:solidFill>
+                  </a:tcPr>
+                </a:tc>
+                <a:extLst>
+                  <a:ext uri="{0D108BD9-81ED-4DB2-BD59-A6C34878D82A}">
+                    <a16:rowId xmlns:a16="http://schemas.microsoft.com/office/drawing/2014/main" val="3458886964"/>
+                  </a:ext>
+                </a:extLst>
+              </a:tr>
+              <a:tr h="370840">
+                <a:tc>
+                  <a:txBody>
+                    <a:bodyPr/>
+                    <a:lstStyle/>
+                    <a:p>
+                      <a:pPr algn="r" fontAlgn="ctr">
+                        <a:buNone/>
+                      </a:pPr>
+                      <a:r>
+                        <a:rPr lang="en-US" sz="2400" b="0">
+                          <a:effectLst/>
+                          <a:latin typeface="Open Sans" pitchFamily="2" charset="0"/>
+                          <a:ea typeface="Open Sans" pitchFamily="2" charset="0"/>
+                          <a:cs typeface="Open Sans" pitchFamily="2" charset="0"/>
+                        </a:rPr>
+                        <a:t>1</a:t>
+                      </a:r>
+                    </a:p>
+                  </a:txBody>
+                  <a:tcPr marL="60960" marR="60960" marT="30480" marB="30480" anchor="ctr">
+                    <a:solidFill>
+                      <a:srgbClr val="FFFF00"/>
+                    </a:solidFill>
+                  </a:tcPr>
+                </a:tc>
+                <a:tc>
+                  <a:txBody>
+                    <a:bodyPr/>
+                    <a:lstStyle/>
+                    <a:p>
+                      <a:pPr>
+                        <a:buNone/>
+                      </a:pPr>
+                      <a:r>
+                        <a:rPr lang="en-US" sz="2400">
+                          <a:effectLst/>
+                          <a:latin typeface="Open Sans" pitchFamily="2" charset="0"/>
+                          <a:ea typeface="Open Sans" pitchFamily="2" charset="0"/>
+                          <a:cs typeface="Open Sans" pitchFamily="2" charset="0"/>
+                        </a:rPr>
+                        <a:t>Banana</a:t>
+                      </a:r>
+                    </a:p>
+                  </a:txBody>
+                  <a:tcPr marL="60960" marR="60960" marT="30480" marB="30480" anchor="ctr">
+                    <a:solidFill>
+                      <a:srgbClr val="FFFF00"/>
+                    </a:solidFill>
+                  </a:tcPr>
+                </a:tc>
+                <a:tc>
+                  <a:txBody>
+                    <a:bodyPr/>
+                    <a:lstStyle/>
+                    <a:p>
+                      <a:pPr>
+                        <a:buNone/>
+                      </a:pPr>
+                      <a:r>
+                        <a:rPr lang="en-US" sz="2400">
+                          <a:effectLst/>
+                          <a:latin typeface="Open Sans" pitchFamily="2" charset="0"/>
+                          <a:ea typeface="Open Sans" pitchFamily="2" charset="0"/>
+                          <a:cs typeface="Open Sans" pitchFamily="2" charset="0"/>
+                        </a:rPr>
+                        <a:t>0.5</a:t>
+                      </a:r>
+                    </a:p>
+                  </a:txBody>
+                  <a:tcPr marL="60960" marR="60960" marT="30480" marB="30480" anchor="ctr">
+                    <a:solidFill>
+                      <a:srgbClr val="FFFF00"/>
+                    </a:solidFill>
+                  </a:tcPr>
+                </a:tc>
+                <a:tc>
+                  <a:txBody>
+                    <a:bodyPr/>
+                    <a:lstStyle/>
+                    <a:p>
+                      <a:pPr>
+                        <a:buNone/>
+                      </a:pPr>
+                      <a:r>
+                        <a:rPr lang="en-US" sz="2400" dirty="0">
+                          <a:effectLst/>
+                          <a:latin typeface="Open Sans" pitchFamily="2" charset="0"/>
+                          <a:ea typeface="Open Sans" pitchFamily="2" charset="0"/>
+                          <a:cs typeface="Open Sans" pitchFamily="2" charset="0"/>
+                        </a:rPr>
+                        <a:t>1</a:t>
+                      </a:r>
+                    </a:p>
+                  </a:txBody>
+                  <a:tcPr marL="60960" marR="60960" marT="30480" marB="30480" anchor="ctr">
+                    <a:solidFill>
+                      <a:srgbClr val="FFC000"/>
+                    </a:solidFill>
+                  </a:tcPr>
+                </a:tc>
+                <a:extLst>
+                  <a:ext uri="{0D108BD9-81ED-4DB2-BD59-A6C34878D82A}">
+                    <a16:rowId xmlns:a16="http://schemas.microsoft.com/office/drawing/2014/main" val="3191166595"/>
+                  </a:ext>
+                </a:extLst>
+              </a:tr>
+              <a:tr h="370840">
+                <a:tc>
+                  <a:txBody>
+                    <a:bodyPr/>
+                    <a:lstStyle/>
+                    <a:p>
+                      <a:pPr algn="r" fontAlgn="ctr">
+                        <a:buNone/>
+                      </a:pPr>
+                      <a:r>
+                        <a:rPr lang="en-US" sz="2400" b="0" dirty="0">
+                          <a:effectLst/>
+                          <a:latin typeface="Open Sans" pitchFamily="2" charset="0"/>
+                          <a:ea typeface="Open Sans" pitchFamily="2" charset="0"/>
+                          <a:cs typeface="Open Sans" pitchFamily="2" charset="0"/>
+                        </a:rPr>
+                        <a:t>2</a:t>
+                      </a:r>
+                    </a:p>
+                  </a:txBody>
+                  <a:tcPr marL="60960" marR="60960" marT="30480" marB="30480" anchor="ctr">
+                    <a:solidFill>
+                      <a:schemeClr val="accent6">
+                        <a:lumMod val="60000"/>
+                        <a:lumOff val="40000"/>
+                      </a:schemeClr>
+                    </a:solidFill>
+                  </a:tcPr>
+                </a:tc>
+                <a:tc>
+                  <a:txBody>
+                    <a:bodyPr/>
+                    <a:lstStyle/>
+                    <a:p>
+                      <a:pPr>
+                        <a:buNone/>
+                      </a:pPr>
+                      <a:r>
+                        <a:rPr lang="en-US" sz="2400">
+                          <a:effectLst/>
+                          <a:latin typeface="Open Sans" pitchFamily="2" charset="0"/>
+                          <a:ea typeface="Open Sans" pitchFamily="2" charset="0"/>
+                          <a:cs typeface="Open Sans" pitchFamily="2" charset="0"/>
+                        </a:rPr>
+                        <a:t>Apple</a:t>
+                      </a:r>
+                    </a:p>
+                  </a:txBody>
+                  <a:tcPr marL="60960" marR="60960" marT="30480" marB="30480" anchor="ctr">
+                    <a:solidFill>
+                      <a:schemeClr val="accent6">
+                        <a:lumMod val="60000"/>
+                        <a:lumOff val="40000"/>
+                      </a:schemeClr>
+                    </a:solidFill>
+                  </a:tcPr>
+                </a:tc>
+                <a:tc>
+                  <a:txBody>
+                    <a:bodyPr/>
+                    <a:lstStyle/>
+                    <a:p>
+                      <a:pPr>
+                        <a:buNone/>
+                      </a:pPr>
+                      <a:r>
+                        <a:rPr lang="en-US" sz="2400">
+                          <a:effectLst/>
+                          <a:latin typeface="Open Sans" pitchFamily="2" charset="0"/>
+                          <a:ea typeface="Open Sans" pitchFamily="2" charset="0"/>
+                          <a:cs typeface="Open Sans" pitchFamily="2" charset="0"/>
+                        </a:rPr>
+                        <a:t>0.8</a:t>
+                      </a:r>
+                    </a:p>
+                  </a:txBody>
+                  <a:tcPr marL="60960" marR="60960" marT="30480" marB="30480" anchor="ctr">
+                    <a:solidFill>
+                      <a:schemeClr val="accent6">
+                        <a:lumMod val="60000"/>
+                        <a:lumOff val="40000"/>
+                      </a:schemeClr>
+                    </a:solidFill>
+                  </a:tcPr>
+                </a:tc>
+                <a:tc>
+                  <a:txBody>
+                    <a:bodyPr/>
+                    <a:lstStyle/>
+                    <a:p>
+                      <a:pPr>
+                        <a:buNone/>
+                      </a:pPr>
+                      <a:r>
+                        <a:rPr lang="en-US" sz="2400" dirty="0">
+                          <a:effectLst/>
+                          <a:latin typeface="Open Sans" pitchFamily="2" charset="0"/>
+                          <a:ea typeface="Open Sans" pitchFamily="2" charset="0"/>
+                          <a:cs typeface="Open Sans" pitchFamily="2" charset="0"/>
+                        </a:rPr>
+                        <a:t>0</a:t>
+                      </a:r>
+                    </a:p>
+                  </a:txBody>
+                  <a:tcPr marL="60960" marR="60960" marT="30480" marB="30480" anchor="ctr">
+                    <a:solidFill>
+                      <a:schemeClr val="accent6"/>
+                    </a:solidFill>
+                  </a:tcPr>
+                </a:tc>
+                <a:extLst>
+                  <a:ext uri="{0D108BD9-81ED-4DB2-BD59-A6C34878D82A}">
+                    <a16:rowId xmlns:a16="http://schemas.microsoft.com/office/drawing/2014/main" val="1252030453"/>
+                  </a:ext>
+                </a:extLst>
+              </a:tr>
+              <a:tr h="370840">
+                <a:tc>
+                  <a:txBody>
+                    <a:bodyPr/>
+                    <a:lstStyle/>
+                    <a:p>
+                      <a:pPr algn="r" fontAlgn="ctr">
+                        <a:buNone/>
+                      </a:pPr>
+                      <a:r>
+                        <a:rPr lang="en-US" sz="2400" b="0">
+                          <a:effectLst/>
+                          <a:latin typeface="Open Sans" pitchFamily="2" charset="0"/>
+                          <a:ea typeface="Open Sans" pitchFamily="2" charset="0"/>
+                          <a:cs typeface="Open Sans" pitchFamily="2" charset="0"/>
+                        </a:rPr>
+                        <a:t>3</a:t>
+                      </a:r>
+                    </a:p>
+                  </a:txBody>
+                  <a:tcPr marL="60960" marR="60960" marT="30480" marB="30480" anchor="ctr">
+                    <a:solidFill>
+                      <a:schemeClr val="accent2">
+                        <a:lumMod val="60000"/>
+                        <a:lumOff val="40000"/>
+                      </a:schemeClr>
+                    </a:solidFill>
+                  </a:tcPr>
+                </a:tc>
+                <a:tc>
+                  <a:txBody>
+                    <a:bodyPr/>
+                    <a:lstStyle/>
+                    <a:p>
+                      <a:pPr>
+                        <a:buNone/>
+                      </a:pPr>
+                      <a:r>
+                        <a:rPr lang="en-US" sz="2400">
+                          <a:effectLst/>
+                          <a:latin typeface="Open Sans" pitchFamily="2" charset="0"/>
+                          <a:ea typeface="Open Sans" pitchFamily="2" charset="0"/>
+                          <a:cs typeface="Open Sans" pitchFamily="2" charset="0"/>
+                        </a:rPr>
+                        <a:t>Orange</a:t>
+                      </a:r>
+                    </a:p>
+                  </a:txBody>
+                  <a:tcPr marL="60960" marR="60960" marT="30480" marB="30480" anchor="ctr">
+                    <a:solidFill>
+                      <a:schemeClr val="accent2">
+                        <a:lumMod val="60000"/>
+                        <a:lumOff val="40000"/>
+                      </a:schemeClr>
+                    </a:solidFill>
+                  </a:tcPr>
+                </a:tc>
+                <a:tc>
+                  <a:txBody>
+                    <a:bodyPr/>
+                    <a:lstStyle/>
+                    <a:p>
+                      <a:pPr>
+                        <a:buNone/>
+                      </a:pPr>
+                      <a:r>
+                        <a:rPr lang="en-US" sz="2400">
+                          <a:effectLst/>
+                          <a:latin typeface="Open Sans" pitchFamily="2" charset="0"/>
+                          <a:ea typeface="Open Sans" pitchFamily="2" charset="0"/>
+                          <a:cs typeface="Open Sans" pitchFamily="2" charset="0"/>
+                        </a:rPr>
+                        <a:t>1.3</a:t>
+                      </a:r>
+                    </a:p>
+                  </a:txBody>
+                  <a:tcPr marL="60960" marR="60960" marT="30480" marB="30480" anchor="ctr">
+                    <a:solidFill>
+                      <a:schemeClr val="accent2">
+                        <a:lumMod val="60000"/>
+                        <a:lumOff val="40000"/>
+                      </a:schemeClr>
+                    </a:solidFill>
+                  </a:tcPr>
+                </a:tc>
+                <a:tc>
+                  <a:txBody>
+                    <a:bodyPr/>
+                    <a:lstStyle/>
+                    <a:p>
+                      <a:pPr>
+                        <a:buNone/>
+                      </a:pPr>
+                      <a:r>
+                        <a:rPr lang="en-US" sz="2400" dirty="0">
+                          <a:effectLst/>
+                          <a:latin typeface="Open Sans" pitchFamily="2" charset="0"/>
+                          <a:ea typeface="Open Sans" pitchFamily="2" charset="0"/>
+                          <a:cs typeface="Open Sans" pitchFamily="2" charset="0"/>
+                        </a:rPr>
+                        <a:t>2</a:t>
+                      </a:r>
+                    </a:p>
+                  </a:txBody>
+                  <a:tcPr marL="60960" marR="60960" marT="30480" marB="30480" anchor="ctr">
+                    <a:solidFill>
+                      <a:schemeClr val="accent2"/>
+                    </a:solidFill>
+                  </a:tcPr>
+                </a:tc>
+                <a:extLst>
+                  <a:ext uri="{0D108BD9-81ED-4DB2-BD59-A6C34878D82A}">
+                    <a16:rowId xmlns:a16="http://schemas.microsoft.com/office/drawing/2014/main" val="531203357"/>
+                  </a:ext>
+                </a:extLst>
+              </a:tr>
+              <a:tr h="370840">
+                <a:tc>
+                  <a:txBody>
+                    <a:bodyPr/>
+                    <a:lstStyle/>
+                    <a:p>
+                      <a:pPr algn="r" fontAlgn="ctr">
+                        <a:buNone/>
+                      </a:pPr>
+                      <a:r>
+                        <a:rPr lang="en-US" sz="2400" b="0">
+                          <a:effectLst/>
+                          <a:latin typeface="Open Sans" pitchFamily="2" charset="0"/>
+                          <a:ea typeface="Open Sans" pitchFamily="2" charset="0"/>
+                          <a:cs typeface="Open Sans" pitchFamily="2" charset="0"/>
+                        </a:rPr>
+                        <a:t>4</a:t>
+                      </a:r>
+                    </a:p>
+                  </a:txBody>
+                  <a:tcPr marL="60960" marR="60960" marT="30480" marB="30480" anchor="ctr">
+                    <a:solidFill>
+                      <a:srgbClr val="FFFF00"/>
+                    </a:solidFill>
+                  </a:tcPr>
+                </a:tc>
+                <a:tc>
+                  <a:txBody>
+                    <a:bodyPr/>
+                    <a:lstStyle/>
+                    <a:p>
+                      <a:pPr>
+                        <a:buNone/>
+                      </a:pPr>
+                      <a:r>
+                        <a:rPr lang="en-US" sz="2400">
+                          <a:effectLst/>
+                          <a:latin typeface="Open Sans" pitchFamily="2" charset="0"/>
+                          <a:ea typeface="Open Sans" pitchFamily="2" charset="0"/>
+                          <a:cs typeface="Open Sans" pitchFamily="2" charset="0"/>
+                        </a:rPr>
+                        <a:t>Banana</a:t>
+                      </a:r>
+                    </a:p>
+                  </a:txBody>
+                  <a:tcPr marL="60960" marR="60960" marT="30480" marB="30480" anchor="ctr">
+                    <a:solidFill>
+                      <a:srgbClr val="FFFF00"/>
+                    </a:solidFill>
+                  </a:tcPr>
+                </a:tc>
+                <a:tc>
+                  <a:txBody>
+                    <a:bodyPr/>
+                    <a:lstStyle/>
+                    <a:p>
+                      <a:pPr>
+                        <a:buNone/>
+                      </a:pPr>
+                      <a:r>
+                        <a:rPr lang="en-US" sz="2400">
+                          <a:effectLst/>
+                          <a:latin typeface="Open Sans" pitchFamily="2" charset="0"/>
+                          <a:ea typeface="Open Sans" pitchFamily="2" charset="0"/>
+                          <a:cs typeface="Open Sans" pitchFamily="2" charset="0"/>
+                        </a:rPr>
+                        <a:t>0.9</a:t>
+                      </a:r>
+                    </a:p>
+                  </a:txBody>
+                  <a:tcPr marL="60960" marR="60960" marT="30480" marB="30480" anchor="ctr">
+                    <a:solidFill>
+                      <a:srgbClr val="FFFF00"/>
+                    </a:solidFill>
+                  </a:tcPr>
+                </a:tc>
+                <a:tc>
+                  <a:txBody>
+                    <a:bodyPr/>
+                    <a:lstStyle/>
+                    <a:p>
+                      <a:pPr>
+                        <a:buNone/>
+                      </a:pPr>
+                      <a:r>
+                        <a:rPr lang="en-US" sz="2400" dirty="0">
+                          <a:effectLst/>
+                          <a:latin typeface="Open Sans" pitchFamily="2" charset="0"/>
+                          <a:ea typeface="Open Sans" pitchFamily="2" charset="0"/>
+                          <a:cs typeface="Open Sans" pitchFamily="2" charset="0"/>
+                        </a:rPr>
+                        <a:t>1</a:t>
+                      </a:r>
+                    </a:p>
+                  </a:txBody>
+                  <a:tcPr marL="60960" marR="60960" marT="30480" marB="30480" anchor="ctr">
+                    <a:solidFill>
+                      <a:srgbClr val="FFC000"/>
+                    </a:solidFill>
+                  </a:tcPr>
+                </a:tc>
+                <a:extLst>
+                  <a:ext uri="{0D108BD9-81ED-4DB2-BD59-A6C34878D82A}">
+                    <a16:rowId xmlns:a16="http://schemas.microsoft.com/office/drawing/2014/main" val="530282127"/>
+                  </a:ext>
+                </a:extLst>
+              </a:tr>
+              <a:tr h="370840">
+                <a:tc>
+                  <a:txBody>
+                    <a:bodyPr/>
+                    <a:lstStyle/>
+                    <a:p>
+                      <a:pPr algn="r" fontAlgn="ctr">
+                        <a:buNone/>
+                      </a:pPr>
+                      <a:r>
+                        <a:rPr lang="en-US" sz="2400" b="0">
+                          <a:effectLst/>
+                          <a:latin typeface="Open Sans" pitchFamily="2" charset="0"/>
+                          <a:ea typeface="Open Sans" pitchFamily="2" charset="0"/>
+                          <a:cs typeface="Open Sans" pitchFamily="2" charset="0"/>
+                        </a:rPr>
+                        <a:t>5</a:t>
+                      </a:r>
+                    </a:p>
+                  </a:txBody>
+                  <a:tcPr marL="60960" marR="60960" marT="30480" marB="30480" anchor="ctr">
+                    <a:solidFill>
+                      <a:schemeClr val="accent6">
+                        <a:lumMod val="60000"/>
+                        <a:lumOff val="40000"/>
+                      </a:schemeClr>
+                    </a:solidFill>
+                  </a:tcPr>
+                </a:tc>
+                <a:tc>
+                  <a:txBody>
+                    <a:bodyPr/>
+                    <a:lstStyle/>
+                    <a:p>
+                      <a:pPr>
+                        <a:buNone/>
+                      </a:pPr>
+                      <a:r>
+                        <a:rPr lang="en-US" sz="2400">
+                          <a:effectLst/>
+                          <a:latin typeface="Open Sans" pitchFamily="2" charset="0"/>
+                          <a:ea typeface="Open Sans" pitchFamily="2" charset="0"/>
+                          <a:cs typeface="Open Sans" pitchFamily="2" charset="0"/>
+                        </a:rPr>
+                        <a:t>Apple</a:t>
+                      </a:r>
+                    </a:p>
+                  </a:txBody>
+                  <a:tcPr marL="60960" marR="60960" marT="30480" marB="30480" anchor="ctr">
+                    <a:solidFill>
+                      <a:schemeClr val="accent6">
+                        <a:lumMod val="60000"/>
+                        <a:lumOff val="40000"/>
+                      </a:schemeClr>
+                    </a:solidFill>
+                  </a:tcPr>
+                </a:tc>
+                <a:tc>
+                  <a:txBody>
+                    <a:bodyPr/>
+                    <a:lstStyle/>
+                    <a:p>
+                      <a:pPr>
+                        <a:buNone/>
+                      </a:pPr>
+                      <a:r>
+                        <a:rPr lang="en-US" sz="2400">
+                          <a:effectLst/>
+                          <a:latin typeface="Open Sans" pitchFamily="2" charset="0"/>
+                          <a:ea typeface="Open Sans" pitchFamily="2" charset="0"/>
+                          <a:cs typeface="Open Sans" pitchFamily="2" charset="0"/>
+                        </a:rPr>
+                        <a:t>0.6</a:t>
+                      </a:r>
+                    </a:p>
+                  </a:txBody>
+                  <a:tcPr marL="60960" marR="60960" marT="30480" marB="30480" anchor="ctr">
+                    <a:solidFill>
+                      <a:schemeClr val="accent6">
+                        <a:lumMod val="60000"/>
+                        <a:lumOff val="40000"/>
+                      </a:schemeClr>
+                    </a:solidFill>
+                  </a:tcPr>
+                </a:tc>
+                <a:tc>
+                  <a:txBody>
+                    <a:bodyPr/>
+                    <a:lstStyle/>
+                    <a:p>
+                      <a:pPr>
+                        <a:buNone/>
+                      </a:pPr>
+                      <a:r>
+                        <a:rPr lang="en-US" sz="2400" dirty="0">
+                          <a:effectLst/>
+                          <a:latin typeface="Open Sans" pitchFamily="2" charset="0"/>
+                          <a:ea typeface="Open Sans" pitchFamily="2" charset="0"/>
+                          <a:cs typeface="Open Sans" pitchFamily="2" charset="0"/>
+                        </a:rPr>
+                        <a:t>0</a:t>
+                      </a:r>
+                    </a:p>
+                  </a:txBody>
+                  <a:tcPr marL="60960" marR="60960" marT="30480" marB="30480" anchor="ctr">
+                    <a:solidFill>
+                      <a:schemeClr val="accent6"/>
+                    </a:solidFill>
+                  </a:tcPr>
+                </a:tc>
+                <a:extLst>
+                  <a:ext uri="{0D108BD9-81ED-4DB2-BD59-A6C34878D82A}">
+                    <a16:rowId xmlns:a16="http://schemas.microsoft.com/office/drawing/2014/main" val="2684088726"/>
+                  </a:ext>
+                </a:extLst>
+              </a:tr>
+            </a:tbl>
+          </a:graphicData>
+        </a:graphic>
+      </p:graphicFrame>
+      <p:grpSp>
+        <p:nvGrpSpPr>
+          <p:cNvPr id="18" name="Group 17">
+            <a:extLst>
+              <a:ext uri="{FF2B5EF4-FFF2-40B4-BE49-F238E27FC236}">
+                <a16:creationId xmlns:a16="http://schemas.microsoft.com/office/drawing/2014/main" id="{3A17BC03-CF4B-ED7F-0B75-C491F67A9166}"/>
+              </a:ext>
+            </a:extLst>
+          </p:cNvPr>
+          <p:cNvGrpSpPr/>
+          <p:nvPr/>
+        </p:nvGrpSpPr>
+        <p:grpSpPr>
+          <a:xfrm>
+            <a:off x="1487947" y="4987643"/>
+            <a:ext cx="4871885" cy="1430673"/>
+            <a:chOff x="1487947" y="4987643"/>
+            <a:chExt cx="4871885" cy="1430673"/>
+          </a:xfrm>
+        </p:grpSpPr>
+        <p:grpSp>
+          <p:nvGrpSpPr>
+            <p:cNvPr id="16" name="Group 15">
+              <a:extLst>
+                <a:ext uri="{FF2B5EF4-FFF2-40B4-BE49-F238E27FC236}">
+                  <a16:creationId xmlns:a16="http://schemas.microsoft.com/office/drawing/2014/main" id="{97D5C02D-6E16-2B80-AFDB-5BF52EC6B0B9}"/>
+                </a:ext>
+              </a:extLst>
+            </p:cNvPr>
+            <p:cNvGrpSpPr/>
+            <p:nvPr/>
+          </p:nvGrpSpPr>
+          <p:grpSpPr>
+            <a:xfrm>
+              <a:off x="1707535" y="4987643"/>
+              <a:ext cx="4652297" cy="1430673"/>
+              <a:chOff x="1707535" y="4987643"/>
+              <a:chExt cx="4652297" cy="1430673"/>
+            </a:xfrm>
+          </p:grpSpPr>
+          <p:sp>
+            <p:nvSpPr>
+              <p:cNvPr id="12" name="Rectangle 11">
+                <a:extLst>
+                  <a:ext uri="{FF2B5EF4-FFF2-40B4-BE49-F238E27FC236}">
+                    <a16:creationId xmlns:a16="http://schemas.microsoft.com/office/drawing/2014/main" id="{B5FD6214-E0FC-335E-144E-9595780CC49D}"/>
+                  </a:ext>
+                </a:extLst>
+              </p:cNvPr>
+              <p:cNvSpPr/>
+              <p:nvPr/>
+            </p:nvSpPr>
+            <p:spPr>
+              <a:xfrm>
+                <a:off x="1707535" y="4987643"/>
+                <a:ext cx="2231922" cy="422788"/>
+              </a:xfrm>
+              <a:prstGeom prst="rect">
+                <a:avLst/>
+              </a:prstGeom>
+            </p:spPr>
+            <p:style>
+              <a:lnRef idx="2">
+                <a:schemeClr val="accent1">
+                  <a:shade val="15000"/>
+                </a:schemeClr>
+              </a:lnRef>
+              <a:fillRef idx="1">
+                <a:schemeClr val="accent1"/>
+              </a:fillRef>
+              <a:effectRef idx="0">
+                <a:schemeClr val="accent1"/>
+              </a:effectRef>
+              <a:fontRef idx="minor">
+                <a:schemeClr val="lt1"/>
+              </a:fontRef>
+            </p:style>
+            <p:txBody>
+              <a:bodyPr rtlCol="0" anchor="ctr"/>
+              <a:lstStyle/>
+              <a:p>
+                <a:pPr algn="ctr"/>
+                <a:r>
+                  <a:rPr lang="en-US" sz="2400" dirty="0">
+                    <a:latin typeface="Open Sans" pitchFamily="2" charset="0"/>
+                    <a:ea typeface="Open Sans" pitchFamily="2" charset="0"/>
+                    <a:cs typeface="Open Sans" pitchFamily="2" charset="0"/>
+                  </a:rPr>
+                  <a:t>A for Apple(0)</a:t>
+                </a:r>
+              </a:p>
+            </p:txBody>
+          </p:sp>
+          <p:sp>
+            <p:nvSpPr>
+              <p:cNvPr id="13" name="Rectangle 12">
+                <a:extLst>
+                  <a:ext uri="{FF2B5EF4-FFF2-40B4-BE49-F238E27FC236}">
+                    <a16:creationId xmlns:a16="http://schemas.microsoft.com/office/drawing/2014/main" id="{58F846CF-BCF1-46A8-DC45-B7C45CDA2495}"/>
+                  </a:ext>
+                </a:extLst>
+              </p:cNvPr>
+              <p:cNvSpPr/>
+              <p:nvPr/>
+            </p:nvSpPr>
+            <p:spPr>
+              <a:xfrm>
+                <a:off x="2823496" y="5487094"/>
+                <a:ext cx="2423651" cy="422788"/>
+              </a:xfrm>
+              <a:prstGeom prst="rect">
+                <a:avLst/>
+              </a:prstGeom>
+            </p:spPr>
+            <p:style>
+              <a:lnRef idx="2">
+                <a:schemeClr val="accent1">
+                  <a:shade val="15000"/>
+                </a:schemeClr>
+              </a:lnRef>
+              <a:fillRef idx="1">
+                <a:schemeClr val="accent1"/>
+              </a:fillRef>
+              <a:effectRef idx="0">
+                <a:schemeClr val="accent1"/>
+              </a:effectRef>
+              <a:fontRef idx="minor">
+                <a:schemeClr val="lt1"/>
+              </a:fontRef>
+            </p:style>
+            <p:txBody>
+              <a:bodyPr rtlCol="0" anchor="ctr"/>
+              <a:lstStyle/>
+              <a:p>
+                <a:pPr algn="ctr"/>
+                <a:r>
+                  <a:rPr lang="en-US" sz="2400" dirty="0">
+                    <a:latin typeface="Open Sans" pitchFamily="2" charset="0"/>
+                    <a:ea typeface="Open Sans" pitchFamily="2" charset="0"/>
+                    <a:cs typeface="Open Sans" pitchFamily="2" charset="0"/>
+                  </a:rPr>
+                  <a:t>B for Banana(1)</a:t>
+                </a:r>
+              </a:p>
+            </p:txBody>
+          </p:sp>
+          <p:sp>
+            <p:nvSpPr>
+              <p:cNvPr id="14" name="Rectangle 13">
+                <a:extLst>
+                  <a:ext uri="{FF2B5EF4-FFF2-40B4-BE49-F238E27FC236}">
+                    <a16:creationId xmlns:a16="http://schemas.microsoft.com/office/drawing/2014/main" id="{3EA2286E-A372-117E-E96D-E771A2F46307}"/>
+                  </a:ext>
+                </a:extLst>
+              </p:cNvPr>
+              <p:cNvSpPr/>
+              <p:nvPr/>
+            </p:nvSpPr>
+            <p:spPr>
+              <a:xfrm>
+                <a:off x="3867354" y="5995528"/>
+                <a:ext cx="2492478" cy="422788"/>
+              </a:xfrm>
+              <a:prstGeom prst="rect">
+                <a:avLst/>
+              </a:prstGeom>
+            </p:spPr>
+            <p:style>
+              <a:lnRef idx="2">
+                <a:schemeClr val="accent1">
+                  <a:shade val="15000"/>
+                </a:schemeClr>
+              </a:lnRef>
+              <a:fillRef idx="1">
+                <a:schemeClr val="accent1"/>
+              </a:fillRef>
+              <a:effectRef idx="0">
+                <a:schemeClr val="accent1"/>
+              </a:effectRef>
+              <a:fontRef idx="minor">
+                <a:schemeClr val="lt1"/>
+              </a:fontRef>
+            </p:style>
+            <p:txBody>
+              <a:bodyPr rtlCol="0" anchor="ctr"/>
+              <a:lstStyle/>
+              <a:p>
+                <a:pPr algn="ctr"/>
+                <a:r>
+                  <a:rPr lang="en-US" sz="2400" dirty="0">
+                    <a:latin typeface="Open Sans" pitchFamily="2" charset="0"/>
+                    <a:ea typeface="Open Sans" pitchFamily="2" charset="0"/>
+                    <a:cs typeface="Open Sans" pitchFamily="2" charset="0"/>
+                  </a:rPr>
+                  <a:t>O for Orange(2)</a:t>
+                </a:r>
+              </a:p>
+            </p:txBody>
+          </p:sp>
+          <p:cxnSp>
+            <p:nvCxnSpPr>
+              <p:cNvPr id="15" name="Connector: Elbow 14">
+                <a:extLst>
+                  <a:ext uri="{FF2B5EF4-FFF2-40B4-BE49-F238E27FC236}">
+                    <a16:creationId xmlns:a16="http://schemas.microsoft.com/office/drawing/2014/main" id="{640AE5E2-7A1F-F682-2397-E1FA8B9F8C0C}"/>
+                  </a:ext>
+                </a:extLst>
+              </p:cNvPr>
+              <p:cNvCxnSpPr>
+                <a:cxnSpLocks/>
+                <a:endCxn id="14" idx="1"/>
+              </p:cNvCxnSpPr>
+              <p:nvPr/>
+            </p:nvCxnSpPr>
+            <p:spPr>
+              <a:xfrm>
+                <a:off x="3028335" y="5909882"/>
+                <a:ext cx="839019" cy="297040"/>
+              </a:xfrm>
+              <a:prstGeom prst="bentConnector3">
+                <a:avLst>
+                  <a:gd name="adj1" fmla="val -391"/>
+                </a:avLst>
+              </a:prstGeom>
+              <a:ln w="28575">
+                <a:tailEnd type="triangle"/>
+              </a:ln>
+            </p:spPr>
+            <p:style>
+              <a:lnRef idx="1">
+                <a:schemeClr val="accent1"/>
+              </a:lnRef>
+              <a:fillRef idx="0">
+                <a:schemeClr val="accent1"/>
+              </a:fillRef>
+              <a:effectRef idx="0">
+                <a:schemeClr val="accent1"/>
+              </a:effectRef>
+              <a:fontRef idx="minor">
+                <a:schemeClr val="tx1"/>
+              </a:fontRef>
+            </p:style>
+          </p:cxnSp>
+          <p:cxnSp>
+            <p:nvCxnSpPr>
+              <p:cNvPr id="22" name="Connector: Elbow 21">
+                <a:extLst>
+                  <a:ext uri="{FF2B5EF4-FFF2-40B4-BE49-F238E27FC236}">
+                    <a16:creationId xmlns:a16="http://schemas.microsoft.com/office/drawing/2014/main" id="{A48C1D9E-35E5-475E-6163-B751979638E7}"/>
+                  </a:ext>
+                </a:extLst>
+              </p:cNvPr>
+              <p:cNvCxnSpPr>
+                <a:cxnSpLocks/>
+                <a:endCxn id="13" idx="1"/>
+              </p:cNvCxnSpPr>
+              <p:nvPr/>
+            </p:nvCxnSpPr>
+            <p:spPr>
+              <a:xfrm>
+                <a:off x="1950057" y="5382063"/>
+                <a:ext cx="873439" cy="316425"/>
+              </a:xfrm>
+              <a:prstGeom prst="bentConnector3">
+                <a:avLst>
+                  <a:gd name="adj1" fmla="val 469"/>
+                </a:avLst>
+              </a:prstGeom>
+              <a:ln w="28575">
+                <a:tailEnd type="triangle"/>
+              </a:ln>
+            </p:spPr>
+            <p:style>
+              <a:lnRef idx="1">
+                <a:schemeClr val="accent1"/>
+              </a:lnRef>
+              <a:fillRef idx="0">
+                <a:schemeClr val="accent1"/>
+              </a:fillRef>
+              <a:effectRef idx="0">
+                <a:schemeClr val="accent1"/>
+              </a:effectRef>
+              <a:fontRef idx="minor">
+                <a:schemeClr val="tx1"/>
+              </a:fontRef>
+            </p:style>
+          </p:cxnSp>
+        </p:grpSp>
+        <p:sp>
+          <p:nvSpPr>
+            <p:cNvPr id="17" name="TextBox 16">
+              <a:extLst>
+                <a:ext uri="{FF2B5EF4-FFF2-40B4-BE49-F238E27FC236}">
+                  <a16:creationId xmlns:a16="http://schemas.microsoft.com/office/drawing/2014/main" id="{F48B8830-1416-F200-8EFA-0C46AB338433}"/>
+                </a:ext>
+              </a:extLst>
+            </p:cNvPr>
+            <p:cNvSpPr txBox="1"/>
+            <p:nvPr/>
+          </p:nvSpPr>
+          <p:spPr>
+            <a:xfrm>
+              <a:off x="1487947" y="5857949"/>
+              <a:ext cx="1335549" cy="369332"/>
+            </a:xfrm>
+            <a:prstGeom prst="rect">
+              <a:avLst/>
+            </a:prstGeom>
+            <a:noFill/>
+          </p:spPr>
+          <p:txBody>
+            <a:bodyPr wrap="square" rtlCol="0">
+              <a:spAutoFit/>
+            </a:bodyPr>
+            <a:lstStyle/>
+            <a:p>
+              <a:r>
+                <a:rPr lang="en-US" b="1" dirty="0">
+                  <a:latin typeface="Open Sans" pitchFamily="2" charset="0"/>
+                  <a:ea typeface="Open Sans" pitchFamily="2" charset="0"/>
+                  <a:cs typeface="Open Sans" pitchFamily="2" charset="0"/>
+                </a:rPr>
+                <a:t>ascending</a:t>
+              </a:r>
+              <a:endParaRPr lang="en-US" dirty="0"/>
+            </a:p>
+          </p:txBody>
+        </p:sp>
+      </p:grpSp>
+    </p:spTree>
+    <p:extLst>
+      <p:ext uri="{BB962C8B-B14F-4D97-AF65-F5344CB8AC3E}">
+        <p14:creationId xmlns:p14="http://schemas.microsoft.com/office/powerpoint/2010/main" val="2275761083"/>
+      </p:ext>
+    </p:extLst>
+  </p:cSld>
+  <p:clrMapOvr>
+    <a:masterClrMapping/>
+  </p:clrMapOvr>
+</p:sld>
+</file>
+
+<file path=ppt/slides/slide4.xml><?xml version="1.0" encoding="utf-8"?>
+<p:sld xmlns:a="http://schemas.openxmlformats.org/drawingml/2006/main" xmlns:r="http://schemas.openxmlformats.org/officeDocument/2006/relationships" xmlns:p="http://schemas.openxmlformats.org/presentationml/2006/main">
+  <p:cSld>
+    <p:spTree>
+      <p:nvGrpSpPr>
+        <p:cNvPr id="1" name="">
+          <a:extLst>
+            <a:ext uri="{FF2B5EF4-FFF2-40B4-BE49-F238E27FC236}">
+              <a16:creationId xmlns:a16="http://schemas.microsoft.com/office/drawing/2014/main" id="{C223A8E4-5D90-4160-F726-122FCC2AE0A0}"/>
+            </a:ext>
+          </a:extLst>
+        </p:cNvPr>
+        <p:cNvGrpSpPr/>
+        <p:nvPr/>
+      </p:nvGrpSpPr>
+      <p:grpSpPr>
+        <a:xfrm>
+          <a:off x="0" y="0"/>
+          <a:ext cx="0" cy="0"/>
+          <a:chOff x="0" y="0"/>
+          <a:chExt cx="0" cy="0"/>
+        </a:xfrm>
+      </p:grpSpPr>
+      <p:sp>
+        <p:nvSpPr>
+          <p:cNvPr id="5" name="TextBox 4">
+            <a:extLst>
+              <a:ext uri="{FF2B5EF4-FFF2-40B4-BE49-F238E27FC236}">
+                <a16:creationId xmlns:a16="http://schemas.microsoft.com/office/drawing/2014/main" id="{FBFAFBAD-8B68-D4CC-920D-43EC53F711B9}"/>
+              </a:ext>
+            </a:extLst>
+          </p:cNvPr>
+          <p:cNvSpPr txBox="1"/>
+          <p:nvPr/>
+        </p:nvSpPr>
+        <p:spPr>
+          <a:xfrm>
+            <a:off x="1597742" y="403123"/>
+            <a:ext cx="8996516" cy="646331"/>
+          </a:xfrm>
+          <a:prstGeom prst="rect">
+            <a:avLst/>
+          </a:prstGeom>
+          <a:noFill/>
+        </p:spPr>
+        <p:txBody>
+          <a:bodyPr wrap="square" rtlCol="0">
+            <a:spAutoFit/>
+          </a:bodyPr>
+          <a:lstStyle/>
+          <a:p>
+            <a:pPr algn="ctr"/>
+            <a:r>
+              <a:rPr lang="en-US" sz="3600" dirty="0">
+                <a:latin typeface="Bebas Neue" panose="020B0606020202050201" pitchFamily="34" charset="0"/>
+              </a:rPr>
+              <a:t>How Label encoding Works for Ordinal Data</a:t>
+            </a:r>
+          </a:p>
+        </p:txBody>
+      </p:sp>
+      <p:sp>
+        <p:nvSpPr>
+          <p:cNvPr id="7" name="TextBox 6">
+            <a:extLst>
+              <a:ext uri="{FF2B5EF4-FFF2-40B4-BE49-F238E27FC236}">
+                <a16:creationId xmlns:a16="http://schemas.microsoft.com/office/drawing/2014/main" id="{D8EE4BC8-C654-D669-EA82-6027DF0E1FD6}"/>
+              </a:ext>
+            </a:extLst>
+          </p:cNvPr>
+          <p:cNvSpPr txBox="1"/>
+          <p:nvPr/>
+        </p:nvSpPr>
+        <p:spPr>
+          <a:xfrm>
+            <a:off x="1597742" y="1049454"/>
+            <a:ext cx="8996516" cy="830997"/>
+          </a:xfrm>
+          <a:prstGeom prst="rect">
+            <a:avLst/>
+          </a:prstGeom>
+          <a:noFill/>
+        </p:spPr>
+        <p:txBody>
+          <a:bodyPr wrap="square" rtlCol="0">
+            <a:spAutoFit/>
+          </a:bodyPr>
+          <a:lstStyle/>
+          <a:p>
+            <a:r>
+              <a:rPr lang="en-US" sz="2400" dirty="0">
+                <a:latin typeface="Open Sans" pitchFamily="2" charset="0"/>
+                <a:ea typeface="Open Sans" pitchFamily="2" charset="0"/>
+                <a:cs typeface="Open Sans" pitchFamily="2" charset="0"/>
+              </a:rPr>
+              <a:t>Again it assigns numbers based on the </a:t>
+            </a:r>
+            <a:r>
+              <a:rPr lang="en-US" sz="2400" b="1" dirty="0">
+                <a:latin typeface="Open Sans" pitchFamily="2" charset="0"/>
+                <a:ea typeface="Open Sans" pitchFamily="2" charset="0"/>
+                <a:cs typeface="Open Sans" pitchFamily="2" charset="0"/>
+              </a:rPr>
+              <a:t>ascending</a:t>
+            </a:r>
+            <a:r>
+              <a:rPr lang="en-US" sz="2400" dirty="0">
+                <a:latin typeface="Open Sans" pitchFamily="2" charset="0"/>
+                <a:ea typeface="Open Sans" pitchFamily="2" charset="0"/>
+                <a:cs typeface="Open Sans" pitchFamily="2" charset="0"/>
+              </a:rPr>
+              <a:t> </a:t>
+            </a:r>
+            <a:r>
+              <a:rPr lang="en-US" sz="2400" b="1" dirty="0">
+                <a:latin typeface="Open Sans" pitchFamily="2" charset="0"/>
+                <a:ea typeface="Open Sans" pitchFamily="2" charset="0"/>
+                <a:cs typeface="Open Sans" pitchFamily="2" charset="0"/>
+              </a:rPr>
+              <a:t>sorted (alphabetical) order of unique labels</a:t>
+            </a:r>
+            <a:r>
+              <a:rPr lang="en-US" sz="2400" dirty="0">
+                <a:latin typeface="Open Sans" pitchFamily="2" charset="0"/>
+                <a:ea typeface="Open Sans" pitchFamily="2" charset="0"/>
+                <a:cs typeface="Open Sans" pitchFamily="2" charset="0"/>
+              </a:rPr>
+              <a:t>.</a:t>
+            </a:r>
+          </a:p>
+        </p:txBody>
+      </p:sp>
+      <p:graphicFrame>
+        <p:nvGraphicFramePr>
+          <p:cNvPr id="2" name="Table 1">
+            <a:extLst>
+              <a:ext uri="{FF2B5EF4-FFF2-40B4-BE49-F238E27FC236}">
+                <a16:creationId xmlns:a16="http://schemas.microsoft.com/office/drawing/2014/main" id="{80D4C273-E525-EE36-43EA-348BF3577666}"/>
+              </a:ext>
+            </a:extLst>
+          </p:cNvPr>
+          <p:cNvGraphicFramePr>
+            <a:graphicFrameLocks noGrp="1"/>
+          </p:cNvGraphicFramePr>
+          <p:nvPr>
+            <p:extLst>
+              <p:ext uri="{D42A27DB-BD31-4B8C-83A1-F6EECF244321}">
+                <p14:modId xmlns:p14="http://schemas.microsoft.com/office/powerpoint/2010/main" val="856610428"/>
+              </p:ext>
+            </p:extLst>
+          </p:nvPr>
+        </p:nvGraphicFramePr>
+        <p:xfrm>
+          <a:off x="1707535" y="1880451"/>
+          <a:ext cx="4471608" cy="2987040"/>
+        </p:xfrm>
+        <a:graphic>
+          <a:graphicData uri="http://schemas.openxmlformats.org/drawingml/2006/table">
+            <a:tbl>
+              <a:tblPr firstRow="1" bandRow="1">
+                <a:tableStyleId>{7DF18680-E054-41AD-8BC1-D1AEF772440D}</a:tableStyleId>
+              </a:tblPr>
+              <a:tblGrid>
+                <a:gridCol w="290195">
+                  <a:extLst>
+                    <a:ext uri="{9D8B030D-6E8A-4147-A177-3AD203B41FA5}">
+                      <a16:colId xmlns:a16="http://schemas.microsoft.com/office/drawing/2014/main" val="3641920023"/>
+                    </a:ext>
+                  </a:extLst>
+                </a:gridCol>
+                <a:gridCol w="1379220">
+                  <a:extLst>
+                    <a:ext uri="{9D8B030D-6E8A-4147-A177-3AD203B41FA5}">
+                      <a16:colId xmlns:a16="http://schemas.microsoft.com/office/drawing/2014/main" val="3680883337"/>
+                    </a:ext>
+                  </a:extLst>
+                </a:gridCol>
+                <a:gridCol w="1061884">
+                  <a:extLst>
+                    <a:ext uri="{9D8B030D-6E8A-4147-A177-3AD203B41FA5}">
+                      <a16:colId xmlns:a16="http://schemas.microsoft.com/office/drawing/2014/main" val="2070096912"/>
+                    </a:ext>
+                  </a:extLst>
+                </a:gridCol>
+                <a:gridCol w="1740309">
+                  <a:extLst>
+                    <a:ext uri="{9D8B030D-6E8A-4147-A177-3AD203B41FA5}">
+                      <a16:colId xmlns:a16="http://schemas.microsoft.com/office/drawing/2014/main" val="3866831488"/>
+                    </a:ext>
+                  </a:extLst>
+                </a:gridCol>
+              </a:tblGrid>
+              <a:tr h="370840">
+                <a:tc>
+                  <a:txBody>
+                    <a:bodyPr/>
+                    <a:lstStyle/>
+                    <a:p>
+                      <a:pPr algn="r" fontAlgn="ctr">
+                        <a:buNone/>
+                      </a:pPr>
+                      <a:endParaRPr lang="en-US" sz="2400">
+                        <a:effectLst/>
+                        <a:latin typeface="Open Sans" pitchFamily="2" charset="0"/>
+                        <a:ea typeface="Open Sans" pitchFamily="2" charset="0"/>
+                        <a:cs typeface="Open Sans" pitchFamily="2" charset="0"/>
+                      </a:endParaRPr>
+                    </a:p>
+                  </a:txBody>
+                  <a:tcPr marL="60960" marR="60960" marT="30480" marB="30480" anchor="ctr"/>
+                </a:tc>
+                <a:tc>
+                  <a:txBody>
+                    <a:bodyPr/>
+                    <a:lstStyle/>
+                    <a:p>
+                      <a:pPr algn="l" fontAlgn="ctr">
+                        <a:buNone/>
+                      </a:pPr>
+                      <a:r>
+                        <a:rPr lang="en-US" sz="2400" dirty="0">
+                          <a:effectLst/>
+                          <a:latin typeface="Open Sans" pitchFamily="2" charset="0"/>
+                          <a:ea typeface="Open Sans" pitchFamily="2" charset="0"/>
+                          <a:cs typeface="Open Sans" pitchFamily="2" charset="0"/>
+                        </a:rPr>
+                        <a:t>Size</a:t>
+                      </a:r>
+                    </a:p>
+                  </a:txBody>
+                  <a:tcPr marL="60960" marR="60960" marT="30480" marB="30480" anchor="ctr"/>
+                </a:tc>
+                <a:tc>
+                  <a:txBody>
+                    <a:bodyPr/>
+                    <a:lstStyle/>
+                    <a:p>
+                      <a:pPr algn="l" fontAlgn="ctr">
+                        <a:buNone/>
+                      </a:pPr>
+                      <a:r>
+                        <a:rPr lang="en-US" sz="2400" dirty="0">
+                          <a:effectLst/>
+                          <a:latin typeface="Open Sans" pitchFamily="2" charset="0"/>
+                          <a:ea typeface="Open Sans" pitchFamily="2" charset="0"/>
+                          <a:cs typeface="Open Sans" pitchFamily="2" charset="0"/>
+                        </a:rPr>
+                        <a:t>Price</a:t>
+                      </a:r>
+                    </a:p>
+                  </a:txBody>
+                  <a:tcPr marL="60960" marR="60960" marT="30480" marB="30480" anchor="ctr"/>
+                </a:tc>
+                <a:tc>
+                  <a:txBody>
+                    <a:bodyPr/>
+                    <a:lstStyle/>
+                    <a:p>
+                      <a:pPr algn="l" fontAlgn="ctr">
+                        <a:buNone/>
+                      </a:pPr>
+                      <a:r>
+                        <a:rPr lang="en-US" sz="2400" dirty="0" err="1">
+                          <a:effectLst/>
+                          <a:latin typeface="Open Sans" pitchFamily="2" charset="0"/>
+                          <a:ea typeface="Open Sans" pitchFamily="2" charset="0"/>
+                          <a:cs typeface="Open Sans" pitchFamily="2" charset="0"/>
+                        </a:rPr>
+                        <a:t>Size_label</a:t>
+                      </a:r>
+                      <a:endParaRPr lang="en-US" sz="2400" dirty="0">
+                        <a:effectLst/>
+                        <a:latin typeface="Open Sans" pitchFamily="2" charset="0"/>
+                        <a:ea typeface="Open Sans" pitchFamily="2" charset="0"/>
+                        <a:cs typeface="Open Sans" pitchFamily="2" charset="0"/>
+                      </a:endParaRPr>
+                    </a:p>
+                  </a:txBody>
+                  <a:tcPr marL="60960" marR="60960" marT="30480" marB="30480" anchor="ctr"/>
+                </a:tc>
+                <a:extLst>
+                  <a:ext uri="{0D108BD9-81ED-4DB2-BD59-A6C34878D82A}">
+                    <a16:rowId xmlns:a16="http://schemas.microsoft.com/office/drawing/2014/main" val="1633612920"/>
+                  </a:ext>
+                </a:extLst>
+              </a:tr>
+              <a:tr h="370840">
+                <a:tc>
+                  <a:txBody>
+                    <a:bodyPr/>
+                    <a:lstStyle/>
+                    <a:p>
+                      <a:pPr algn="r" fontAlgn="ctr">
+                        <a:buNone/>
+                      </a:pPr>
+                      <a:r>
+                        <a:rPr lang="en-US" sz="2400" b="0">
+                          <a:effectLst/>
+                          <a:latin typeface="Open Sans" pitchFamily="2" charset="0"/>
+                          <a:ea typeface="Open Sans" pitchFamily="2" charset="0"/>
+                          <a:cs typeface="Open Sans" pitchFamily="2" charset="0"/>
+                        </a:rPr>
+                        <a:t>0</a:t>
+                      </a:r>
+                    </a:p>
+                  </a:txBody>
+                  <a:tcPr marL="60960" marR="60960" marT="30480" marB="30480" anchor="ctr"/>
+                </a:tc>
+                <a:tc>
+                  <a:txBody>
+                    <a:bodyPr/>
+                    <a:lstStyle/>
+                    <a:p>
+                      <a:pPr>
+                        <a:buNone/>
+                      </a:pPr>
+                      <a:r>
+                        <a:rPr lang="en-US" sz="2400">
+                          <a:effectLst/>
+                          <a:latin typeface="Open Sans" pitchFamily="2" charset="0"/>
+                          <a:ea typeface="Open Sans" pitchFamily="2" charset="0"/>
+                          <a:cs typeface="Open Sans" pitchFamily="2" charset="0"/>
+                        </a:rPr>
+                        <a:t>Small</a:t>
+                      </a:r>
+                    </a:p>
+                  </a:txBody>
+                  <a:tcPr marL="60960" marR="60960" marT="30480" marB="30480" anchor="ctr"/>
+                </a:tc>
+                <a:tc>
+                  <a:txBody>
+                    <a:bodyPr/>
+                    <a:lstStyle/>
+                    <a:p>
+                      <a:pPr>
+                        <a:buNone/>
+                      </a:pPr>
+                      <a:r>
+                        <a:rPr lang="en-US" sz="2400" dirty="0">
+                          <a:effectLst/>
+                          <a:latin typeface="Open Sans" pitchFamily="2" charset="0"/>
+                          <a:ea typeface="Open Sans" pitchFamily="2" charset="0"/>
+                          <a:cs typeface="Open Sans" pitchFamily="2" charset="0"/>
+                        </a:rPr>
+                        <a:t>100</a:t>
+                      </a:r>
+                    </a:p>
+                  </a:txBody>
+                  <a:tcPr marL="60960" marR="60960" marT="30480" marB="30480" anchor="ctr"/>
+                </a:tc>
+                <a:tc>
+                  <a:txBody>
+                    <a:bodyPr/>
+                    <a:lstStyle/>
+                    <a:p>
+                      <a:pPr>
+                        <a:buNone/>
+                      </a:pPr>
+                      <a:r>
+                        <a:rPr lang="en-US" sz="2400">
+                          <a:effectLst/>
+                          <a:latin typeface="Open Sans" pitchFamily="2" charset="0"/>
+                          <a:ea typeface="Open Sans" pitchFamily="2" charset="0"/>
+                          <a:cs typeface="Open Sans" pitchFamily="2" charset="0"/>
+                        </a:rPr>
+                        <a:t>2</a:t>
+                      </a:r>
+                    </a:p>
+                  </a:txBody>
+                  <a:tcPr marL="60960" marR="60960" marT="30480" marB="30480" anchor="ctr"/>
+                </a:tc>
+                <a:extLst>
+                  <a:ext uri="{0D108BD9-81ED-4DB2-BD59-A6C34878D82A}">
+                    <a16:rowId xmlns:a16="http://schemas.microsoft.com/office/drawing/2014/main" val="3458886964"/>
+                  </a:ext>
+                </a:extLst>
+              </a:tr>
+              <a:tr h="370840">
+                <a:tc>
+                  <a:txBody>
+                    <a:bodyPr/>
+                    <a:lstStyle/>
+                    <a:p>
+                      <a:pPr algn="r" fontAlgn="ctr">
+                        <a:buNone/>
+                      </a:pPr>
+                      <a:r>
+                        <a:rPr lang="en-US" sz="2400" b="0">
+                          <a:effectLst/>
+                          <a:latin typeface="Open Sans" pitchFamily="2" charset="0"/>
+                          <a:ea typeface="Open Sans" pitchFamily="2" charset="0"/>
+                          <a:cs typeface="Open Sans" pitchFamily="2" charset="0"/>
+                        </a:rPr>
+                        <a:t>1</a:t>
+                      </a:r>
+                    </a:p>
+                  </a:txBody>
+                  <a:tcPr marL="60960" marR="60960" marT="30480" marB="30480" anchor="ctr"/>
+                </a:tc>
+                <a:tc>
+                  <a:txBody>
+                    <a:bodyPr/>
+                    <a:lstStyle/>
+                    <a:p>
+                      <a:pPr>
+                        <a:buNone/>
+                      </a:pPr>
+                      <a:r>
+                        <a:rPr lang="en-US" sz="2400">
+                          <a:effectLst/>
+                          <a:latin typeface="Open Sans" pitchFamily="2" charset="0"/>
+                          <a:ea typeface="Open Sans" pitchFamily="2" charset="0"/>
+                          <a:cs typeface="Open Sans" pitchFamily="2" charset="0"/>
+                        </a:rPr>
+                        <a:t>Medium</a:t>
+                      </a:r>
+                    </a:p>
+                  </a:txBody>
+                  <a:tcPr marL="60960" marR="60960" marT="30480" marB="30480" anchor="ctr"/>
+                </a:tc>
+                <a:tc>
+                  <a:txBody>
+                    <a:bodyPr/>
+                    <a:lstStyle/>
+                    <a:p>
+                      <a:pPr>
+                        <a:buNone/>
+                      </a:pPr>
+                      <a:r>
+                        <a:rPr lang="en-US" sz="2400">
+                          <a:effectLst/>
+                          <a:latin typeface="Open Sans" pitchFamily="2" charset="0"/>
+                          <a:ea typeface="Open Sans" pitchFamily="2" charset="0"/>
+                          <a:cs typeface="Open Sans" pitchFamily="2" charset="0"/>
+                        </a:rPr>
+                        <a:t>150</a:t>
+                      </a:r>
+                    </a:p>
+                  </a:txBody>
+                  <a:tcPr marL="60960" marR="60960" marT="30480" marB="30480" anchor="ctr"/>
+                </a:tc>
+                <a:tc>
+                  <a:txBody>
+                    <a:bodyPr/>
+                    <a:lstStyle/>
+                    <a:p>
+                      <a:pPr>
+                        <a:buNone/>
+                      </a:pPr>
+                      <a:r>
+                        <a:rPr lang="en-US" sz="2400">
+                          <a:effectLst/>
+                          <a:latin typeface="Open Sans" pitchFamily="2" charset="0"/>
+                          <a:ea typeface="Open Sans" pitchFamily="2" charset="0"/>
+                          <a:cs typeface="Open Sans" pitchFamily="2" charset="0"/>
+                        </a:rPr>
+                        <a:t>1</a:t>
+                      </a:r>
+                    </a:p>
+                  </a:txBody>
+                  <a:tcPr marL="60960" marR="60960" marT="30480" marB="30480" anchor="ctr"/>
+                </a:tc>
+                <a:extLst>
+                  <a:ext uri="{0D108BD9-81ED-4DB2-BD59-A6C34878D82A}">
+                    <a16:rowId xmlns:a16="http://schemas.microsoft.com/office/drawing/2014/main" val="3191166595"/>
+                  </a:ext>
+                </a:extLst>
+              </a:tr>
+              <a:tr h="370840">
+                <a:tc>
+                  <a:txBody>
+                    <a:bodyPr/>
+                    <a:lstStyle/>
+                    <a:p>
+                      <a:pPr algn="r" fontAlgn="ctr">
+                        <a:buNone/>
+                      </a:pPr>
+                      <a:r>
+                        <a:rPr lang="en-US" sz="2400" b="0">
+                          <a:effectLst/>
+                          <a:latin typeface="Open Sans" pitchFamily="2" charset="0"/>
+                          <a:ea typeface="Open Sans" pitchFamily="2" charset="0"/>
+                          <a:cs typeface="Open Sans" pitchFamily="2" charset="0"/>
+                        </a:rPr>
+                        <a:t>2</a:t>
+                      </a:r>
+                    </a:p>
+                  </a:txBody>
+                  <a:tcPr marL="60960" marR="60960" marT="30480" marB="30480" anchor="ctr"/>
+                </a:tc>
+                <a:tc>
+                  <a:txBody>
+                    <a:bodyPr/>
+                    <a:lstStyle/>
+                    <a:p>
+                      <a:pPr>
+                        <a:buNone/>
+                      </a:pPr>
+                      <a:r>
+                        <a:rPr lang="en-US" sz="2400">
+                          <a:effectLst/>
+                          <a:latin typeface="Open Sans" pitchFamily="2" charset="0"/>
+                          <a:ea typeface="Open Sans" pitchFamily="2" charset="0"/>
+                          <a:cs typeface="Open Sans" pitchFamily="2" charset="0"/>
+                        </a:rPr>
+                        <a:t>Large</a:t>
+                      </a:r>
+                    </a:p>
+                  </a:txBody>
+                  <a:tcPr marL="60960" marR="60960" marT="30480" marB="30480" anchor="ctr"/>
+                </a:tc>
+                <a:tc>
+                  <a:txBody>
+                    <a:bodyPr/>
+                    <a:lstStyle/>
+                    <a:p>
+                      <a:pPr>
+                        <a:buNone/>
+                      </a:pPr>
+                      <a:r>
+                        <a:rPr lang="en-US" sz="2400">
+                          <a:effectLst/>
+                          <a:latin typeface="Open Sans" pitchFamily="2" charset="0"/>
+                          <a:ea typeface="Open Sans" pitchFamily="2" charset="0"/>
+                          <a:cs typeface="Open Sans" pitchFamily="2" charset="0"/>
+                        </a:rPr>
+                        <a:t>200</a:t>
+                      </a:r>
+                    </a:p>
+                  </a:txBody>
+                  <a:tcPr marL="60960" marR="60960" marT="30480" marB="30480" anchor="ctr"/>
+                </a:tc>
+                <a:tc>
+                  <a:txBody>
+                    <a:bodyPr/>
+                    <a:lstStyle/>
+                    <a:p>
+                      <a:pPr>
+                        <a:buNone/>
+                      </a:pPr>
+                      <a:r>
+                        <a:rPr lang="en-US" sz="2400">
+                          <a:effectLst/>
+                          <a:latin typeface="Open Sans" pitchFamily="2" charset="0"/>
+                          <a:ea typeface="Open Sans" pitchFamily="2" charset="0"/>
+                          <a:cs typeface="Open Sans" pitchFamily="2" charset="0"/>
+                        </a:rPr>
+                        <a:t>0</a:t>
+                      </a:r>
+                    </a:p>
+                  </a:txBody>
+                  <a:tcPr marL="60960" marR="60960" marT="30480" marB="30480" anchor="ctr"/>
+                </a:tc>
+                <a:extLst>
+                  <a:ext uri="{0D108BD9-81ED-4DB2-BD59-A6C34878D82A}">
+                    <a16:rowId xmlns:a16="http://schemas.microsoft.com/office/drawing/2014/main" val="1252030453"/>
+                  </a:ext>
+                </a:extLst>
+              </a:tr>
+              <a:tr h="370840">
+                <a:tc>
+                  <a:txBody>
+                    <a:bodyPr/>
+                    <a:lstStyle/>
+                    <a:p>
+                      <a:pPr algn="r" fontAlgn="ctr">
+                        <a:buNone/>
+                      </a:pPr>
+                      <a:r>
+                        <a:rPr lang="en-US" sz="2400" b="0">
+                          <a:effectLst/>
+                          <a:latin typeface="Open Sans" pitchFamily="2" charset="0"/>
+                          <a:ea typeface="Open Sans" pitchFamily="2" charset="0"/>
+                          <a:cs typeface="Open Sans" pitchFamily="2" charset="0"/>
+                        </a:rPr>
+                        <a:t>3</a:t>
+                      </a:r>
+                    </a:p>
+                  </a:txBody>
+                  <a:tcPr marL="60960" marR="60960" marT="30480" marB="30480" anchor="ctr"/>
+                </a:tc>
+                <a:tc>
+                  <a:txBody>
+                    <a:bodyPr/>
+                    <a:lstStyle/>
+                    <a:p>
+                      <a:pPr>
+                        <a:buNone/>
+                      </a:pPr>
+                      <a:r>
+                        <a:rPr lang="en-US" sz="2400">
+                          <a:effectLst/>
+                          <a:latin typeface="Open Sans" pitchFamily="2" charset="0"/>
+                          <a:ea typeface="Open Sans" pitchFamily="2" charset="0"/>
+                          <a:cs typeface="Open Sans" pitchFamily="2" charset="0"/>
+                        </a:rPr>
+                        <a:t>Small</a:t>
+                      </a:r>
+                    </a:p>
+                  </a:txBody>
+                  <a:tcPr marL="60960" marR="60960" marT="30480" marB="30480" anchor="ctr"/>
+                </a:tc>
+                <a:tc>
+                  <a:txBody>
+                    <a:bodyPr/>
+                    <a:lstStyle/>
+                    <a:p>
+                      <a:pPr>
+                        <a:buNone/>
+                      </a:pPr>
+                      <a:r>
+                        <a:rPr lang="en-US" sz="2400">
+                          <a:effectLst/>
+                          <a:latin typeface="Open Sans" pitchFamily="2" charset="0"/>
+                          <a:ea typeface="Open Sans" pitchFamily="2" charset="0"/>
+                          <a:cs typeface="Open Sans" pitchFamily="2" charset="0"/>
+                        </a:rPr>
+                        <a:t>120</a:t>
+                      </a:r>
+                    </a:p>
+                  </a:txBody>
+                  <a:tcPr marL="60960" marR="60960" marT="30480" marB="30480" anchor="ctr"/>
+                </a:tc>
+                <a:tc>
+                  <a:txBody>
+                    <a:bodyPr/>
+                    <a:lstStyle/>
+                    <a:p>
+                      <a:pPr>
+                        <a:buNone/>
+                      </a:pPr>
+                      <a:r>
+                        <a:rPr lang="en-US" sz="2400">
+                          <a:effectLst/>
+                          <a:latin typeface="Open Sans" pitchFamily="2" charset="0"/>
+                          <a:ea typeface="Open Sans" pitchFamily="2" charset="0"/>
+                          <a:cs typeface="Open Sans" pitchFamily="2" charset="0"/>
+                        </a:rPr>
+                        <a:t>2</a:t>
+                      </a:r>
+                    </a:p>
+                  </a:txBody>
+                  <a:tcPr marL="60960" marR="60960" marT="30480" marB="30480" anchor="ctr"/>
+                </a:tc>
+                <a:extLst>
+                  <a:ext uri="{0D108BD9-81ED-4DB2-BD59-A6C34878D82A}">
+                    <a16:rowId xmlns:a16="http://schemas.microsoft.com/office/drawing/2014/main" val="531203357"/>
+                  </a:ext>
+                </a:extLst>
+              </a:tr>
+              <a:tr h="370840">
+                <a:tc>
+                  <a:txBody>
+                    <a:bodyPr/>
+                    <a:lstStyle/>
+                    <a:p>
+                      <a:pPr algn="r" fontAlgn="ctr">
+                        <a:buNone/>
+                      </a:pPr>
+                      <a:r>
+                        <a:rPr lang="en-US" sz="2400" b="0">
+                          <a:effectLst/>
+                          <a:latin typeface="Open Sans" pitchFamily="2" charset="0"/>
+                          <a:ea typeface="Open Sans" pitchFamily="2" charset="0"/>
+                          <a:cs typeface="Open Sans" pitchFamily="2" charset="0"/>
+                        </a:rPr>
+                        <a:t>4</a:t>
+                      </a:r>
+                    </a:p>
+                  </a:txBody>
+                  <a:tcPr marL="60960" marR="60960" marT="30480" marB="30480" anchor="ctr"/>
+                </a:tc>
+                <a:tc>
+                  <a:txBody>
+                    <a:bodyPr/>
+                    <a:lstStyle/>
+                    <a:p>
+                      <a:pPr>
+                        <a:buNone/>
+                      </a:pPr>
+                      <a:r>
+                        <a:rPr lang="en-US" sz="2400">
+                          <a:effectLst/>
+                          <a:latin typeface="Open Sans" pitchFamily="2" charset="0"/>
+                          <a:ea typeface="Open Sans" pitchFamily="2" charset="0"/>
+                          <a:cs typeface="Open Sans" pitchFamily="2" charset="0"/>
+                        </a:rPr>
+                        <a:t>Large</a:t>
+                      </a:r>
+                    </a:p>
+                  </a:txBody>
+                  <a:tcPr marL="60960" marR="60960" marT="30480" marB="30480" anchor="ctr"/>
+                </a:tc>
+                <a:tc>
+                  <a:txBody>
+                    <a:bodyPr/>
+                    <a:lstStyle/>
+                    <a:p>
+                      <a:pPr>
+                        <a:buNone/>
+                      </a:pPr>
+                      <a:r>
+                        <a:rPr lang="en-US" sz="2400">
+                          <a:effectLst/>
+                          <a:latin typeface="Open Sans" pitchFamily="2" charset="0"/>
+                          <a:ea typeface="Open Sans" pitchFamily="2" charset="0"/>
+                          <a:cs typeface="Open Sans" pitchFamily="2" charset="0"/>
+                        </a:rPr>
+                        <a:t>210</a:t>
+                      </a:r>
+                    </a:p>
+                  </a:txBody>
+                  <a:tcPr marL="60960" marR="60960" marT="30480" marB="30480" anchor="ctr"/>
+                </a:tc>
+                <a:tc>
+                  <a:txBody>
+                    <a:bodyPr/>
+                    <a:lstStyle/>
+                    <a:p>
+                      <a:pPr>
+                        <a:buNone/>
+                      </a:pPr>
+                      <a:r>
+                        <a:rPr lang="en-US" sz="2400">
+                          <a:effectLst/>
+                          <a:latin typeface="Open Sans" pitchFamily="2" charset="0"/>
+                          <a:ea typeface="Open Sans" pitchFamily="2" charset="0"/>
+                          <a:cs typeface="Open Sans" pitchFamily="2" charset="0"/>
+                        </a:rPr>
+                        <a:t>0</a:t>
+                      </a:r>
+                    </a:p>
+                  </a:txBody>
+                  <a:tcPr marL="60960" marR="60960" marT="30480" marB="30480" anchor="ctr"/>
+                </a:tc>
+                <a:extLst>
+                  <a:ext uri="{0D108BD9-81ED-4DB2-BD59-A6C34878D82A}">
+                    <a16:rowId xmlns:a16="http://schemas.microsoft.com/office/drawing/2014/main" val="530282127"/>
+                  </a:ext>
+                </a:extLst>
+              </a:tr>
+              <a:tr h="370840">
+                <a:tc>
+                  <a:txBody>
+                    <a:bodyPr/>
+                    <a:lstStyle/>
+                    <a:p>
+                      <a:pPr algn="r" fontAlgn="ctr">
+                        <a:buNone/>
+                      </a:pPr>
+                      <a:r>
+                        <a:rPr lang="en-US" sz="2400" b="0">
+                          <a:effectLst/>
+                          <a:latin typeface="Open Sans" pitchFamily="2" charset="0"/>
+                          <a:ea typeface="Open Sans" pitchFamily="2" charset="0"/>
+                          <a:cs typeface="Open Sans" pitchFamily="2" charset="0"/>
+                        </a:rPr>
+                        <a:t>5</a:t>
+                      </a:r>
+                    </a:p>
+                  </a:txBody>
+                  <a:tcPr marL="60960" marR="60960" marT="30480" marB="30480" anchor="ctr"/>
+                </a:tc>
+                <a:tc>
+                  <a:txBody>
+                    <a:bodyPr/>
+                    <a:lstStyle/>
+                    <a:p>
+                      <a:pPr>
+                        <a:buNone/>
+                      </a:pPr>
+                      <a:r>
+                        <a:rPr lang="en-US" sz="2400">
+                          <a:effectLst/>
+                          <a:latin typeface="Open Sans" pitchFamily="2" charset="0"/>
+                          <a:ea typeface="Open Sans" pitchFamily="2" charset="0"/>
+                          <a:cs typeface="Open Sans" pitchFamily="2" charset="0"/>
+                        </a:rPr>
+                        <a:t>Medium</a:t>
+                      </a:r>
+                    </a:p>
+                  </a:txBody>
+                  <a:tcPr marL="60960" marR="60960" marT="30480" marB="30480" anchor="ctr"/>
+                </a:tc>
+                <a:tc>
+                  <a:txBody>
+                    <a:bodyPr/>
+                    <a:lstStyle/>
+                    <a:p>
+                      <a:pPr>
+                        <a:buNone/>
+                      </a:pPr>
+                      <a:r>
+                        <a:rPr lang="en-US" sz="2400">
+                          <a:effectLst/>
+                          <a:latin typeface="Open Sans" pitchFamily="2" charset="0"/>
+                          <a:ea typeface="Open Sans" pitchFamily="2" charset="0"/>
+                          <a:cs typeface="Open Sans" pitchFamily="2" charset="0"/>
+                        </a:rPr>
+                        <a:t>160</a:t>
+                      </a:r>
+                    </a:p>
+                  </a:txBody>
+                  <a:tcPr marL="60960" marR="60960" marT="30480" marB="30480" anchor="ctr"/>
+                </a:tc>
+                <a:tc>
+                  <a:txBody>
+                    <a:bodyPr/>
+                    <a:lstStyle/>
+                    <a:p>
+                      <a:pPr>
+                        <a:buNone/>
+                      </a:pPr>
+                      <a:r>
+                        <a:rPr lang="en-US" sz="2400" dirty="0">
+                          <a:effectLst/>
+                          <a:latin typeface="Open Sans" pitchFamily="2" charset="0"/>
+                          <a:ea typeface="Open Sans" pitchFamily="2" charset="0"/>
+                          <a:cs typeface="Open Sans" pitchFamily="2" charset="0"/>
+                        </a:rPr>
+                        <a:t>1</a:t>
+                      </a:r>
+                    </a:p>
+                  </a:txBody>
+                  <a:tcPr marL="60960" marR="60960" marT="30480" marB="30480" anchor="ctr"/>
+                </a:tc>
+                <a:extLst>
+                  <a:ext uri="{0D108BD9-81ED-4DB2-BD59-A6C34878D82A}">
+                    <a16:rowId xmlns:a16="http://schemas.microsoft.com/office/drawing/2014/main" val="2684088726"/>
+                  </a:ext>
+                </a:extLst>
+              </a:tr>
+            </a:tbl>
+          </a:graphicData>
+        </a:graphic>
+      </p:graphicFrame>
+      <p:grpSp>
+        <p:nvGrpSpPr>
+          <p:cNvPr id="26" name="Group 25">
+            <a:extLst>
+              <a:ext uri="{FF2B5EF4-FFF2-40B4-BE49-F238E27FC236}">
+                <a16:creationId xmlns:a16="http://schemas.microsoft.com/office/drawing/2014/main" id="{5F85D0AD-20C9-BBF0-488B-56A44C47493E}"/>
+              </a:ext>
+            </a:extLst>
+          </p:cNvPr>
+          <p:cNvGrpSpPr/>
+          <p:nvPr/>
+        </p:nvGrpSpPr>
+        <p:grpSpPr>
+          <a:xfrm>
+            <a:off x="6590889" y="2526782"/>
+            <a:ext cx="4871885" cy="1430673"/>
+            <a:chOff x="1487947" y="4987643"/>
+            <a:chExt cx="4871885" cy="1430673"/>
+          </a:xfrm>
+        </p:grpSpPr>
+        <p:grpSp>
+          <p:nvGrpSpPr>
+            <p:cNvPr id="27" name="Group 26">
+              <a:extLst>
+                <a:ext uri="{FF2B5EF4-FFF2-40B4-BE49-F238E27FC236}">
+                  <a16:creationId xmlns:a16="http://schemas.microsoft.com/office/drawing/2014/main" id="{B84BF410-81DE-7E66-42DE-15BEFA2F62F7}"/>
+                </a:ext>
+              </a:extLst>
+            </p:cNvPr>
+            <p:cNvGrpSpPr/>
+            <p:nvPr/>
+          </p:nvGrpSpPr>
+          <p:grpSpPr>
+            <a:xfrm>
+              <a:off x="1707535" y="4987643"/>
+              <a:ext cx="4652297" cy="1430673"/>
+              <a:chOff x="1707535" y="4987643"/>
+              <a:chExt cx="4652297" cy="1430673"/>
+            </a:xfrm>
+          </p:grpSpPr>
+          <p:sp>
+            <p:nvSpPr>
+              <p:cNvPr id="29" name="Rectangle 28">
+                <a:extLst>
+                  <a:ext uri="{FF2B5EF4-FFF2-40B4-BE49-F238E27FC236}">
+                    <a16:creationId xmlns:a16="http://schemas.microsoft.com/office/drawing/2014/main" id="{2C3074B4-5E87-DC10-C448-401DFB682ED8}"/>
+                  </a:ext>
+                </a:extLst>
+              </p:cNvPr>
+              <p:cNvSpPr/>
+              <p:nvPr/>
+            </p:nvSpPr>
+            <p:spPr>
+              <a:xfrm>
+                <a:off x="1707535" y="4987643"/>
+                <a:ext cx="2231922" cy="422788"/>
+              </a:xfrm>
+              <a:prstGeom prst="rect">
+                <a:avLst/>
+              </a:prstGeom>
+            </p:spPr>
+            <p:style>
+              <a:lnRef idx="2">
+                <a:schemeClr val="accent1">
+                  <a:shade val="15000"/>
+                </a:schemeClr>
+              </a:lnRef>
+              <a:fillRef idx="1">
+                <a:schemeClr val="accent1"/>
+              </a:fillRef>
+              <a:effectRef idx="0">
+                <a:schemeClr val="accent1"/>
+              </a:effectRef>
+              <a:fontRef idx="minor">
+                <a:schemeClr val="lt1"/>
+              </a:fontRef>
+            </p:style>
+            <p:txBody>
+              <a:bodyPr rtlCol="0" anchor="ctr"/>
+              <a:lstStyle/>
+              <a:p>
+                <a:pPr algn="ctr"/>
+                <a:r>
+                  <a:rPr lang="en-US" sz="2400" dirty="0">
+                    <a:latin typeface="Open Sans" pitchFamily="2" charset="0"/>
+                    <a:ea typeface="Open Sans" pitchFamily="2" charset="0"/>
+                    <a:cs typeface="Open Sans" pitchFamily="2" charset="0"/>
+                  </a:rPr>
+                  <a:t>L for Large(0)</a:t>
+                </a:r>
+              </a:p>
+            </p:txBody>
+          </p:sp>
+          <p:sp>
+            <p:nvSpPr>
+              <p:cNvPr id="30" name="Rectangle 29">
+                <a:extLst>
+                  <a:ext uri="{FF2B5EF4-FFF2-40B4-BE49-F238E27FC236}">
+                    <a16:creationId xmlns:a16="http://schemas.microsoft.com/office/drawing/2014/main" id="{2CCBBA7C-D899-33FC-A7B2-EA0357F94796}"/>
+                  </a:ext>
+                </a:extLst>
+              </p:cNvPr>
+              <p:cNvSpPr/>
+              <p:nvPr/>
+            </p:nvSpPr>
+            <p:spPr>
+              <a:xfrm>
+                <a:off x="2823496" y="5487094"/>
+                <a:ext cx="2667820" cy="422788"/>
+              </a:xfrm>
+              <a:prstGeom prst="rect">
+                <a:avLst/>
+              </a:prstGeom>
+            </p:spPr>
+            <p:style>
+              <a:lnRef idx="2">
+                <a:schemeClr val="accent1">
+                  <a:shade val="15000"/>
+                </a:schemeClr>
+              </a:lnRef>
+              <a:fillRef idx="1">
+                <a:schemeClr val="accent1"/>
+              </a:fillRef>
+              <a:effectRef idx="0">
+                <a:schemeClr val="accent1"/>
+              </a:effectRef>
+              <a:fontRef idx="minor">
+                <a:schemeClr val="lt1"/>
+              </a:fontRef>
+            </p:style>
+            <p:txBody>
+              <a:bodyPr rtlCol="0" anchor="ctr"/>
+              <a:lstStyle/>
+              <a:p>
+                <a:pPr algn="ctr"/>
+                <a:r>
+                  <a:rPr lang="en-US" sz="2400" dirty="0">
+                    <a:latin typeface="Open Sans" pitchFamily="2" charset="0"/>
+                    <a:ea typeface="Open Sans" pitchFamily="2" charset="0"/>
+                    <a:cs typeface="Open Sans" pitchFamily="2" charset="0"/>
+                  </a:rPr>
+                  <a:t>M for Medium(1)</a:t>
+                </a:r>
+              </a:p>
+            </p:txBody>
+          </p:sp>
+          <p:sp>
+            <p:nvSpPr>
+              <p:cNvPr id="31" name="Rectangle 30">
+                <a:extLst>
+                  <a:ext uri="{FF2B5EF4-FFF2-40B4-BE49-F238E27FC236}">
+                    <a16:creationId xmlns:a16="http://schemas.microsoft.com/office/drawing/2014/main" id="{6EFF6199-9EE6-2143-8AD2-2262565BAF61}"/>
+                  </a:ext>
+                </a:extLst>
+              </p:cNvPr>
+              <p:cNvSpPr/>
+              <p:nvPr/>
+            </p:nvSpPr>
+            <p:spPr>
+              <a:xfrm>
+                <a:off x="3867354" y="5995528"/>
+                <a:ext cx="2492478" cy="422788"/>
+              </a:xfrm>
+              <a:prstGeom prst="rect">
+                <a:avLst/>
+              </a:prstGeom>
+            </p:spPr>
+            <p:style>
+              <a:lnRef idx="2">
+                <a:schemeClr val="accent1">
+                  <a:shade val="15000"/>
+                </a:schemeClr>
+              </a:lnRef>
+              <a:fillRef idx="1">
+                <a:schemeClr val="accent1"/>
+              </a:fillRef>
+              <a:effectRef idx="0">
+                <a:schemeClr val="accent1"/>
+              </a:effectRef>
+              <a:fontRef idx="minor">
+                <a:schemeClr val="lt1"/>
+              </a:fontRef>
+            </p:style>
+            <p:txBody>
+              <a:bodyPr rtlCol="0" anchor="ctr"/>
+              <a:lstStyle/>
+              <a:p>
+                <a:pPr algn="ctr"/>
+                <a:r>
+                  <a:rPr lang="en-US" sz="2400" dirty="0">
+                    <a:latin typeface="Open Sans" pitchFamily="2" charset="0"/>
+                    <a:ea typeface="Open Sans" pitchFamily="2" charset="0"/>
+                    <a:cs typeface="Open Sans" pitchFamily="2" charset="0"/>
+                  </a:rPr>
+                  <a:t>S for Small(2)</a:t>
+                </a:r>
+              </a:p>
+            </p:txBody>
+          </p:sp>
+          <p:cxnSp>
+            <p:nvCxnSpPr>
+              <p:cNvPr id="32" name="Connector: Elbow 31">
+                <a:extLst>
+                  <a:ext uri="{FF2B5EF4-FFF2-40B4-BE49-F238E27FC236}">
+                    <a16:creationId xmlns:a16="http://schemas.microsoft.com/office/drawing/2014/main" id="{AF6A15F5-FD29-B676-D04F-E66578B8EA5F}"/>
+                  </a:ext>
+                </a:extLst>
+              </p:cNvPr>
+              <p:cNvCxnSpPr>
+                <a:cxnSpLocks/>
+                <a:endCxn id="31" idx="1"/>
+              </p:cNvCxnSpPr>
+              <p:nvPr/>
+            </p:nvCxnSpPr>
+            <p:spPr>
+              <a:xfrm>
+                <a:off x="3028335" y="5909882"/>
+                <a:ext cx="839019" cy="297040"/>
+              </a:xfrm>
+              <a:prstGeom prst="bentConnector3">
+                <a:avLst>
+                  <a:gd name="adj1" fmla="val 7812"/>
+                </a:avLst>
+              </a:prstGeom>
+              <a:ln w="28575">
+                <a:tailEnd type="triangle"/>
+              </a:ln>
+            </p:spPr>
+            <p:style>
+              <a:lnRef idx="1">
+                <a:schemeClr val="accent1"/>
+              </a:lnRef>
+              <a:fillRef idx="0">
+                <a:schemeClr val="accent1"/>
+              </a:fillRef>
+              <a:effectRef idx="0">
+                <a:schemeClr val="accent1"/>
+              </a:effectRef>
+              <a:fontRef idx="minor">
+                <a:schemeClr val="tx1"/>
+              </a:fontRef>
+            </p:style>
+          </p:cxnSp>
+          <p:cxnSp>
+            <p:nvCxnSpPr>
+              <p:cNvPr id="33" name="Connector: Elbow 32">
+                <a:extLst>
+                  <a:ext uri="{FF2B5EF4-FFF2-40B4-BE49-F238E27FC236}">
+                    <a16:creationId xmlns:a16="http://schemas.microsoft.com/office/drawing/2014/main" id="{767343F6-CD93-FCC1-9394-824A34684FF1}"/>
+                  </a:ext>
+                </a:extLst>
+              </p:cNvPr>
+              <p:cNvCxnSpPr>
+                <a:cxnSpLocks/>
+                <a:endCxn id="30" idx="1"/>
+              </p:cNvCxnSpPr>
+              <p:nvPr/>
+            </p:nvCxnSpPr>
+            <p:spPr>
+              <a:xfrm>
+                <a:off x="1950057" y="5382063"/>
+                <a:ext cx="873439" cy="316425"/>
+              </a:xfrm>
+              <a:prstGeom prst="bentConnector3">
+                <a:avLst>
+                  <a:gd name="adj1" fmla="val 1595"/>
+                </a:avLst>
+              </a:prstGeom>
+              <a:ln w="28575">
+                <a:tailEnd type="triangle"/>
+              </a:ln>
+            </p:spPr>
+            <p:style>
+              <a:lnRef idx="1">
+                <a:schemeClr val="accent1"/>
+              </a:lnRef>
+              <a:fillRef idx="0">
+                <a:schemeClr val="accent1"/>
+              </a:fillRef>
+              <a:effectRef idx="0">
+                <a:schemeClr val="accent1"/>
+              </a:effectRef>
+              <a:fontRef idx="minor">
+                <a:schemeClr val="tx1"/>
+              </a:fontRef>
+            </p:style>
+          </p:cxnSp>
+        </p:grpSp>
+        <p:sp>
+          <p:nvSpPr>
+            <p:cNvPr id="28" name="TextBox 27">
+              <a:extLst>
+                <a:ext uri="{FF2B5EF4-FFF2-40B4-BE49-F238E27FC236}">
+                  <a16:creationId xmlns:a16="http://schemas.microsoft.com/office/drawing/2014/main" id="{D9B75157-0723-20B6-A074-4CC51719DF9A}"/>
+                </a:ext>
+              </a:extLst>
+            </p:cNvPr>
+            <p:cNvSpPr txBox="1"/>
+            <p:nvPr/>
+          </p:nvSpPr>
+          <p:spPr>
+            <a:xfrm>
+              <a:off x="1487947" y="5857949"/>
+              <a:ext cx="1335549" cy="369332"/>
+            </a:xfrm>
+            <a:prstGeom prst="rect">
+              <a:avLst/>
+            </a:prstGeom>
+            <a:noFill/>
+          </p:spPr>
+          <p:txBody>
+            <a:bodyPr wrap="square" rtlCol="0">
+              <a:spAutoFit/>
+            </a:bodyPr>
+            <a:lstStyle/>
+            <a:p>
+              <a:r>
+                <a:rPr lang="en-US" b="1" dirty="0">
+                  <a:latin typeface="Open Sans" pitchFamily="2" charset="0"/>
+                  <a:ea typeface="Open Sans" pitchFamily="2" charset="0"/>
+                  <a:cs typeface="Open Sans" pitchFamily="2" charset="0"/>
+                </a:rPr>
+                <a:t>ascending</a:t>
+              </a:r>
+              <a:endParaRPr lang="en-US" dirty="0"/>
+            </a:p>
+          </p:txBody>
+        </p:sp>
+      </p:grpSp>
+    </p:spTree>
+    <p:extLst>
+      <p:ext uri="{BB962C8B-B14F-4D97-AF65-F5344CB8AC3E}">
+        <p14:creationId xmlns:p14="http://schemas.microsoft.com/office/powerpoint/2010/main" val="3025183236"/>
+      </p:ext>
+    </p:extLst>
+  </p:cSld>
+  <p:clrMapOvr>
+    <a:masterClrMapping/>
+  </p:clrMapOvr>
+</p:sld>
+</file>
+
+<file path=ppt/slides/slide5.xml><?xml version="1.0" encoding="utf-8"?>
+<p:sld xmlns:a="http://schemas.openxmlformats.org/drawingml/2006/main" xmlns:r="http://schemas.openxmlformats.org/officeDocument/2006/relationships" xmlns:p="http://schemas.openxmlformats.org/presentationml/2006/main">
+  <p:cSld>
+    <p:spTree>
+      <p:nvGrpSpPr>
+        <p:cNvPr id="1" name="">
+          <a:extLst>
+            <a:ext uri="{FF2B5EF4-FFF2-40B4-BE49-F238E27FC236}">
+              <a16:creationId xmlns:a16="http://schemas.microsoft.com/office/drawing/2014/main" id="{C376E71A-034B-B8C0-2CBB-33BE8F127ACE}"/>
+            </a:ext>
+          </a:extLst>
+        </p:cNvPr>
+        <p:cNvGrpSpPr/>
+        <p:nvPr/>
+      </p:nvGrpSpPr>
+      <p:grpSpPr>
+        <a:xfrm>
+          <a:off x="0" y="0"/>
+          <a:ext cx="0" cy="0"/>
+          <a:chOff x="0" y="0"/>
+          <a:chExt cx="0" cy="0"/>
+        </a:xfrm>
+      </p:grpSpPr>
+      <p:sp>
+        <p:nvSpPr>
+          <p:cNvPr id="5" name="TextBox 4">
+            <a:extLst>
+              <a:ext uri="{FF2B5EF4-FFF2-40B4-BE49-F238E27FC236}">
+                <a16:creationId xmlns:a16="http://schemas.microsoft.com/office/drawing/2014/main" id="{243F879D-8075-B210-EF98-BE10A759834D}"/>
+              </a:ext>
+            </a:extLst>
+          </p:cNvPr>
+          <p:cNvSpPr txBox="1"/>
+          <p:nvPr/>
+        </p:nvSpPr>
+        <p:spPr>
+          <a:xfrm>
+            <a:off x="1597742" y="403123"/>
+            <a:ext cx="8996516" cy="646331"/>
+          </a:xfrm>
+          <a:prstGeom prst="rect">
+            <a:avLst/>
+          </a:prstGeom>
+          <a:noFill/>
+        </p:spPr>
+        <p:txBody>
+          <a:bodyPr wrap="square" rtlCol="0">
+            <a:spAutoFit/>
+          </a:bodyPr>
+          <a:lstStyle/>
+          <a:p>
+            <a:pPr algn="ctr"/>
+            <a:r>
+              <a:rPr lang="en-US" sz="3600" dirty="0">
+                <a:latin typeface="Bebas Neue" panose="020B0606020202050201" pitchFamily="34" charset="0"/>
+              </a:rPr>
+              <a:t>Why People Call It “For Ordinal Data”</a:t>
+            </a:r>
+          </a:p>
+        </p:txBody>
+      </p:sp>
+      <p:sp>
+        <p:nvSpPr>
+          <p:cNvPr id="7" name="TextBox 6">
+            <a:extLst>
+              <a:ext uri="{FF2B5EF4-FFF2-40B4-BE49-F238E27FC236}">
+                <a16:creationId xmlns:a16="http://schemas.microsoft.com/office/drawing/2014/main" id="{C7D73B29-2E8F-3FAE-B960-E76BB04DD6EA}"/>
+              </a:ext>
+            </a:extLst>
+          </p:cNvPr>
+          <p:cNvSpPr txBox="1"/>
+          <p:nvPr/>
+        </p:nvSpPr>
+        <p:spPr>
+          <a:xfrm>
+            <a:off x="1597742" y="1049454"/>
+            <a:ext cx="8996516" cy="4154984"/>
+          </a:xfrm>
+          <a:prstGeom prst="rect">
+            <a:avLst/>
+          </a:prstGeom>
+          <a:noFill/>
+        </p:spPr>
+        <p:txBody>
+          <a:bodyPr wrap="square" rtlCol="0">
+            <a:spAutoFit/>
+          </a:bodyPr>
+          <a:lstStyle/>
+          <a:p>
+            <a:r>
+              <a:rPr lang="en-US" sz="2400" dirty="0">
+                <a:latin typeface="Open Sans" pitchFamily="2" charset="0"/>
+                <a:ea typeface="Open Sans" pitchFamily="2" charset="0"/>
+                <a:cs typeface="Open Sans" pitchFamily="2" charset="0"/>
+              </a:rPr>
+              <a:t>“Label Encoding is used for ordinal data.” That’s half true — but not the full picture.</a:t>
+            </a:r>
+          </a:p>
+          <a:p>
+            <a:endParaRPr lang="en-US" sz="2400" dirty="0">
+              <a:latin typeface="Open Sans" pitchFamily="2" charset="0"/>
+              <a:ea typeface="Open Sans" pitchFamily="2" charset="0"/>
+              <a:cs typeface="Open Sans" pitchFamily="2" charset="0"/>
+            </a:endParaRPr>
+          </a:p>
+          <a:p>
+            <a:r>
+              <a:rPr lang="en-US" sz="2400" dirty="0">
+                <a:latin typeface="Open Sans" pitchFamily="2" charset="0"/>
+                <a:ea typeface="Open Sans" pitchFamily="2" charset="0"/>
+                <a:cs typeface="Open Sans" pitchFamily="2" charset="0"/>
+              </a:rPr>
+              <a:t>Then, Why People Call It “For Ordinal Data”? Because ordinal data can safely be represented as numbers, and </a:t>
+            </a:r>
+            <a:r>
+              <a:rPr lang="en-US" sz="2400" dirty="0" err="1">
+                <a:latin typeface="Open Sans" pitchFamily="2" charset="0"/>
+                <a:ea typeface="Open Sans" pitchFamily="2" charset="0"/>
+                <a:cs typeface="Open Sans" pitchFamily="2" charset="0"/>
+              </a:rPr>
+              <a:t>LabelEncoder</a:t>
+            </a:r>
+            <a:r>
+              <a:rPr lang="en-US" sz="2400" dirty="0">
+                <a:latin typeface="Open Sans" pitchFamily="2" charset="0"/>
+                <a:ea typeface="Open Sans" pitchFamily="2" charset="0"/>
+                <a:cs typeface="Open Sans" pitchFamily="2" charset="0"/>
+              </a:rPr>
+              <a:t> is a </a:t>
+            </a:r>
+            <a:r>
+              <a:rPr lang="en-US" sz="2400" b="1" dirty="0">
+                <a:latin typeface="Open Sans" pitchFamily="2" charset="0"/>
+                <a:ea typeface="Open Sans" pitchFamily="2" charset="0"/>
+                <a:cs typeface="Open Sans" pitchFamily="2" charset="0"/>
+              </a:rPr>
+              <a:t>quick way</a:t>
+            </a:r>
+            <a:r>
+              <a:rPr lang="en-US" sz="2400" dirty="0">
+                <a:latin typeface="Open Sans" pitchFamily="2" charset="0"/>
+                <a:ea typeface="Open Sans" pitchFamily="2" charset="0"/>
+                <a:cs typeface="Open Sans" pitchFamily="2" charset="0"/>
+              </a:rPr>
+              <a:t> to turn text into numbers.</a:t>
+            </a:r>
+          </a:p>
+          <a:p>
+            <a:endParaRPr lang="en-US" sz="2400" dirty="0">
+              <a:latin typeface="Open Sans" pitchFamily="2" charset="0"/>
+              <a:ea typeface="Open Sans" pitchFamily="2" charset="0"/>
+              <a:cs typeface="Open Sans" pitchFamily="2" charset="0"/>
+            </a:endParaRPr>
+          </a:p>
+          <a:p>
+            <a:r>
+              <a:rPr lang="en-US" sz="2400" dirty="0">
+                <a:latin typeface="Open Sans" pitchFamily="2" charset="0"/>
+                <a:ea typeface="Open Sans" pitchFamily="2" charset="0"/>
+                <a:cs typeface="Open Sans" pitchFamily="2" charset="0"/>
+              </a:rPr>
+              <a:t>! But it is not possible to assign label by state like,</a:t>
+            </a:r>
+          </a:p>
+          <a:p>
+            <a:endParaRPr lang="en-US" sz="2400" dirty="0">
+              <a:latin typeface="Open Sans" pitchFamily="2" charset="0"/>
+              <a:ea typeface="Open Sans" pitchFamily="2" charset="0"/>
+              <a:cs typeface="Open Sans" pitchFamily="2" charset="0"/>
+            </a:endParaRPr>
+          </a:p>
+          <a:p>
+            <a:endParaRPr lang="en-US" sz="2400" dirty="0">
+              <a:latin typeface="Open Sans" pitchFamily="2" charset="0"/>
+              <a:ea typeface="Open Sans" pitchFamily="2" charset="0"/>
+              <a:cs typeface="Open Sans" pitchFamily="2" charset="0"/>
+            </a:endParaRPr>
+          </a:p>
+          <a:p>
+            <a:r>
+              <a:rPr lang="en-US" sz="2400" dirty="0">
+                <a:latin typeface="Open Sans" pitchFamily="2" charset="0"/>
+                <a:ea typeface="Open Sans" pitchFamily="2" charset="0"/>
+                <a:cs typeface="Open Sans" pitchFamily="2" charset="0"/>
+              </a:rPr>
+              <a:t>Using </a:t>
+            </a:r>
+            <a:r>
+              <a:rPr lang="en-US" sz="2400" dirty="0" err="1">
+                <a:latin typeface="Open Sans" pitchFamily="2" charset="0"/>
+                <a:ea typeface="Open Sans" pitchFamily="2" charset="0"/>
+                <a:cs typeface="Open Sans" pitchFamily="2" charset="0"/>
+              </a:rPr>
+              <a:t>LabelEncoder</a:t>
+            </a:r>
+            <a:r>
+              <a:rPr lang="en-US" sz="2400" dirty="0">
+                <a:latin typeface="Open Sans" pitchFamily="2" charset="0"/>
+                <a:ea typeface="Open Sans" pitchFamily="2" charset="0"/>
+                <a:cs typeface="Open Sans" pitchFamily="2" charset="0"/>
+              </a:rPr>
+              <a:t>. For this we have to use </a:t>
+            </a:r>
+            <a:r>
+              <a:rPr lang="en-US" sz="2400" dirty="0" err="1">
+                <a:latin typeface="Open Sans" pitchFamily="2" charset="0"/>
+                <a:ea typeface="Open Sans" pitchFamily="2" charset="0"/>
+                <a:cs typeface="Open Sans" pitchFamily="2" charset="0"/>
+              </a:rPr>
+              <a:t>OrdinalEncoder</a:t>
+            </a:r>
+            <a:r>
+              <a:rPr lang="en-US" sz="2400" dirty="0">
+                <a:latin typeface="Open Sans" pitchFamily="2" charset="0"/>
+                <a:ea typeface="Open Sans" pitchFamily="2" charset="0"/>
+                <a:cs typeface="Open Sans" pitchFamily="2" charset="0"/>
+              </a:rPr>
+              <a:t>.</a:t>
+            </a:r>
+          </a:p>
+        </p:txBody>
+      </p:sp>
+      <p:grpSp>
+        <p:nvGrpSpPr>
+          <p:cNvPr id="18" name="Group 17">
+            <a:extLst>
+              <a:ext uri="{FF2B5EF4-FFF2-40B4-BE49-F238E27FC236}">
+                <a16:creationId xmlns:a16="http://schemas.microsoft.com/office/drawing/2014/main" id="{22072FE5-E73E-797A-979B-0A887C37E6EB}"/>
+              </a:ext>
+            </a:extLst>
+          </p:cNvPr>
+          <p:cNvGrpSpPr/>
+          <p:nvPr/>
+        </p:nvGrpSpPr>
+        <p:grpSpPr>
+          <a:xfrm>
+            <a:off x="1758337" y="4173252"/>
+            <a:ext cx="6943212" cy="422788"/>
+            <a:chOff x="1817330" y="4568908"/>
+            <a:chExt cx="6943212" cy="422788"/>
+          </a:xfrm>
+        </p:grpSpPr>
+        <p:grpSp>
+          <p:nvGrpSpPr>
+            <p:cNvPr id="3" name="Group 2">
+              <a:extLst>
+                <a:ext uri="{FF2B5EF4-FFF2-40B4-BE49-F238E27FC236}">
+                  <a16:creationId xmlns:a16="http://schemas.microsoft.com/office/drawing/2014/main" id="{199E79F1-8CA1-4F24-243D-ABE3A4F3F1F3}"/>
+                </a:ext>
+              </a:extLst>
+            </p:cNvPr>
+            <p:cNvGrpSpPr/>
+            <p:nvPr/>
+          </p:nvGrpSpPr>
+          <p:grpSpPr>
+            <a:xfrm>
+              <a:off x="1817330" y="4568908"/>
+              <a:ext cx="6943212" cy="422788"/>
+              <a:chOff x="1707535" y="4987643"/>
+              <a:chExt cx="6943212" cy="422788"/>
+            </a:xfrm>
+          </p:grpSpPr>
+          <p:sp>
+            <p:nvSpPr>
+              <p:cNvPr id="6" name="Rectangle 5">
+                <a:extLst>
+                  <a:ext uri="{FF2B5EF4-FFF2-40B4-BE49-F238E27FC236}">
+                    <a16:creationId xmlns:a16="http://schemas.microsoft.com/office/drawing/2014/main" id="{D5BA1EFA-775C-8A33-2E95-5A089C1EB2B5}"/>
+                  </a:ext>
+                </a:extLst>
+              </p:cNvPr>
+              <p:cNvSpPr/>
+              <p:nvPr/>
+            </p:nvSpPr>
+            <p:spPr>
+              <a:xfrm>
+                <a:off x="1707535" y="4987643"/>
+                <a:ext cx="1535470" cy="422788"/>
+              </a:xfrm>
+              <a:prstGeom prst="rect">
+                <a:avLst/>
+              </a:prstGeom>
+            </p:spPr>
+            <p:style>
+              <a:lnRef idx="2">
+                <a:schemeClr val="accent1">
+                  <a:shade val="15000"/>
+                </a:schemeClr>
+              </a:lnRef>
+              <a:fillRef idx="1">
+                <a:schemeClr val="accent1"/>
+              </a:fillRef>
+              <a:effectRef idx="0">
+                <a:schemeClr val="accent1"/>
+              </a:effectRef>
+              <a:fontRef idx="minor">
+                <a:schemeClr val="lt1"/>
+              </a:fontRef>
+            </p:style>
+            <p:txBody>
+              <a:bodyPr rtlCol="0" anchor="ctr"/>
+              <a:lstStyle/>
+              <a:p>
+                <a:pPr algn="ctr"/>
+                <a:r>
+                  <a:rPr lang="en-US" sz="2400" dirty="0">
+                    <a:latin typeface="Open Sans" pitchFamily="2" charset="0"/>
+                    <a:ea typeface="Open Sans" pitchFamily="2" charset="0"/>
+                    <a:cs typeface="Open Sans" pitchFamily="2" charset="0"/>
+                  </a:rPr>
+                  <a:t>Small(0)</a:t>
+                </a:r>
+              </a:p>
+            </p:txBody>
+          </p:sp>
+          <p:sp>
+            <p:nvSpPr>
+              <p:cNvPr id="8" name="Rectangle 7">
+                <a:extLst>
+                  <a:ext uri="{FF2B5EF4-FFF2-40B4-BE49-F238E27FC236}">
+                    <a16:creationId xmlns:a16="http://schemas.microsoft.com/office/drawing/2014/main" id="{E61379C6-F8A0-A623-4A55-C5705CF99331}"/>
+                  </a:ext>
+                </a:extLst>
+              </p:cNvPr>
+              <p:cNvSpPr/>
+              <p:nvPr/>
+            </p:nvSpPr>
+            <p:spPr>
+              <a:xfrm>
+                <a:off x="4376172" y="4987643"/>
+                <a:ext cx="1730478" cy="422788"/>
+              </a:xfrm>
+              <a:prstGeom prst="rect">
+                <a:avLst/>
+              </a:prstGeom>
+            </p:spPr>
+            <p:style>
+              <a:lnRef idx="2">
+                <a:schemeClr val="accent1">
+                  <a:shade val="15000"/>
+                </a:schemeClr>
+              </a:lnRef>
+              <a:fillRef idx="1">
+                <a:schemeClr val="accent1"/>
+              </a:fillRef>
+              <a:effectRef idx="0">
+                <a:schemeClr val="accent1"/>
+              </a:effectRef>
+              <a:fontRef idx="minor">
+                <a:schemeClr val="lt1"/>
+              </a:fontRef>
+            </p:style>
+            <p:txBody>
+              <a:bodyPr rtlCol="0" anchor="ctr"/>
+              <a:lstStyle/>
+              <a:p>
+                <a:pPr algn="ctr"/>
+                <a:r>
+                  <a:rPr lang="en-US" sz="2400" dirty="0">
+                    <a:latin typeface="Open Sans" pitchFamily="2" charset="0"/>
+                    <a:ea typeface="Open Sans" pitchFamily="2" charset="0"/>
+                    <a:cs typeface="Open Sans" pitchFamily="2" charset="0"/>
+                  </a:rPr>
+                  <a:t>Medium(1)</a:t>
+                </a:r>
+              </a:p>
+            </p:txBody>
+          </p:sp>
+          <p:sp>
+            <p:nvSpPr>
+              <p:cNvPr id="9" name="Rectangle 8">
+                <a:extLst>
+                  <a:ext uri="{FF2B5EF4-FFF2-40B4-BE49-F238E27FC236}">
+                    <a16:creationId xmlns:a16="http://schemas.microsoft.com/office/drawing/2014/main" id="{9326C52B-F224-72A4-3E14-439DB04EAF49}"/>
+                  </a:ext>
+                </a:extLst>
+              </p:cNvPr>
+              <p:cNvSpPr/>
+              <p:nvPr/>
+            </p:nvSpPr>
+            <p:spPr>
+              <a:xfrm>
+                <a:off x="7239817" y="4987643"/>
+                <a:ext cx="1410930" cy="422788"/>
+              </a:xfrm>
+              <a:prstGeom prst="rect">
+                <a:avLst/>
+              </a:prstGeom>
+            </p:spPr>
+            <p:style>
+              <a:lnRef idx="2">
+                <a:schemeClr val="accent1">
+                  <a:shade val="15000"/>
+                </a:schemeClr>
+              </a:lnRef>
+              <a:fillRef idx="1">
+                <a:schemeClr val="accent1"/>
+              </a:fillRef>
+              <a:effectRef idx="0">
+                <a:schemeClr val="accent1"/>
+              </a:effectRef>
+              <a:fontRef idx="minor">
+                <a:schemeClr val="lt1"/>
+              </a:fontRef>
+            </p:style>
+            <p:txBody>
+              <a:bodyPr rtlCol="0" anchor="ctr"/>
+              <a:lstStyle/>
+              <a:p>
+                <a:pPr algn="ctr"/>
+                <a:r>
+                  <a:rPr lang="en-US" sz="2400" dirty="0">
+                    <a:latin typeface="Open Sans" pitchFamily="2" charset="0"/>
+                    <a:ea typeface="Open Sans" pitchFamily="2" charset="0"/>
+                    <a:cs typeface="Open Sans" pitchFamily="2" charset="0"/>
+                  </a:rPr>
+                  <a:t>Large(2)</a:t>
+                </a:r>
+              </a:p>
+            </p:txBody>
+          </p:sp>
+        </p:grpSp>
+        <p:cxnSp>
+          <p:nvCxnSpPr>
+            <p:cNvPr id="13" name="Straight Arrow Connector 12">
+              <a:extLst>
+                <a:ext uri="{FF2B5EF4-FFF2-40B4-BE49-F238E27FC236}">
+                  <a16:creationId xmlns:a16="http://schemas.microsoft.com/office/drawing/2014/main" id="{46517A57-81DC-2136-D330-5A63B2096198}"/>
+                </a:ext>
+              </a:extLst>
+            </p:cNvPr>
+            <p:cNvCxnSpPr>
+              <a:cxnSpLocks/>
+              <a:stCxn id="6" idx="3"/>
+              <a:endCxn id="8" idx="1"/>
+            </p:cNvCxnSpPr>
+            <p:nvPr/>
+          </p:nvCxnSpPr>
+          <p:spPr>
+            <a:xfrm>
+              <a:off x="3352800" y="4780302"/>
+              <a:ext cx="1133167" cy="0"/>
+            </a:xfrm>
+            <a:prstGeom prst="straightConnector1">
+              <a:avLst/>
+            </a:prstGeom>
+            <a:ln w="28575">
+              <a:tailEnd type="triangle"/>
+            </a:ln>
+          </p:spPr>
+          <p:style>
+            <a:lnRef idx="1">
+              <a:schemeClr val="accent1"/>
+            </a:lnRef>
+            <a:fillRef idx="0">
+              <a:schemeClr val="accent1"/>
+            </a:fillRef>
+            <a:effectRef idx="0">
+              <a:schemeClr val="accent1"/>
+            </a:effectRef>
+            <a:fontRef idx="minor">
+              <a:schemeClr val="tx1"/>
+            </a:fontRef>
+          </p:style>
+        </p:cxnSp>
+        <p:cxnSp>
+          <p:nvCxnSpPr>
+            <p:cNvPr id="15" name="Straight Arrow Connector 14">
+              <a:extLst>
+                <a:ext uri="{FF2B5EF4-FFF2-40B4-BE49-F238E27FC236}">
+                  <a16:creationId xmlns:a16="http://schemas.microsoft.com/office/drawing/2014/main" id="{5CB16B45-8268-F24A-F2E8-1E0D2318C3C2}"/>
+                </a:ext>
+              </a:extLst>
+            </p:cNvPr>
+            <p:cNvCxnSpPr>
+              <a:cxnSpLocks/>
+              <a:stCxn id="8" idx="3"/>
+              <a:endCxn id="9" idx="1"/>
+            </p:cNvCxnSpPr>
+            <p:nvPr/>
+          </p:nvCxnSpPr>
+          <p:spPr>
+            <a:xfrm>
+              <a:off x="6216445" y="4780302"/>
+              <a:ext cx="1133167" cy="0"/>
+            </a:xfrm>
+            <a:prstGeom prst="straightConnector1">
+              <a:avLst/>
+            </a:prstGeom>
+            <a:ln w="28575">
+              <a:tailEnd type="triangle"/>
+            </a:ln>
+          </p:spPr>
+          <p:style>
+            <a:lnRef idx="1">
+              <a:schemeClr val="accent1"/>
+            </a:lnRef>
+            <a:fillRef idx="0">
+              <a:schemeClr val="accent1"/>
+            </a:fillRef>
+            <a:effectRef idx="0">
+              <a:schemeClr val="accent1"/>
+            </a:effectRef>
+            <a:fontRef idx="minor">
+              <a:schemeClr val="tx1"/>
+            </a:fontRef>
+          </p:style>
+        </p:cxnSp>
+      </p:grpSp>
+    </p:spTree>
+    <p:extLst>
+      <p:ext uri="{BB962C8B-B14F-4D97-AF65-F5344CB8AC3E}">
+        <p14:creationId xmlns:p14="http://schemas.microsoft.com/office/powerpoint/2010/main" val="3158115006"/>
+      </p:ext>
+    </p:extLst>
+  </p:cSld>
+  <p:clrMapOvr>
+    <a:masterClrMapping/>
+  </p:clrMapOvr>
+</p:sld>
+</file>
+
+<file path=ppt/slides/slide6.xml><?xml version="1.0" encoding="utf-8"?>
+<p:sld xmlns:a="http://schemas.openxmlformats.org/drawingml/2006/main" xmlns:r="http://schemas.openxmlformats.org/officeDocument/2006/relationships" xmlns:p="http://schemas.openxmlformats.org/presentationml/2006/main">
+  <p:cSld>
+    <p:spTree>
+      <p:nvGrpSpPr>
+        <p:cNvPr id="1" name="">
+          <a:extLst>
+            <a:ext uri="{FF2B5EF4-FFF2-40B4-BE49-F238E27FC236}">
+              <a16:creationId xmlns:a16="http://schemas.microsoft.com/office/drawing/2014/main" id="{99059202-D706-52B1-CEB0-CFF658751099}"/>
+            </a:ext>
+          </a:extLst>
+        </p:cNvPr>
+        <p:cNvGrpSpPr/>
+        <p:nvPr/>
+      </p:nvGrpSpPr>
+      <p:grpSpPr>
+        <a:xfrm>
+          <a:off x="0" y="0"/>
+          <a:ext cx="0" cy="0"/>
+          <a:chOff x="0" y="0"/>
+          <a:chExt cx="0" cy="0"/>
+        </a:xfrm>
+      </p:grpSpPr>
+      <p:sp>
+        <p:nvSpPr>
+          <p:cNvPr id="5" name="TextBox 4">
+            <a:extLst>
+              <a:ext uri="{FF2B5EF4-FFF2-40B4-BE49-F238E27FC236}">
+                <a16:creationId xmlns:a16="http://schemas.microsoft.com/office/drawing/2014/main" id="{D84FFCEC-DD45-990A-E314-3FA1C21506DF}"/>
+              </a:ext>
+            </a:extLst>
+          </p:cNvPr>
+          <p:cNvSpPr txBox="1"/>
+          <p:nvPr/>
+        </p:nvSpPr>
+        <p:spPr>
+          <a:xfrm>
+            <a:off x="1597742" y="403123"/>
+            <a:ext cx="8996516" cy="646331"/>
+          </a:xfrm>
+          <a:prstGeom prst="rect">
+            <a:avLst/>
+          </a:prstGeom>
+          <a:noFill/>
+        </p:spPr>
+        <p:txBody>
+          <a:bodyPr wrap="square" rtlCol="0">
+            <a:spAutoFit/>
+          </a:bodyPr>
+          <a:lstStyle/>
+          <a:p>
+            <a:pPr algn="ctr"/>
+            <a:r>
+              <a:rPr lang="en-US" sz="3600" dirty="0">
+                <a:latin typeface="Bebas Neue" panose="020B0606020202050201" pitchFamily="34" charset="0"/>
+              </a:rPr>
+              <a:t>Performance and Limitations </a:t>
+            </a:r>
+          </a:p>
+        </p:txBody>
+      </p:sp>
+      <p:sp>
+        <p:nvSpPr>
+          <p:cNvPr id="7" name="TextBox 6">
+            <a:extLst>
+              <a:ext uri="{FF2B5EF4-FFF2-40B4-BE49-F238E27FC236}">
+                <a16:creationId xmlns:a16="http://schemas.microsoft.com/office/drawing/2014/main" id="{F49C298E-C328-8F5A-E6D0-7F7BB10A844B}"/>
+              </a:ext>
+            </a:extLst>
+          </p:cNvPr>
+          <p:cNvSpPr txBox="1"/>
+          <p:nvPr/>
+        </p:nvSpPr>
+        <p:spPr>
+          <a:xfrm>
+            <a:off x="1597742" y="1049454"/>
+            <a:ext cx="8996516" cy="1569660"/>
+          </a:xfrm>
+          <a:prstGeom prst="rect">
+            <a:avLst/>
+          </a:prstGeom>
+          <a:noFill/>
+        </p:spPr>
+        <p:txBody>
+          <a:bodyPr wrap="square" rtlCol="0">
+            <a:spAutoFit/>
+          </a:bodyPr>
+          <a:lstStyle/>
+          <a:p>
+            <a:r>
+              <a:rPr lang="en-US" sz="2400" dirty="0">
+                <a:latin typeface="Open Sans" pitchFamily="2" charset="0"/>
+                <a:ea typeface="Open Sans" pitchFamily="2" charset="0"/>
+                <a:cs typeface="Open Sans" pitchFamily="2" charset="0"/>
+              </a:rPr>
+              <a:t>Label encoding is computationally efficient. Both </a:t>
+            </a:r>
+            <a:r>
+              <a:rPr lang="en-US" sz="2400" dirty="0" err="1">
+                <a:latin typeface="Open Sans" pitchFamily="2" charset="0"/>
+                <a:ea typeface="Open Sans" pitchFamily="2" charset="0"/>
+                <a:cs typeface="Open Sans" pitchFamily="2" charset="0"/>
+              </a:rPr>
+              <a:t>LabelEncoder</a:t>
+            </a:r>
+            <a:r>
+              <a:rPr lang="en-US" sz="2400" dirty="0">
+                <a:latin typeface="Open Sans" pitchFamily="2" charset="0"/>
+                <a:ea typeface="Open Sans" pitchFamily="2" charset="0"/>
+                <a:cs typeface="Open Sans" pitchFamily="2" charset="0"/>
+              </a:rPr>
+              <a:t> and pandas' Categorical require a single scan of the data (O(n)) to map categories. Memory usage is minimal as only integer codes and the category map are stored.</a:t>
+            </a:r>
+          </a:p>
+        </p:txBody>
+      </p:sp>
+    </p:spTree>
+    <p:extLst>
+      <p:ext uri="{BB962C8B-B14F-4D97-AF65-F5344CB8AC3E}">
+        <p14:creationId xmlns:p14="http://schemas.microsoft.com/office/powerpoint/2010/main" val="3740659651"/>
+      </p:ext>
+    </p:extLst>
+  </p:cSld>
+  <p:clrMapOvr>
+    <a:masterClrMapping/>
+  </p:clrMapOvr>
+</p:sld>
+</file>
+
+<file path=ppt/slides/slide7.xml><?xml version="1.0" encoding="utf-8"?>
+<p:sld xmlns:a="http://schemas.openxmlformats.org/drawingml/2006/main" xmlns:r="http://schemas.openxmlformats.org/officeDocument/2006/relationships" xmlns:p="http://schemas.openxmlformats.org/presentationml/2006/main">
+  <p:cSld>
+    <p:spTree>
+      <p:nvGrpSpPr>
+        <p:cNvPr id="1" name="">
+          <a:extLst>
+            <a:ext uri="{FF2B5EF4-FFF2-40B4-BE49-F238E27FC236}">
+              <a16:creationId xmlns:a16="http://schemas.microsoft.com/office/drawing/2014/main" id="{7C087570-C20C-CD4E-80C9-20B9D28EFED1}"/>
+            </a:ext>
+          </a:extLst>
+        </p:cNvPr>
+        <p:cNvGrpSpPr/>
+        <p:nvPr/>
+      </p:nvGrpSpPr>
+      <p:grpSpPr>
+        <a:xfrm>
+          <a:off x="0" y="0"/>
+          <a:ext cx="0" cy="0"/>
+          <a:chOff x="0" y="0"/>
+          <a:chExt cx="0" cy="0"/>
+        </a:xfrm>
+      </p:grpSpPr>
+      <p:sp>
+        <p:nvSpPr>
+          <p:cNvPr id="5" name="TextBox 4">
+            <a:extLst>
+              <a:ext uri="{FF2B5EF4-FFF2-40B4-BE49-F238E27FC236}">
+                <a16:creationId xmlns:a16="http://schemas.microsoft.com/office/drawing/2014/main" id="{4853FF76-88B4-66EE-93D8-6908F3186451}"/>
+              </a:ext>
+            </a:extLst>
+          </p:cNvPr>
+          <p:cNvSpPr txBox="1"/>
+          <p:nvPr/>
+        </p:nvSpPr>
+        <p:spPr>
+          <a:xfrm>
+            <a:off x="1597742" y="403123"/>
+            <a:ext cx="8996516" cy="646331"/>
+          </a:xfrm>
+          <a:prstGeom prst="rect">
+            <a:avLst/>
+          </a:prstGeom>
+          <a:noFill/>
+        </p:spPr>
+        <p:txBody>
+          <a:bodyPr wrap="square" rtlCol="0">
+            <a:spAutoFit/>
+          </a:bodyPr>
+          <a:lstStyle/>
+          <a:p>
+            <a:pPr algn="ctr"/>
+            <a:r>
+              <a:rPr lang="en-US" sz="3600" dirty="0">
+                <a:latin typeface="Bebas Neue" panose="020B0606020202050201" pitchFamily="34" charset="0"/>
+              </a:rPr>
+              <a:t>Limitations </a:t>
+            </a:r>
+          </a:p>
+        </p:txBody>
+      </p:sp>
+      <p:sp>
+        <p:nvSpPr>
+          <p:cNvPr id="7" name="TextBox 6">
+            <a:extLst>
+              <a:ext uri="{FF2B5EF4-FFF2-40B4-BE49-F238E27FC236}">
+                <a16:creationId xmlns:a16="http://schemas.microsoft.com/office/drawing/2014/main" id="{B62EC7F3-BF6D-A7E8-9E48-26167ACA7864}"/>
+              </a:ext>
+            </a:extLst>
+          </p:cNvPr>
+          <p:cNvSpPr txBox="1"/>
+          <p:nvPr/>
+        </p:nvSpPr>
+        <p:spPr>
+          <a:xfrm>
+            <a:off x="1597742" y="1049454"/>
+            <a:ext cx="8996516" cy="3416320"/>
+          </a:xfrm>
+          <a:prstGeom prst="rect">
+            <a:avLst/>
+          </a:prstGeom>
+          <a:noFill/>
+        </p:spPr>
+        <p:txBody>
+          <a:bodyPr wrap="square" rtlCol="0">
+            <a:spAutoFit/>
+          </a:bodyPr>
+          <a:lstStyle/>
+          <a:p>
+            <a:pPr marL="342900" indent="-342900" fontAlgn="base">
+              <a:buFont typeface="Arial" panose="020B0604020202020204" pitchFamily="34" charset="0"/>
+              <a:buChar char="•"/>
+            </a:pPr>
+            <a:r>
+              <a:rPr lang="en-US" sz="2400" b="1" dirty="0">
+                <a:latin typeface="Open Sans" pitchFamily="2" charset="0"/>
+                <a:ea typeface="Open Sans" pitchFamily="2" charset="0"/>
+                <a:cs typeface="Open Sans" pitchFamily="2" charset="0"/>
+              </a:rPr>
+              <a:t>Nominal data misinterpretation:</a:t>
+            </a:r>
+            <a:r>
+              <a:rPr lang="en-US" sz="2400" dirty="0">
+                <a:latin typeface="Open Sans" pitchFamily="2" charset="0"/>
+                <a:ea typeface="Open Sans" pitchFamily="2" charset="0"/>
+                <a:cs typeface="Open Sans" pitchFamily="2" charset="0"/>
+              </a:rPr>
+              <a:t> Encoded integers can imply false order; one-hot encoding is safer for nominal features.</a:t>
+            </a:r>
+          </a:p>
+          <a:p>
+            <a:pPr marL="342900" indent="-342900" fontAlgn="base">
+              <a:buFont typeface="Arial" panose="020B0604020202020204" pitchFamily="34" charset="0"/>
+              <a:buChar char="•"/>
+            </a:pPr>
+            <a:r>
+              <a:rPr lang="en-US" sz="2400" b="1" dirty="0">
+                <a:latin typeface="Open Sans" pitchFamily="2" charset="0"/>
+                <a:ea typeface="Open Sans" pitchFamily="2" charset="0"/>
+                <a:cs typeface="Open Sans" pitchFamily="2" charset="0"/>
+              </a:rPr>
+              <a:t>Missing values:</a:t>
+            </a:r>
+            <a:r>
+              <a:rPr lang="en-US" sz="2400" dirty="0">
+                <a:latin typeface="Open Sans" pitchFamily="2" charset="0"/>
+                <a:ea typeface="Open Sans" pitchFamily="2" charset="0"/>
+                <a:cs typeface="Open Sans" pitchFamily="2" charset="0"/>
+              </a:rPr>
+              <a:t> These must be handled prior to encoding.</a:t>
+            </a:r>
+          </a:p>
+          <a:p>
+            <a:pPr marL="342900" indent="-342900" fontAlgn="base">
+              <a:buFont typeface="Arial" panose="020B0604020202020204" pitchFamily="34" charset="0"/>
+              <a:buChar char="•"/>
+            </a:pPr>
+            <a:r>
+              <a:rPr lang="en-US" sz="2400" b="1" dirty="0">
+                <a:latin typeface="Open Sans" pitchFamily="2" charset="0"/>
+                <a:ea typeface="Open Sans" pitchFamily="2" charset="0"/>
+                <a:cs typeface="Open Sans" pitchFamily="2" charset="0"/>
+              </a:rPr>
+              <a:t>Unseen categories in test data:</a:t>
+            </a:r>
+            <a:r>
+              <a:rPr lang="en-US" sz="2400" dirty="0">
+                <a:latin typeface="Open Sans" pitchFamily="2" charset="0"/>
+                <a:ea typeface="Open Sans" pitchFamily="2" charset="0"/>
+                <a:cs typeface="Open Sans" pitchFamily="2" charset="0"/>
+              </a:rPr>
+              <a:t> Encoders will fail if new categories appear; handle this with a default value or ensure training includes all possible categories.</a:t>
+            </a:r>
+          </a:p>
+          <a:p>
+            <a:pPr marL="342900" indent="-342900" fontAlgn="base">
+              <a:buFont typeface="Arial" panose="020B0604020202020204" pitchFamily="34" charset="0"/>
+              <a:buChar char="•"/>
+            </a:pPr>
+            <a:r>
+              <a:rPr lang="en-US" sz="2400" b="1" dirty="0">
+                <a:latin typeface="Open Sans" pitchFamily="2" charset="0"/>
+                <a:ea typeface="Open Sans" pitchFamily="2" charset="0"/>
+                <a:cs typeface="Open Sans" pitchFamily="2" charset="0"/>
+              </a:rPr>
+              <a:t>High cardinality:</a:t>
+            </a:r>
+            <a:r>
+              <a:rPr lang="en-US" sz="2400" dirty="0">
+                <a:latin typeface="Open Sans" pitchFamily="2" charset="0"/>
+                <a:ea typeface="Open Sans" pitchFamily="2" charset="0"/>
+                <a:cs typeface="Open Sans" pitchFamily="2" charset="0"/>
+              </a:rPr>
+              <a:t> Features with many unique categories may still require additional feature engineering.</a:t>
+            </a:r>
+          </a:p>
+        </p:txBody>
+      </p:sp>
+    </p:spTree>
+    <p:extLst>
+      <p:ext uri="{BB962C8B-B14F-4D97-AF65-F5344CB8AC3E}">
+        <p14:creationId xmlns:p14="http://schemas.microsoft.com/office/powerpoint/2010/main" val="1047640002"/>
+      </p:ext>
+    </p:extLst>
+  </p:cSld>
+  <p:clrMapOvr>
+    <a:masterClrMapping/>
+  </p:clrMapOvr>
+</p:sld>
+</file>
+
+<file path=ppt/slides/slide8.xml><?xml version="1.0" encoding="utf-8"?>
+<p:sld xmlns:a="http://schemas.openxmlformats.org/drawingml/2006/main" xmlns:r="http://schemas.openxmlformats.org/officeDocument/2006/relationships" xmlns:p="http://schemas.openxmlformats.org/presentationml/2006/main">
+  <p:cSld>
+    <p:spTree>
+      <p:nvGrpSpPr>
+        <p:cNvPr id="1" name="">
+          <a:extLst>
+            <a:ext uri="{FF2B5EF4-FFF2-40B4-BE49-F238E27FC236}">
+              <a16:creationId xmlns:a16="http://schemas.microsoft.com/office/drawing/2014/main" id="{C3A8B3CA-9336-5E3A-664F-145C530AB14A}"/>
+            </a:ext>
+          </a:extLst>
+        </p:cNvPr>
+        <p:cNvGrpSpPr/>
+        <p:nvPr/>
+      </p:nvGrpSpPr>
+      <p:grpSpPr>
+        <a:xfrm>
+          <a:off x="0" y="0"/>
+          <a:ext cx="0" cy="0"/>
+          <a:chOff x="0" y="0"/>
+          <a:chExt cx="0" cy="0"/>
+        </a:xfrm>
+      </p:grpSpPr>
+      <p:sp>
+        <p:nvSpPr>
+          <p:cNvPr id="5" name="TextBox 4">
+            <a:extLst>
+              <a:ext uri="{FF2B5EF4-FFF2-40B4-BE49-F238E27FC236}">
+                <a16:creationId xmlns:a16="http://schemas.microsoft.com/office/drawing/2014/main" id="{4B76A781-1646-C647-4064-79297F531BE1}"/>
+              </a:ext>
+            </a:extLst>
+          </p:cNvPr>
+          <p:cNvSpPr txBox="1"/>
+          <p:nvPr/>
+        </p:nvSpPr>
+        <p:spPr>
+          <a:xfrm>
+            <a:off x="1597742" y="403123"/>
+            <a:ext cx="8996516" cy="646331"/>
+          </a:xfrm>
+          <a:prstGeom prst="rect">
+            <a:avLst/>
+          </a:prstGeom>
+          <a:noFill/>
+        </p:spPr>
+        <p:txBody>
+          <a:bodyPr wrap="square" rtlCol="0">
+            <a:spAutoFit/>
+          </a:bodyPr>
+          <a:lstStyle/>
+          <a:p>
+            <a:pPr algn="ctr"/>
+            <a:r>
+              <a:rPr lang="en-US" sz="3600" dirty="0">
+                <a:latin typeface="Bebas Neue" panose="020B0606020202050201" pitchFamily="34" charset="0"/>
+              </a:rPr>
+              <a:t>Best Practices </a:t>
+            </a:r>
+          </a:p>
+        </p:txBody>
+      </p:sp>
+      <p:sp>
+        <p:nvSpPr>
+          <p:cNvPr id="7" name="TextBox 6">
+            <a:extLst>
+              <a:ext uri="{FF2B5EF4-FFF2-40B4-BE49-F238E27FC236}">
+                <a16:creationId xmlns:a16="http://schemas.microsoft.com/office/drawing/2014/main" id="{6F6F15D8-E82E-DE41-E7F5-24D2CE37F3B0}"/>
+              </a:ext>
+            </a:extLst>
+          </p:cNvPr>
+          <p:cNvSpPr txBox="1"/>
+          <p:nvPr/>
+        </p:nvSpPr>
+        <p:spPr>
+          <a:xfrm>
+            <a:off x="1597742" y="1049454"/>
+            <a:ext cx="8996516" cy="2677656"/>
+          </a:xfrm>
+          <a:prstGeom prst="rect">
+            <a:avLst/>
+          </a:prstGeom>
+          <a:noFill/>
+        </p:spPr>
+        <p:txBody>
+          <a:bodyPr wrap="square" rtlCol="0">
+            <a:spAutoFit/>
+          </a:bodyPr>
+          <a:lstStyle/>
+          <a:p>
+            <a:pPr marL="342900" indent="-342900" fontAlgn="base">
+              <a:buFont typeface="Arial" panose="020B0604020202020204" pitchFamily="34" charset="0"/>
+              <a:buChar char="•"/>
+            </a:pPr>
+            <a:r>
+              <a:rPr lang="en-US" sz="2400" dirty="0">
+                <a:latin typeface="Open Sans" pitchFamily="2" charset="0"/>
+                <a:ea typeface="Open Sans" pitchFamily="2" charset="0"/>
+                <a:cs typeface="Open Sans" pitchFamily="2" charset="0"/>
+              </a:rPr>
+              <a:t>Apply label encoding primarily to ordinal features or tree-based models.</a:t>
+            </a:r>
+          </a:p>
+          <a:p>
+            <a:pPr marL="342900" indent="-342900" fontAlgn="base">
+              <a:buFont typeface="Arial" panose="020B0604020202020204" pitchFamily="34" charset="0"/>
+              <a:buChar char="•"/>
+            </a:pPr>
+            <a:r>
+              <a:rPr lang="en-US" sz="2400" dirty="0">
+                <a:latin typeface="Open Sans" pitchFamily="2" charset="0"/>
+                <a:ea typeface="Open Sans" pitchFamily="2" charset="0"/>
+                <a:cs typeface="Open Sans" pitchFamily="2" charset="0"/>
+              </a:rPr>
+              <a:t>Handle missing values before encoding.</a:t>
+            </a:r>
+          </a:p>
+          <a:p>
+            <a:pPr marL="342900" indent="-342900" fontAlgn="base">
+              <a:buFont typeface="Arial" panose="020B0604020202020204" pitchFamily="34" charset="0"/>
+              <a:buChar char="•"/>
+            </a:pPr>
+            <a:r>
+              <a:rPr lang="en-US" sz="2400" dirty="0">
+                <a:latin typeface="Open Sans" pitchFamily="2" charset="0"/>
+                <a:ea typeface="Open Sans" pitchFamily="2" charset="0"/>
+                <a:cs typeface="Open Sans" pitchFamily="2" charset="0"/>
+              </a:rPr>
+              <a:t>Save the encoder or category mapping to enable inverse transformation during evaluation or deployment.</a:t>
+            </a:r>
+          </a:p>
+          <a:p>
+            <a:pPr marL="342900" indent="-342900" fontAlgn="base">
+              <a:buFont typeface="Arial" panose="020B0604020202020204" pitchFamily="34" charset="0"/>
+              <a:buChar char="•"/>
+            </a:pPr>
+            <a:r>
+              <a:rPr lang="en-US" sz="2400" dirty="0">
+                <a:latin typeface="Open Sans" pitchFamily="2" charset="0"/>
+                <a:ea typeface="Open Sans" pitchFamily="2" charset="0"/>
+                <a:cs typeface="Open Sans" pitchFamily="2" charset="0"/>
+              </a:rPr>
+              <a:t>For nominal features in algorithms sensitive to numerical relationships, use one-hot encoding instead.</a:t>
+            </a:r>
+          </a:p>
+        </p:txBody>
+      </p:sp>
+    </p:spTree>
+    <p:extLst>
+      <p:ext uri="{BB962C8B-B14F-4D97-AF65-F5344CB8AC3E}">
+        <p14:creationId xmlns:p14="http://schemas.microsoft.com/office/powerpoint/2010/main" val="2416692084"/>
+      </p:ext>
+    </p:extLst>
+  </p:cSld>
+  <p:clrMapOvr>
+    <a:masterClrMapping/>
+  </p:clrMapOvr>
+</p:sld>
+</file>
+
+<file path=ppt/slides/slide9.xml><?xml version="1.0" encoding="utf-8"?>
 <p:sld xmlns:a="http://schemas.openxmlformats.org/drawingml/2006/main" xmlns:r="http://schemas.openxmlformats.org/officeDocument/2006/relationships" xmlns:p="http://schemas.openxmlformats.org/presentationml/2006/main">
   <p:cSld>
     <p:spTree>
@@ -3643,910 +9543,6 @@
     <p:extLst>
       <p:ext uri="{BB962C8B-B14F-4D97-AF65-F5344CB8AC3E}">
         <p14:creationId xmlns:p14="http://schemas.microsoft.com/office/powerpoint/2010/main" val="2453192912"/>
-      </p:ext>
-    </p:extLst>
-  </p:cSld>
-  <p:clrMapOvr>
-    <a:masterClrMapping/>
-  </p:clrMapOvr>
-</p:sld>
-</file>
-
-<file path=ppt/slides/slide2.xml><?xml version="1.0" encoding="utf-8"?>
-<p:sld xmlns:a="http://schemas.openxmlformats.org/drawingml/2006/main" xmlns:r="http://schemas.openxmlformats.org/officeDocument/2006/relationships" xmlns:p="http://schemas.openxmlformats.org/presentationml/2006/main">
-  <p:cSld>
-    <p:spTree>
-      <p:nvGrpSpPr>
-        <p:cNvPr id="1" name="">
-          <a:extLst>
-            <a:ext uri="{FF2B5EF4-FFF2-40B4-BE49-F238E27FC236}">
-              <a16:creationId xmlns:a16="http://schemas.microsoft.com/office/drawing/2014/main" id="{C376E71A-034B-B8C0-2CBB-33BE8F127ACE}"/>
-            </a:ext>
-          </a:extLst>
-        </p:cNvPr>
-        <p:cNvGrpSpPr/>
-        <p:nvPr/>
-      </p:nvGrpSpPr>
-      <p:grpSpPr>
-        <a:xfrm>
-          <a:off x="0" y="0"/>
-          <a:ext cx="0" cy="0"/>
-          <a:chOff x="0" y="0"/>
-          <a:chExt cx="0" cy="0"/>
-        </a:xfrm>
-      </p:grpSpPr>
-      <p:sp>
-        <p:nvSpPr>
-          <p:cNvPr id="5" name="TextBox 4">
-            <a:extLst>
-              <a:ext uri="{FF2B5EF4-FFF2-40B4-BE49-F238E27FC236}">
-                <a16:creationId xmlns:a16="http://schemas.microsoft.com/office/drawing/2014/main" id="{243F879D-8075-B210-EF98-BE10A759834D}"/>
-              </a:ext>
-            </a:extLst>
-          </p:cNvPr>
-          <p:cNvSpPr txBox="1"/>
-          <p:nvPr/>
-        </p:nvSpPr>
-        <p:spPr>
-          <a:xfrm>
-            <a:off x="1597742" y="403123"/>
-            <a:ext cx="8996516" cy="646331"/>
-          </a:xfrm>
-          <a:prstGeom prst="rect">
-            <a:avLst/>
-          </a:prstGeom>
-          <a:noFill/>
-        </p:spPr>
-        <p:txBody>
-          <a:bodyPr wrap="square" rtlCol="0">
-            <a:spAutoFit/>
-          </a:bodyPr>
-          <a:lstStyle/>
-          <a:p>
-            <a:pPr algn="ctr"/>
-            <a:r>
-              <a:rPr lang="en-US" sz="3600" dirty="0">
-                <a:latin typeface="Bebas Neue" panose="020B0606020202050201" pitchFamily="34" charset="0"/>
-              </a:rPr>
-              <a:t>Heading </a:t>
-            </a:r>
-          </a:p>
-        </p:txBody>
-      </p:sp>
-      <p:sp>
-        <p:nvSpPr>
-          <p:cNvPr id="7" name="TextBox 6">
-            <a:extLst>
-              <a:ext uri="{FF2B5EF4-FFF2-40B4-BE49-F238E27FC236}">
-                <a16:creationId xmlns:a16="http://schemas.microsoft.com/office/drawing/2014/main" id="{C7D73B29-2E8F-3FAE-B960-E76BB04DD6EA}"/>
-              </a:ext>
-            </a:extLst>
-          </p:cNvPr>
-          <p:cNvSpPr txBox="1"/>
-          <p:nvPr/>
-        </p:nvSpPr>
-        <p:spPr>
-          <a:xfrm>
-            <a:off x="1597742" y="1049454"/>
-            <a:ext cx="8996516" cy="461665"/>
-          </a:xfrm>
-          <a:prstGeom prst="rect">
-            <a:avLst/>
-          </a:prstGeom>
-          <a:noFill/>
-        </p:spPr>
-        <p:txBody>
-          <a:bodyPr wrap="square" rtlCol="0">
-            <a:spAutoFit/>
-          </a:bodyPr>
-          <a:lstStyle/>
-          <a:p>
-            <a:r>
-              <a:rPr lang="en-US" sz="2400" dirty="0">
-                <a:latin typeface="Open Sans" pitchFamily="2" charset="0"/>
-                <a:ea typeface="Open Sans" pitchFamily="2" charset="0"/>
-                <a:cs typeface="Open Sans" pitchFamily="2" charset="0"/>
-              </a:rPr>
-              <a:t>Body</a:t>
-            </a:r>
-          </a:p>
-        </p:txBody>
-      </p:sp>
-    </p:spTree>
-    <p:extLst>
-      <p:ext uri="{BB962C8B-B14F-4D97-AF65-F5344CB8AC3E}">
-        <p14:creationId xmlns:p14="http://schemas.microsoft.com/office/powerpoint/2010/main" val="3158115006"/>
-      </p:ext>
-    </p:extLst>
-  </p:cSld>
-  <p:clrMapOvr>
-    <a:masterClrMapping/>
-  </p:clrMapOvr>
-</p:sld>
-</file>
-
-<file path=ppt/slides/slide3.xml><?xml version="1.0" encoding="utf-8"?>
-<p:sld xmlns:a="http://schemas.openxmlformats.org/drawingml/2006/main" xmlns:r="http://schemas.openxmlformats.org/officeDocument/2006/relationships" xmlns:p="http://schemas.openxmlformats.org/presentationml/2006/main">
-  <p:cSld>
-    <p:spTree>
-      <p:nvGrpSpPr>
-        <p:cNvPr id="1" name="">
-          <a:extLst>
-            <a:ext uri="{FF2B5EF4-FFF2-40B4-BE49-F238E27FC236}">
-              <a16:creationId xmlns:a16="http://schemas.microsoft.com/office/drawing/2014/main" id="{99059202-D706-52B1-CEB0-CFF658751099}"/>
-            </a:ext>
-          </a:extLst>
-        </p:cNvPr>
-        <p:cNvGrpSpPr/>
-        <p:nvPr/>
-      </p:nvGrpSpPr>
-      <p:grpSpPr>
-        <a:xfrm>
-          <a:off x="0" y="0"/>
-          <a:ext cx="0" cy="0"/>
-          <a:chOff x="0" y="0"/>
-          <a:chExt cx="0" cy="0"/>
-        </a:xfrm>
-      </p:grpSpPr>
-      <p:sp>
-        <p:nvSpPr>
-          <p:cNvPr id="5" name="TextBox 4">
-            <a:extLst>
-              <a:ext uri="{FF2B5EF4-FFF2-40B4-BE49-F238E27FC236}">
-                <a16:creationId xmlns:a16="http://schemas.microsoft.com/office/drawing/2014/main" id="{D84FFCEC-DD45-990A-E314-3FA1C21506DF}"/>
-              </a:ext>
-            </a:extLst>
-          </p:cNvPr>
-          <p:cNvSpPr txBox="1"/>
-          <p:nvPr/>
-        </p:nvSpPr>
-        <p:spPr>
-          <a:xfrm>
-            <a:off x="1597742" y="403123"/>
-            <a:ext cx="8996516" cy="646331"/>
-          </a:xfrm>
-          <a:prstGeom prst="rect">
-            <a:avLst/>
-          </a:prstGeom>
-          <a:noFill/>
-        </p:spPr>
-        <p:txBody>
-          <a:bodyPr wrap="square" rtlCol="0">
-            <a:spAutoFit/>
-          </a:bodyPr>
-          <a:lstStyle/>
-          <a:p>
-            <a:pPr algn="ctr"/>
-            <a:r>
-              <a:rPr lang="en-US" sz="3600" dirty="0">
-                <a:latin typeface="Bebas Neue" panose="020B0606020202050201" pitchFamily="34" charset="0"/>
-              </a:rPr>
-              <a:t>Heading </a:t>
-            </a:r>
-          </a:p>
-        </p:txBody>
-      </p:sp>
-      <p:sp>
-        <p:nvSpPr>
-          <p:cNvPr id="7" name="TextBox 6">
-            <a:extLst>
-              <a:ext uri="{FF2B5EF4-FFF2-40B4-BE49-F238E27FC236}">
-                <a16:creationId xmlns:a16="http://schemas.microsoft.com/office/drawing/2014/main" id="{F49C298E-C328-8F5A-E6D0-7F7BB10A844B}"/>
-              </a:ext>
-            </a:extLst>
-          </p:cNvPr>
-          <p:cNvSpPr txBox="1"/>
-          <p:nvPr/>
-        </p:nvSpPr>
-        <p:spPr>
-          <a:xfrm>
-            <a:off x="1597742" y="1049454"/>
-            <a:ext cx="8996516" cy="461665"/>
-          </a:xfrm>
-          <a:prstGeom prst="rect">
-            <a:avLst/>
-          </a:prstGeom>
-          <a:noFill/>
-        </p:spPr>
-        <p:txBody>
-          <a:bodyPr wrap="square" rtlCol="0">
-            <a:spAutoFit/>
-          </a:bodyPr>
-          <a:lstStyle/>
-          <a:p>
-            <a:r>
-              <a:rPr lang="en-US" sz="2400" dirty="0">
-                <a:latin typeface="Open Sans" pitchFamily="2" charset="0"/>
-                <a:ea typeface="Open Sans" pitchFamily="2" charset="0"/>
-                <a:cs typeface="Open Sans" pitchFamily="2" charset="0"/>
-              </a:rPr>
-              <a:t>Body</a:t>
-            </a:r>
-          </a:p>
-        </p:txBody>
-      </p:sp>
-    </p:spTree>
-    <p:extLst>
-      <p:ext uri="{BB962C8B-B14F-4D97-AF65-F5344CB8AC3E}">
-        <p14:creationId xmlns:p14="http://schemas.microsoft.com/office/powerpoint/2010/main" val="3740659651"/>
-      </p:ext>
-    </p:extLst>
-  </p:cSld>
-  <p:clrMapOvr>
-    <a:masterClrMapping/>
-  </p:clrMapOvr>
-</p:sld>
-</file>
-
-<file path=ppt/slides/slide4.xml><?xml version="1.0" encoding="utf-8"?>
-<p:sld xmlns:a="http://schemas.openxmlformats.org/drawingml/2006/main" xmlns:r="http://schemas.openxmlformats.org/officeDocument/2006/relationships" xmlns:p="http://schemas.openxmlformats.org/presentationml/2006/main">
-  <p:cSld>
-    <p:spTree>
-      <p:nvGrpSpPr>
-        <p:cNvPr id="1" name="">
-          <a:extLst>
-            <a:ext uri="{FF2B5EF4-FFF2-40B4-BE49-F238E27FC236}">
-              <a16:creationId xmlns:a16="http://schemas.microsoft.com/office/drawing/2014/main" id="{7C087570-C20C-CD4E-80C9-20B9D28EFED1}"/>
-            </a:ext>
-          </a:extLst>
-        </p:cNvPr>
-        <p:cNvGrpSpPr/>
-        <p:nvPr/>
-      </p:nvGrpSpPr>
-      <p:grpSpPr>
-        <a:xfrm>
-          <a:off x="0" y="0"/>
-          <a:ext cx="0" cy="0"/>
-          <a:chOff x="0" y="0"/>
-          <a:chExt cx="0" cy="0"/>
-        </a:xfrm>
-      </p:grpSpPr>
-      <p:sp>
-        <p:nvSpPr>
-          <p:cNvPr id="5" name="TextBox 4">
-            <a:extLst>
-              <a:ext uri="{FF2B5EF4-FFF2-40B4-BE49-F238E27FC236}">
-                <a16:creationId xmlns:a16="http://schemas.microsoft.com/office/drawing/2014/main" id="{4853FF76-88B4-66EE-93D8-6908F3186451}"/>
-              </a:ext>
-            </a:extLst>
-          </p:cNvPr>
-          <p:cNvSpPr txBox="1"/>
-          <p:nvPr/>
-        </p:nvSpPr>
-        <p:spPr>
-          <a:xfrm>
-            <a:off x="1597742" y="403123"/>
-            <a:ext cx="8996516" cy="646331"/>
-          </a:xfrm>
-          <a:prstGeom prst="rect">
-            <a:avLst/>
-          </a:prstGeom>
-          <a:noFill/>
-        </p:spPr>
-        <p:txBody>
-          <a:bodyPr wrap="square" rtlCol="0">
-            <a:spAutoFit/>
-          </a:bodyPr>
-          <a:lstStyle/>
-          <a:p>
-            <a:pPr algn="ctr"/>
-            <a:r>
-              <a:rPr lang="en-US" sz="3600" dirty="0">
-                <a:latin typeface="Bebas Neue" panose="020B0606020202050201" pitchFamily="34" charset="0"/>
-              </a:rPr>
-              <a:t>Heading </a:t>
-            </a:r>
-          </a:p>
-        </p:txBody>
-      </p:sp>
-      <p:sp>
-        <p:nvSpPr>
-          <p:cNvPr id="7" name="TextBox 6">
-            <a:extLst>
-              <a:ext uri="{FF2B5EF4-FFF2-40B4-BE49-F238E27FC236}">
-                <a16:creationId xmlns:a16="http://schemas.microsoft.com/office/drawing/2014/main" id="{B62EC7F3-BF6D-A7E8-9E48-26167ACA7864}"/>
-              </a:ext>
-            </a:extLst>
-          </p:cNvPr>
-          <p:cNvSpPr txBox="1"/>
-          <p:nvPr/>
-        </p:nvSpPr>
-        <p:spPr>
-          <a:xfrm>
-            <a:off x="1597742" y="1049454"/>
-            <a:ext cx="8996516" cy="461665"/>
-          </a:xfrm>
-          <a:prstGeom prst="rect">
-            <a:avLst/>
-          </a:prstGeom>
-          <a:noFill/>
-        </p:spPr>
-        <p:txBody>
-          <a:bodyPr wrap="square" rtlCol="0">
-            <a:spAutoFit/>
-          </a:bodyPr>
-          <a:lstStyle/>
-          <a:p>
-            <a:r>
-              <a:rPr lang="en-US" sz="2400" dirty="0">
-                <a:latin typeface="Open Sans" pitchFamily="2" charset="0"/>
-                <a:ea typeface="Open Sans" pitchFamily="2" charset="0"/>
-                <a:cs typeface="Open Sans" pitchFamily="2" charset="0"/>
-              </a:rPr>
-              <a:t>Body</a:t>
-            </a:r>
-          </a:p>
-        </p:txBody>
-      </p:sp>
-    </p:spTree>
-    <p:extLst>
-      <p:ext uri="{BB962C8B-B14F-4D97-AF65-F5344CB8AC3E}">
-        <p14:creationId xmlns:p14="http://schemas.microsoft.com/office/powerpoint/2010/main" val="1047640002"/>
-      </p:ext>
-    </p:extLst>
-  </p:cSld>
-  <p:clrMapOvr>
-    <a:masterClrMapping/>
-  </p:clrMapOvr>
-</p:sld>
-</file>
-
-<file path=ppt/slides/slide5.xml><?xml version="1.0" encoding="utf-8"?>
-<p:sld xmlns:a="http://schemas.openxmlformats.org/drawingml/2006/main" xmlns:r="http://schemas.openxmlformats.org/officeDocument/2006/relationships" xmlns:p="http://schemas.openxmlformats.org/presentationml/2006/main">
-  <p:cSld>
-    <p:spTree>
-      <p:nvGrpSpPr>
-        <p:cNvPr id="1" name="">
-          <a:extLst>
-            <a:ext uri="{FF2B5EF4-FFF2-40B4-BE49-F238E27FC236}">
-              <a16:creationId xmlns:a16="http://schemas.microsoft.com/office/drawing/2014/main" id="{C3A8B3CA-9336-5E3A-664F-145C530AB14A}"/>
-            </a:ext>
-          </a:extLst>
-        </p:cNvPr>
-        <p:cNvGrpSpPr/>
-        <p:nvPr/>
-      </p:nvGrpSpPr>
-      <p:grpSpPr>
-        <a:xfrm>
-          <a:off x="0" y="0"/>
-          <a:ext cx="0" cy="0"/>
-          <a:chOff x="0" y="0"/>
-          <a:chExt cx="0" cy="0"/>
-        </a:xfrm>
-      </p:grpSpPr>
-      <p:sp>
-        <p:nvSpPr>
-          <p:cNvPr id="5" name="TextBox 4">
-            <a:extLst>
-              <a:ext uri="{FF2B5EF4-FFF2-40B4-BE49-F238E27FC236}">
-                <a16:creationId xmlns:a16="http://schemas.microsoft.com/office/drawing/2014/main" id="{4B76A781-1646-C647-4064-79297F531BE1}"/>
-              </a:ext>
-            </a:extLst>
-          </p:cNvPr>
-          <p:cNvSpPr txBox="1"/>
-          <p:nvPr/>
-        </p:nvSpPr>
-        <p:spPr>
-          <a:xfrm>
-            <a:off x="1597742" y="403123"/>
-            <a:ext cx="8996516" cy="646331"/>
-          </a:xfrm>
-          <a:prstGeom prst="rect">
-            <a:avLst/>
-          </a:prstGeom>
-          <a:noFill/>
-        </p:spPr>
-        <p:txBody>
-          <a:bodyPr wrap="square" rtlCol="0">
-            <a:spAutoFit/>
-          </a:bodyPr>
-          <a:lstStyle/>
-          <a:p>
-            <a:pPr algn="ctr"/>
-            <a:r>
-              <a:rPr lang="en-US" sz="3600" dirty="0">
-                <a:latin typeface="Bebas Neue" panose="020B0606020202050201" pitchFamily="34" charset="0"/>
-              </a:rPr>
-              <a:t>Heading </a:t>
-            </a:r>
-          </a:p>
-        </p:txBody>
-      </p:sp>
-      <p:sp>
-        <p:nvSpPr>
-          <p:cNvPr id="7" name="TextBox 6">
-            <a:extLst>
-              <a:ext uri="{FF2B5EF4-FFF2-40B4-BE49-F238E27FC236}">
-                <a16:creationId xmlns:a16="http://schemas.microsoft.com/office/drawing/2014/main" id="{6F6F15D8-E82E-DE41-E7F5-24D2CE37F3B0}"/>
-              </a:ext>
-            </a:extLst>
-          </p:cNvPr>
-          <p:cNvSpPr txBox="1"/>
-          <p:nvPr/>
-        </p:nvSpPr>
-        <p:spPr>
-          <a:xfrm>
-            <a:off x="1597742" y="1049454"/>
-            <a:ext cx="8996516" cy="461665"/>
-          </a:xfrm>
-          <a:prstGeom prst="rect">
-            <a:avLst/>
-          </a:prstGeom>
-          <a:noFill/>
-        </p:spPr>
-        <p:txBody>
-          <a:bodyPr wrap="square" rtlCol="0">
-            <a:spAutoFit/>
-          </a:bodyPr>
-          <a:lstStyle/>
-          <a:p>
-            <a:r>
-              <a:rPr lang="en-US" sz="2400" dirty="0">
-                <a:latin typeface="Open Sans" pitchFamily="2" charset="0"/>
-                <a:ea typeface="Open Sans" pitchFamily="2" charset="0"/>
-                <a:cs typeface="Open Sans" pitchFamily="2" charset="0"/>
-              </a:rPr>
-              <a:t>Body</a:t>
-            </a:r>
-          </a:p>
-        </p:txBody>
-      </p:sp>
-    </p:spTree>
-    <p:extLst>
-      <p:ext uri="{BB962C8B-B14F-4D97-AF65-F5344CB8AC3E}">
-        <p14:creationId xmlns:p14="http://schemas.microsoft.com/office/powerpoint/2010/main" val="2416692084"/>
-      </p:ext>
-    </p:extLst>
-  </p:cSld>
-  <p:clrMapOvr>
-    <a:masterClrMapping/>
-  </p:clrMapOvr>
-</p:sld>
-</file>
-
-<file path=ppt/slides/slide6.xml><?xml version="1.0" encoding="utf-8"?>
-<p:sld xmlns:a="http://schemas.openxmlformats.org/drawingml/2006/main" xmlns:r="http://schemas.openxmlformats.org/officeDocument/2006/relationships" xmlns:p="http://schemas.openxmlformats.org/presentationml/2006/main">
-  <p:cSld>
-    <p:spTree>
-      <p:nvGrpSpPr>
-        <p:cNvPr id="1" name="">
-          <a:extLst>
-            <a:ext uri="{FF2B5EF4-FFF2-40B4-BE49-F238E27FC236}">
-              <a16:creationId xmlns:a16="http://schemas.microsoft.com/office/drawing/2014/main" id="{D123CCD4-670C-4800-BC43-1DD87B40BC85}"/>
-            </a:ext>
-          </a:extLst>
-        </p:cNvPr>
-        <p:cNvGrpSpPr/>
-        <p:nvPr/>
-      </p:nvGrpSpPr>
-      <p:grpSpPr>
-        <a:xfrm>
-          <a:off x="0" y="0"/>
-          <a:ext cx="0" cy="0"/>
-          <a:chOff x="0" y="0"/>
-          <a:chExt cx="0" cy="0"/>
-        </a:xfrm>
-      </p:grpSpPr>
-      <p:sp>
-        <p:nvSpPr>
-          <p:cNvPr id="5" name="TextBox 4">
-            <a:extLst>
-              <a:ext uri="{FF2B5EF4-FFF2-40B4-BE49-F238E27FC236}">
-                <a16:creationId xmlns:a16="http://schemas.microsoft.com/office/drawing/2014/main" id="{21CBF971-4ADB-C4E1-62E7-FFD2A5F2F757}"/>
-              </a:ext>
-            </a:extLst>
-          </p:cNvPr>
-          <p:cNvSpPr txBox="1"/>
-          <p:nvPr/>
-        </p:nvSpPr>
-        <p:spPr>
-          <a:xfrm>
-            <a:off x="1597742" y="403123"/>
-            <a:ext cx="8996516" cy="646331"/>
-          </a:xfrm>
-          <a:prstGeom prst="rect">
-            <a:avLst/>
-          </a:prstGeom>
-          <a:noFill/>
-        </p:spPr>
-        <p:txBody>
-          <a:bodyPr wrap="square" rtlCol="0">
-            <a:spAutoFit/>
-          </a:bodyPr>
-          <a:lstStyle/>
-          <a:p>
-            <a:pPr algn="ctr"/>
-            <a:r>
-              <a:rPr lang="en-US" sz="3600" dirty="0">
-                <a:latin typeface="Bebas Neue" panose="020B0606020202050201" pitchFamily="34" charset="0"/>
-              </a:rPr>
-              <a:t>Heading </a:t>
-            </a:r>
-          </a:p>
-        </p:txBody>
-      </p:sp>
-      <p:sp>
-        <p:nvSpPr>
-          <p:cNvPr id="7" name="TextBox 6">
-            <a:extLst>
-              <a:ext uri="{FF2B5EF4-FFF2-40B4-BE49-F238E27FC236}">
-                <a16:creationId xmlns:a16="http://schemas.microsoft.com/office/drawing/2014/main" id="{6D153034-5798-D796-8FC7-65B51D59ACA9}"/>
-              </a:ext>
-            </a:extLst>
-          </p:cNvPr>
-          <p:cNvSpPr txBox="1"/>
-          <p:nvPr/>
-        </p:nvSpPr>
-        <p:spPr>
-          <a:xfrm>
-            <a:off x="1597742" y="1049454"/>
-            <a:ext cx="8996516" cy="461665"/>
-          </a:xfrm>
-          <a:prstGeom prst="rect">
-            <a:avLst/>
-          </a:prstGeom>
-          <a:noFill/>
-        </p:spPr>
-        <p:txBody>
-          <a:bodyPr wrap="square" rtlCol="0">
-            <a:spAutoFit/>
-          </a:bodyPr>
-          <a:lstStyle/>
-          <a:p>
-            <a:r>
-              <a:rPr lang="en-US" sz="2400" dirty="0">
-                <a:latin typeface="Open Sans" pitchFamily="2" charset="0"/>
-                <a:ea typeface="Open Sans" pitchFamily="2" charset="0"/>
-                <a:cs typeface="Open Sans" pitchFamily="2" charset="0"/>
-              </a:rPr>
-              <a:t>Body</a:t>
-            </a:r>
-          </a:p>
-        </p:txBody>
-      </p:sp>
-    </p:spTree>
-    <p:extLst>
-      <p:ext uri="{BB962C8B-B14F-4D97-AF65-F5344CB8AC3E}">
-        <p14:creationId xmlns:p14="http://schemas.microsoft.com/office/powerpoint/2010/main" val="1905151303"/>
-      </p:ext>
-    </p:extLst>
-  </p:cSld>
-  <p:clrMapOvr>
-    <a:masterClrMapping/>
-  </p:clrMapOvr>
-</p:sld>
-</file>
-
-<file path=ppt/slides/slide7.xml><?xml version="1.0" encoding="utf-8"?>
-<p:sld xmlns:a="http://schemas.openxmlformats.org/drawingml/2006/main" xmlns:r="http://schemas.openxmlformats.org/officeDocument/2006/relationships" xmlns:p="http://schemas.openxmlformats.org/presentationml/2006/main">
-  <p:cSld>
-    <p:spTree>
-      <p:nvGrpSpPr>
-        <p:cNvPr id="1" name="">
-          <a:extLst>
-            <a:ext uri="{FF2B5EF4-FFF2-40B4-BE49-F238E27FC236}">
-              <a16:creationId xmlns:a16="http://schemas.microsoft.com/office/drawing/2014/main" id="{48C1F8C9-7D1F-AE20-A657-C349A23BEFD1}"/>
-            </a:ext>
-          </a:extLst>
-        </p:cNvPr>
-        <p:cNvGrpSpPr/>
-        <p:nvPr/>
-      </p:nvGrpSpPr>
-      <p:grpSpPr>
-        <a:xfrm>
-          <a:off x="0" y="0"/>
-          <a:ext cx="0" cy="0"/>
-          <a:chOff x="0" y="0"/>
-          <a:chExt cx="0" cy="0"/>
-        </a:xfrm>
-      </p:grpSpPr>
-      <p:sp>
-        <p:nvSpPr>
-          <p:cNvPr id="5" name="TextBox 4">
-            <a:extLst>
-              <a:ext uri="{FF2B5EF4-FFF2-40B4-BE49-F238E27FC236}">
-                <a16:creationId xmlns:a16="http://schemas.microsoft.com/office/drawing/2014/main" id="{CA5F9319-C289-1424-46D4-59F3256868A0}"/>
-              </a:ext>
-            </a:extLst>
-          </p:cNvPr>
-          <p:cNvSpPr txBox="1"/>
-          <p:nvPr/>
-        </p:nvSpPr>
-        <p:spPr>
-          <a:xfrm>
-            <a:off x="1597742" y="403123"/>
-            <a:ext cx="8996516" cy="646331"/>
-          </a:xfrm>
-          <a:prstGeom prst="rect">
-            <a:avLst/>
-          </a:prstGeom>
-          <a:noFill/>
-        </p:spPr>
-        <p:txBody>
-          <a:bodyPr wrap="square" rtlCol="0">
-            <a:spAutoFit/>
-          </a:bodyPr>
-          <a:lstStyle/>
-          <a:p>
-            <a:pPr algn="ctr"/>
-            <a:r>
-              <a:rPr lang="en-US" sz="3600" dirty="0">
-                <a:latin typeface="Bebas Neue" panose="020B0606020202050201" pitchFamily="34" charset="0"/>
-              </a:rPr>
-              <a:t>Heading </a:t>
-            </a:r>
-          </a:p>
-        </p:txBody>
-      </p:sp>
-      <p:sp>
-        <p:nvSpPr>
-          <p:cNvPr id="7" name="TextBox 6">
-            <a:extLst>
-              <a:ext uri="{FF2B5EF4-FFF2-40B4-BE49-F238E27FC236}">
-                <a16:creationId xmlns:a16="http://schemas.microsoft.com/office/drawing/2014/main" id="{C2A36BD0-1D9A-EFB8-034F-E0FD4A936FBD}"/>
-              </a:ext>
-            </a:extLst>
-          </p:cNvPr>
-          <p:cNvSpPr txBox="1"/>
-          <p:nvPr/>
-        </p:nvSpPr>
-        <p:spPr>
-          <a:xfrm>
-            <a:off x="1597742" y="1049454"/>
-            <a:ext cx="8996516" cy="461665"/>
-          </a:xfrm>
-          <a:prstGeom prst="rect">
-            <a:avLst/>
-          </a:prstGeom>
-          <a:noFill/>
-        </p:spPr>
-        <p:txBody>
-          <a:bodyPr wrap="square" rtlCol="0">
-            <a:spAutoFit/>
-          </a:bodyPr>
-          <a:lstStyle/>
-          <a:p>
-            <a:r>
-              <a:rPr lang="en-US" sz="2400" dirty="0">
-                <a:latin typeface="Open Sans" pitchFamily="2" charset="0"/>
-                <a:ea typeface="Open Sans" pitchFamily="2" charset="0"/>
-                <a:cs typeface="Open Sans" pitchFamily="2" charset="0"/>
-              </a:rPr>
-              <a:t>Body</a:t>
-            </a:r>
-          </a:p>
-        </p:txBody>
-      </p:sp>
-    </p:spTree>
-    <p:extLst>
-      <p:ext uri="{BB962C8B-B14F-4D97-AF65-F5344CB8AC3E}">
-        <p14:creationId xmlns:p14="http://schemas.microsoft.com/office/powerpoint/2010/main" val="141884608"/>
-      </p:ext>
-    </p:extLst>
-  </p:cSld>
-  <p:clrMapOvr>
-    <a:masterClrMapping/>
-  </p:clrMapOvr>
-</p:sld>
-</file>
-
-<file path=ppt/slides/slide8.xml><?xml version="1.0" encoding="utf-8"?>
-<p:sld xmlns:a="http://schemas.openxmlformats.org/drawingml/2006/main" xmlns:r="http://schemas.openxmlformats.org/officeDocument/2006/relationships" xmlns:p="http://schemas.openxmlformats.org/presentationml/2006/main">
-  <p:cSld>
-    <p:spTree>
-      <p:nvGrpSpPr>
-        <p:cNvPr id="1" name="">
-          <a:extLst>
-            <a:ext uri="{FF2B5EF4-FFF2-40B4-BE49-F238E27FC236}">
-              <a16:creationId xmlns:a16="http://schemas.microsoft.com/office/drawing/2014/main" id="{8765ADC1-6222-F055-2D70-36BF6DBE1E39}"/>
-            </a:ext>
-          </a:extLst>
-        </p:cNvPr>
-        <p:cNvGrpSpPr/>
-        <p:nvPr/>
-      </p:nvGrpSpPr>
-      <p:grpSpPr>
-        <a:xfrm>
-          <a:off x="0" y="0"/>
-          <a:ext cx="0" cy="0"/>
-          <a:chOff x="0" y="0"/>
-          <a:chExt cx="0" cy="0"/>
-        </a:xfrm>
-      </p:grpSpPr>
-      <p:sp>
-        <p:nvSpPr>
-          <p:cNvPr id="5" name="TextBox 4">
-            <a:extLst>
-              <a:ext uri="{FF2B5EF4-FFF2-40B4-BE49-F238E27FC236}">
-                <a16:creationId xmlns:a16="http://schemas.microsoft.com/office/drawing/2014/main" id="{E7378617-91F6-8AC4-6CEB-A94D424F6F98}"/>
-              </a:ext>
-            </a:extLst>
-          </p:cNvPr>
-          <p:cNvSpPr txBox="1"/>
-          <p:nvPr/>
-        </p:nvSpPr>
-        <p:spPr>
-          <a:xfrm>
-            <a:off x="1597742" y="403123"/>
-            <a:ext cx="8996516" cy="646331"/>
-          </a:xfrm>
-          <a:prstGeom prst="rect">
-            <a:avLst/>
-          </a:prstGeom>
-          <a:noFill/>
-        </p:spPr>
-        <p:txBody>
-          <a:bodyPr wrap="square" rtlCol="0">
-            <a:spAutoFit/>
-          </a:bodyPr>
-          <a:lstStyle/>
-          <a:p>
-            <a:pPr algn="ctr"/>
-            <a:r>
-              <a:rPr lang="en-US" sz="3600" dirty="0">
-                <a:latin typeface="Bebas Neue" panose="020B0606020202050201" pitchFamily="34" charset="0"/>
-              </a:rPr>
-              <a:t>Heading </a:t>
-            </a:r>
-          </a:p>
-        </p:txBody>
-      </p:sp>
-      <p:sp>
-        <p:nvSpPr>
-          <p:cNvPr id="7" name="TextBox 6">
-            <a:extLst>
-              <a:ext uri="{FF2B5EF4-FFF2-40B4-BE49-F238E27FC236}">
-                <a16:creationId xmlns:a16="http://schemas.microsoft.com/office/drawing/2014/main" id="{9AF5D360-08E0-6E86-C245-3DD87EC45CCC}"/>
-              </a:ext>
-            </a:extLst>
-          </p:cNvPr>
-          <p:cNvSpPr txBox="1"/>
-          <p:nvPr/>
-        </p:nvSpPr>
-        <p:spPr>
-          <a:xfrm>
-            <a:off x="1597742" y="1049454"/>
-            <a:ext cx="8996516" cy="461665"/>
-          </a:xfrm>
-          <a:prstGeom prst="rect">
-            <a:avLst/>
-          </a:prstGeom>
-          <a:noFill/>
-        </p:spPr>
-        <p:txBody>
-          <a:bodyPr wrap="square" rtlCol="0">
-            <a:spAutoFit/>
-          </a:bodyPr>
-          <a:lstStyle/>
-          <a:p>
-            <a:r>
-              <a:rPr lang="en-US" sz="2400" dirty="0">
-                <a:latin typeface="Open Sans" pitchFamily="2" charset="0"/>
-                <a:ea typeface="Open Sans" pitchFamily="2" charset="0"/>
-                <a:cs typeface="Open Sans" pitchFamily="2" charset="0"/>
-              </a:rPr>
-              <a:t>Body</a:t>
-            </a:r>
-          </a:p>
-        </p:txBody>
-      </p:sp>
-    </p:spTree>
-    <p:extLst>
-      <p:ext uri="{BB962C8B-B14F-4D97-AF65-F5344CB8AC3E}">
-        <p14:creationId xmlns:p14="http://schemas.microsoft.com/office/powerpoint/2010/main" val="1547007154"/>
-      </p:ext>
-    </p:extLst>
-  </p:cSld>
-  <p:clrMapOvr>
-    <a:masterClrMapping/>
-  </p:clrMapOvr>
-</p:sld>
-</file>
-
-<file path=ppt/slides/slide9.xml><?xml version="1.0" encoding="utf-8"?>
-<p:sld xmlns:a="http://schemas.openxmlformats.org/drawingml/2006/main" xmlns:r="http://schemas.openxmlformats.org/officeDocument/2006/relationships" xmlns:p="http://schemas.openxmlformats.org/presentationml/2006/main">
-  <p:cSld>
-    <p:spTree>
-      <p:nvGrpSpPr>
-        <p:cNvPr id="1" name="">
-          <a:extLst>
-            <a:ext uri="{FF2B5EF4-FFF2-40B4-BE49-F238E27FC236}">
-              <a16:creationId xmlns:a16="http://schemas.microsoft.com/office/drawing/2014/main" id="{08FDEB79-9392-ECBD-AF67-8BA85ACFAFB0}"/>
-            </a:ext>
-          </a:extLst>
-        </p:cNvPr>
-        <p:cNvGrpSpPr/>
-        <p:nvPr/>
-      </p:nvGrpSpPr>
-      <p:grpSpPr>
-        <a:xfrm>
-          <a:off x="0" y="0"/>
-          <a:ext cx="0" cy="0"/>
-          <a:chOff x="0" y="0"/>
-          <a:chExt cx="0" cy="0"/>
-        </a:xfrm>
-      </p:grpSpPr>
-      <p:sp>
-        <p:nvSpPr>
-          <p:cNvPr id="5" name="TextBox 4">
-            <a:extLst>
-              <a:ext uri="{FF2B5EF4-FFF2-40B4-BE49-F238E27FC236}">
-                <a16:creationId xmlns:a16="http://schemas.microsoft.com/office/drawing/2014/main" id="{059FC48E-51BB-364D-04DD-6359B7B743C3}"/>
-              </a:ext>
-            </a:extLst>
-          </p:cNvPr>
-          <p:cNvSpPr txBox="1"/>
-          <p:nvPr/>
-        </p:nvSpPr>
-        <p:spPr>
-          <a:xfrm>
-            <a:off x="1597742" y="403123"/>
-            <a:ext cx="8996516" cy="646331"/>
-          </a:xfrm>
-          <a:prstGeom prst="rect">
-            <a:avLst/>
-          </a:prstGeom>
-          <a:noFill/>
-        </p:spPr>
-        <p:txBody>
-          <a:bodyPr wrap="square" rtlCol="0">
-            <a:spAutoFit/>
-          </a:bodyPr>
-          <a:lstStyle/>
-          <a:p>
-            <a:pPr algn="ctr"/>
-            <a:r>
-              <a:rPr lang="en-US" sz="3600" dirty="0">
-                <a:latin typeface="Bebas Neue" panose="020B0606020202050201" pitchFamily="34" charset="0"/>
-              </a:rPr>
-              <a:t>Heading </a:t>
-            </a:r>
-          </a:p>
-        </p:txBody>
-      </p:sp>
-      <p:sp>
-        <p:nvSpPr>
-          <p:cNvPr id="7" name="TextBox 6">
-            <a:extLst>
-              <a:ext uri="{FF2B5EF4-FFF2-40B4-BE49-F238E27FC236}">
-                <a16:creationId xmlns:a16="http://schemas.microsoft.com/office/drawing/2014/main" id="{D6E8AF85-3FDC-99EF-BECE-EC9B0B2F4255}"/>
-              </a:ext>
-            </a:extLst>
-          </p:cNvPr>
-          <p:cNvSpPr txBox="1"/>
-          <p:nvPr/>
-        </p:nvSpPr>
-        <p:spPr>
-          <a:xfrm>
-            <a:off x="1597742" y="1049454"/>
-            <a:ext cx="8996516" cy="461665"/>
-          </a:xfrm>
-          <a:prstGeom prst="rect">
-            <a:avLst/>
-          </a:prstGeom>
-          <a:noFill/>
-        </p:spPr>
-        <p:txBody>
-          <a:bodyPr wrap="square" rtlCol="0">
-            <a:spAutoFit/>
-          </a:bodyPr>
-          <a:lstStyle/>
-          <a:p>
-            <a:r>
-              <a:rPr lang="en-US" sz="2400" dirty="0">
-                <a:latin typeface="Open Sans" pitchFamily="2" charset="0"/>
-                <a:ea typeface="Open Sans" pitchFamily="2" charset="0"/>
-                <a:cs typeface="Open Sans" pitchFamily="2" charset="0"/>
-              </a:rPr>
-              <a:t>Body</a:t>
-            </a:r>
-          </a:p>
-        </p:txBody>
-      </p:sp>
-    </p:spTree>
-    <p:extLst>
-      <p:ext uri="{BB962C8B-B14F-4D97-AF65-F5344CB8AC3E}">
-        <p14:creationId xmlns:p14="http://schemas.microsoft.com/office/powerpoint/2010/main" val="2077522617"/>
       </p:ext>
     </p:extLst>
   </p:cSld>

--- a/My Note and Practice/Text to Numerical Data Conversion/Categorical(Text to Numeric) data conversion-CTtN/CTtN 1. Label Encoding/Label Encoding.pptx
+++ b/My Note and Practice/Text to Numerical Data Conversion/Categorical(Text to Numeric) data conversion-CTtN/CTtN 1. Label Encoding/Label Encoding.pptx
@@ -7355,7 +7355,7 @@
                 <a:ea typeface="Open Sans" pitchFamily="2" charset="0"/>
                 <a:cs typeface="Open Sans" pitchFamily="2" charset="0"/>
               </a:rPr>
-              <a:t>Again it assigns numbers based on the </a:t>
+              <a:t>Again, it assigns numbers based on the </a:t>
             </a:r>
             <a:r>
               <a:rPr lang="en-US" sz="2400" b="1" dirty="0">
